--- a/template.pptx
+++ b/template.pptx
@@ -2,7 +2,7 @@
 <file path=ppt/presentation.xml><?xml version="1.0" encoding="utf-8"?>
 <p:presentation xmlns:a="http://schemas.openxmlformats.org/drawingml/2006/main" xmlns:r="http://schemas.openxmlformats.org/officeDocument/2006/relationships" xmlns:mc="http://schemas.openxmlformats.org/markup-compatibility/2006" xmlns:mv="urn:schemas-microsoft-com:mac:vml" xmlns:p="http://schemas.openxmlformats.org/presentationml/2006/main" xmlns:c="http://schemas.openxmlformats.org/drawingml/2006/chart" xmlns:dgm="http://schemas.openxmlformats.org/drawingml/2006/diagram" xmlns:o="urn:schemas-microsoft-com:office:office" xmlns:v="urn:schemas-microsoft-com:vml" xmlns:pvml="urn:schemas-microsoft-com:office:powerpoint" xmlns:com="http://schemas.openxmlformats.org/drawingml/2006/compatibility" xmlns:p14="http://schemas.microsoft.com/office/powerpoint/2010/main" xmlns:p15="http://schemas.microsoft.com/office/powerpoint/2012/main" xmlns:ahyp="http://schemas.microsoft.com/office/drawing/2018/hyperlinkcolor" autoCompressPictures="0" strictFirstAndLastChars="0" saveSubsetFonts="1">
   <p:sldMasterIdLst>
-    <p:sldMasterId id="2147483650" r:id="rId4"/>
+    <p:sldMasterId id="2147483648" r:id="rId4"/>
   </p:sldMasterIdLst>
   <p:notesMasterIdLst>
     <p:notesMasterId r:id="rId5"/>
@@ -256,6 +256,9 @@
         </p15:guide>
       </p15:sldGuideLst>
     </p:ext>
+    <p:ext uri="GoogleSlidesCustomDataVersion2">
+      <go:slidesCustomData xmlns:go="http://customooxmlschemas.google.com/" r:id="rId7" roundtripDataSignature="AMtx7mhqIBll9ninnoyqkfhiVTDLBQGLfw=="/>
+    </p:ext>
   </p:extLst>
 </p:presentation>
 </file>
@@ -356,13 +359,20 @@
           </a:bodyPr>
           <a:lstStyle>
             <a:lvl1pPr lvl="0" marR="0" rtl="0" algn="l">
-              <a:spcBef>
-                <a:spcPts val="0"/>
-              </a:spcBef>
-              <a:spcAft>
-                <a:spcPts val="0"/>
-              </a:spcAft>
+              <a:lnSpc>
+                <a:spcPct val="100000"/>
+              </a:lnSpc>
+              <a:spcBef>
+                <a:spcPts val="0"/>
+              </a:spcBef>
+              <a:spcAft>
+                <a:spcPts val="0"/>
+              </a:spcAft>
+              <a:buClr>
+                <a:srgbClr val="000000"/>
+              </a:buClr>
               <a:buSzPts val="1400"/>
+              <a:buFont typeface="Arial"/>
               <a:buNone/>
               <a:defRPr b="0" i="0" sz="900" u="none" cap="none" strike="noStrike">
                 <a:solidFill>
@@ -375,13 +385,20 @@
               </a:defRPr>
             </a:lvl1pPr>
             <a:lvl2pPr lvl="1" marR="0" rtl="0" algn="l">
-              <a:spcBef>
-                <a:spcPts val="0"/>
-              </a:spcBef>
-              <a:spcAft>
-                <a:spcPts val="0"/>
-              </a:spcAft>
+              <a:lnSpc>
+                <a:spcPct val="100000"/>
+              </a:lnSpc>
+              <a:spcBef>
+                <a:spcPts val="0"/>
+              </a:spcBef>
+              <a:spcAft>
+                <a:spcPts val="0"/>
+              </a:spcAft>
+              <a:buClr>
+                <a:srgbClr val="000000"/>
+              </a:buClr>
               <a:buSzPts val="1400"/>
+              <a:buFont typeface="Arial"/>
               <a:buNone/>
               <a:defRPr b="0" i="0" sz="1800" u="none" cap="none" strike="noStrike">
                 <a:solidFill>
@@ -394,13 +411,20 @@
               </a:defRPr>
             </a:lvl2pPr>
             <a:lvl3pPr lvl="2" marR="0" rtl="0" algn="l">
-              <a:spcBef>
-                <a:spcPts val="0"/>
-              </a:spcBef>
-              <a:spcAft>
-                <a:spcPts val="0"/>
-              </a:spcAft>
+              <a:lnSpc>
+                <a:spcPct val="100000"/>
+              </a:lnSpc>
+              <a:spcBef>
+                <a:spcPts val="0"/>
+              </a:spcBef>
+              <a:spcAft>
+                <a:spcPts val="0"/>
+              </a:spcAft>
+              <a:buClr>
+                <a:srgbClr val="000000"/>
+              </a:buClr>
               <a:buSzPts val="1400"/>
+              <a:buFont typeface="Arial"/>
               <a:buNone/>
               <a:defRPr b="0" i="0" sz="1800" u="none" cap="none" strike="noStrike">
                 <a:solidFill>
@@ -413,13 +437,20 @@
               </a:defRPr>
             </a:lvl3pPr>
             <a:lvl4pPr lvl="3" marR="0" rtl="0" algn="l">
-              <a:spcBef>
-                <a:spcPts val="0"/>
-              </a:spcBef>
-              <a:spcAft>
-                <a:spcPts val="0"/>
-              </a:spcAft>
+              <a:lnSpc>
+                <a:spcPct val="100000"/>
+              </a:lnSpc>
+              <a:spcBef>
+                <a:spcPts val="0"/>
+              </a:spcBef>
+              <a:spcAft>
+                <a:spcPts val="0"/>
+              </a:spcAft>
+              <a:buClr>
+                <a:srgbClr val="000000"/>
+              </a:buClr>
               <a:buSzPts val="1400"/>
+              <a:buFont typeface="Arial"/>
               <a:buNone/>
               <a:defRPr b="0" i="0" sz="1800" u="none" cap="none" strike="noStrike">
                 <a:solidFill>
@@ -432,13 +463,20 @@
               </a:defRPr>
             </a:lvl4pPr>
             <a:lvl5pPr lvl="4" marR="0" rtl="0" algn="l">
-              <a:spcBef>
-                <a:spcPts val="0"/>
-              </a:spcBef>
-              <a:spcAft>
-                <a:spcPts val="0"/>
-              </a:spcAft>
+              <a:lnSpc>
+                <a:spcPct val="100000"/>
+              </a:lnSpc>
+              <a:spcBef>
+                <a:spcPts val="0"/>
+              </a:spcBef>
+              <a:spcAft>
+                <a:spcPts val="0"/>
+              </a:spcAft>
+              <a:buClr>
+                <a:srgbClr val="000000"/>
+              </a:buClr>
               <a:buSzPts val="1400"/>
+              <a:buFont typeface="Arial"/>
               <a:buNone/>
               <a:defRPr b="0" i="0" sz="1800" u="none" cap="none" strike="noStrike">
                 <a:solidFill>
@@ -451,13 +489,20 @@
               </a:defRPr>
             </a:lvl5pPr>
             <a:lvl6pPr lvl="5" marR="0" rtl="0" algn="l">
-              <a:spcBef>
-                <a:spcPts val="0"/>
-              </a:spcBef>
-              <a:spcAft>
-                <a:spcPts val="0"/>
-              </a:spcAft>
+              <a:lnSpc>
+                <a:spcPct val="100000"/>
+              </a:lnSpc>
+              <a:spcBef>
+                <a:spcPts val="0"/>
+              </a:spcBef>
+              <a:spcAft>
+                <a:spcPts val="0"/>
+              </a:spcAft>
+              <a:buClr>
+                <a:srgbClr val="000000"/>
+              </a:buClr>
               <a:buSzPts val="1400"/>
+              <a:buFont typeface="Arial"/>
               <a:buNone/>
               <a:defRPr b="0" i="0" sz="1800" u="none" cap="none" strike="noStrike">
                 <a:solidFill>
@@ -470,13 +515,20 @@
               </a:defRPr>
             </a:lvl6pPr>
             <a:lvl7pPr lvl="6" marR="0" rtl="0" algn="l">
-              <a:spcBef>
-                <a:spcPts val="0"/>
-              </a:spcBef>
-              <a:spcAft>
-                <a:spcPts val="0"/>
-              </a:spcAft>
+              <a:lnSpc>
+                <a:spcPct val="100000"/>
+              </a:lnSpc>
+              <a:spcBef>
+                <a:spcPts val="0"/>
+              </a:spcBef>
+              <a:spcAft>
+                <a:spcPts val="0"/>
+              </a:spcAft>
+              <a:buClr>
+                <a:srgbClr val="000000"/>
+              </a:buClr>
               <a:buSzPts val="1400"/>
+              <a:buFont typeface="Arial"/>
               <a:buNone/>
               <a:defRPr b="0" i="0" sz="1800" u="none" cap="none" strike="noStrike">
                 <a:solidFill>
@@ -489,13 +541,20 @@
               </a:defRPr>
             </a:lvl7pPr>
             <a:lvl8pPr lvl="7" marR="0" rtl="0" algn="l">
-              <a:spcBef>
-                <a:spcPts val="0"/>
-              </a:spcBef>
-              <a:spcAft>
-                <a:spcPts val="0"/>
-              </a:spcAft>
+              <a:lnSpc>
+                <a:spcPct val="100000"/>
+              </a:lnSpc>
+              <a:spcBef>
+                <a:spcPts val="0"/>
+              </a:spcBef>
+              <a:spcAft>
+                <a:spcPts val="0"/>
+              </a:spcAft>
+              <a:buClr>
+                <a:srgbClr val="000000"/>
+              </a:buClr>
               <a:buSzPts val="1400"/>
+              <a:buFont typeface="Arial"/>
               <a:buNone/>
               <a:defRPr b="0" i="0" sz="1800" u="none" cap="none" strike="noStrike">
                 <a:solidFill>
@@ -508,13 +567,20 @@
               </a:defRPr>
             </a:lvl8pPr>
             <a:lvl9pPr lvl="8" marR="0" rtl="0" algn="l">
-              <a:spcBef>
-                <a:spcPts val="0"/>
-              </a:spcBef>
-              <a:spcAft>
-                <a:spcPts val="0"/>
-              </a:spcAft>
+              <a:lnSpc>
+                <a:spcPct val="100000"/>
+              </a:lnSpc>
+              <a:spcBef>
+                <a:spcPts val="0"/>
+              </a:spcBef>
+              <a:spcAft>
+                <a:spcPts val="0"/>
+              </a:spcAft>
+              <a:buClr>
+                <a:srgbClr val="000000"/>
+              </a:buClr>
               <a:buSzPts val="1400"/>
+              <a:buFont typeface="Arial"/>
               <a:buNone/>
               <a:defRPr b="0" i="0" sz="1800" u="none" cap="none" strike="noStrike">
                 <a:solidFill>
@@ -558,12 +624,20 @@
           <a:lstStyle/>
           <a:p>
             <a:pPr indent="0" lvl="0" marL="0" marR="0" rtl="0" algn="r">
-              <a:spcBef>
-                <a:spcPts val="0"/>
-              </a:spcBef>
-              <a:spcAft>
-                <a:spcPts val="0"/>
-              </a:spcAft>
+              <a:lnSpc>
+                <a:spcPct val="100000"/>
+              </a:lnSpc>
+              <a:spcBef>
+                <a:spcPts val="0"/>
+              </a:spcBef>
+              <a:spcAft>
+                <a:spcPts val="0"/>
+              </a:spcAft>
+              <a:buClr>
+                <a:srgbClr val="000000"/>
+              </a:buClr>
+              <a:buSzPts val="900"/>
+              <a:buFont typeface="Arial"/>
               <a:buNone/>
             </a:pPr>
             <a:fld id="{00000000-1234-1234-1234-123412341234}" type="slidenum">
@@ -617,13 +691,20 @@
           </a:bodyPr>
           <a:lstStyle>
             <a:lvl1pPr indent="-228600" lvl="0" marL="457200" marR="0" rtl="0" algn="l">
-              <a:spcBef>
-                <a:spcPts val="0"/>
-              </a:spcBef>
-              <a:spcAft>
-                <a:spcPts val="0"/>
-              </a:spcAft>
+              <a:lnSpc>
+                <a:spcPct val="100000"/>
+              </a:lnSpc>
+              <a:spcBef>
+                <a:spcPts val="0"/>
+              </a:spcBef>
+              <a:spcAft>
+                <a:spcPts val="0"/>
+              </a:spcAft>
+              <a:buClr>
+                <a:srgbClr val="000000"/>
+              </a:buClr>
               <a:buSzPts val="1400"/>
+              <a:buFont typeface="Arial"/>
               <a:buNone/>
               <a:defRPr b="0" i="0" sz="1100" u="none" cap="none" strike="noStrike">
                 <a:solidFill>
@@ -636,6 +717,9 @@
               </a:defRPr>
             </a:lvl1pPr>
             <a:lvl2pPr indent="-298450" lvl="1" marL="914400" marR="0" rtl="0" algn="l">
+              <a:lnSpc>
+                <a:spcPct val="100000"/>
+              </a:lnSpc>
               <a:spcBef>
                 <a:spcPts val="600"/>
               </a:spcBef>
@@ -659,6 +743,9 @@
               </a:defRPr>
             </a:lvl2pPr>
             <a:lvl3pPr indent="-298450" lvl="2" marL="1371600" marR="0" rtl="0" algn="l">
+              <a:lnSpc>
+                <a:spcPct val="100000"/>
+              </a:lnSpc>
               <a:spcBef>
                 <a:spcPts val="600"/>
               </a:spcBef>
@@ -682,6 +769,9 @@
               </a:defRPr>
             </a:lvl3pPr>
             <a:lvl4pPr indent="-298450" lvl="3" marL="1828800" marR="0" rtl="0" algn="l">
+              <a:lnSpc>
+                <a:spcPct val="100000"/>
+              </a:lnSpc>
               <a:spcBef>
                 <a:spcPts val="600"/>
               </a:spcBef>
@@ -705,6 +795,9 @@
               </a:defRPr>
             </a:lvl4pPr>
             <a:lvl5pPr indent="-298450" lvl="4" marL="2286000" marR="0" rtl="0" algn="l">
+              <a:lnSpc>
+                <a:spcPct val="100000"/>
+              </a:lnSpc>
               <a:spcBef>
                 <a:spcPts val="600"/>
               </a:spcBef>
@@ -728,13 +821,20 @@
               </a:defRPr>
             </a:lvl5pPr>
             <a:lvl6pPr indent="-228600" lvl="5" marL="2743200" marR="0" rtl="0" algn="l">
+              <a:lnSpc>
+                <a:spcPct val="100000"/>
+              </a:lnSpc>
               <a:spcBef>
                 <a:spcPts val="600"/>
               </a:spcBef>
               <a:spcAft>
                 <a:spcPts val="0"/>
               </a:spcAft>
+              <a:buClr>
+                <a:srgbClr val="000000"/>
+              </a:buClr>
               <a:buSzPts val="1400"/>
+              <a:buFont typeface="Arial"/>
               <a:buNone/>
               <a:defRPr b="0" i="0" sz="1200" u="none" cap="none" strike="noStrike">
                 <a:solidFill>
@@ -747,13 +847,20 @@
               </a:defRPr>
             </a:lvl6pPr>
             <a:lvl7pPr indent="-228600" lvl="6" marL="3200400" marR="0" rtl="0" algn="l">
-              <a:spcBef>
-                <a:spcPts val="0"/>
-              </a:spcBef>
-              <a:spcAft>
-                <a:spcPts val="0"/>
-              </a:spcAft>
+              <a:lnSpc>
+                <a:spcPct val="100000"/>
+              </a:lnSpc>
+              <a:spcBef>
+                <a:spcPts val="0"/>
+              </a:spcBef>
+              <a:spcAft>
+                <a:spcPts val="0"/>
+              </a:spcAft>
+              <a:buClr>
+                <a:srgbClr val="000000"/>
+              </a:buClr>
               <a:buSzPts val="1400"/>
+              <a:buFont typeface="Arial"/>
               <a:buNone/>
               <a:defRPr b="0" i="0" sz="1200" u="none" cap="none" strike="noStrike">
                 <a:solidFill>
@@ -766,13 +873,20 @@
               </a:defRPr>
             </a:lvl7pPr>
             <a:lvl8pPr indent="-228600" lvl="7" marL="3657600" marR="0" rtl="0" algn="l">
-              <a:spcBef>
-                <a:spcPts val="0"/>
-              </a:spcBef>
-              <a:spcAft>
-                <a:spcPts val="0"/>
-              </a:spcAft>
+              <a:lnSpc>
+                <a:spcPct val="100000"/>
+              </a:lnSpc>
+              <a:spcBef>
+                <a:spcPts val="0"/>
+              </a:spcBef>
+              <a:spcAft>
+                <a:spcPts val="0"/>
+              </a:spcAft>
+              <a:buClr>
+                <a:srgbClr val="000000"/>
+              </a:buClr>
               <a:buSzPts val="1400"/>
+              <a:buFont typeface="Arial"/>
               <a:buNone/>
               <a:defRPr b="0" i="0" sz="1200" u="none" cap="none" strike="noStrike">
                 <a:solidFill>
@@ -785,13 +899,20 @@
               </a:defRPr>
             </a:lvl8pPr>
             <a:lvl9pPr indent="-228600" lvl="8" marL="4114800" marR="0" rtl="0" algn="l">
-              <a:spcBef>
-                <a:spcPts val="0"/>
-              </a:spcBef>
-              <a:spcAft>
-                <a:spcPts val="0"/>
-              </a:spcAft>
+              <a:lnSpc>
+                <a:spcPct val="100000"/>
+              </a:lnSpc>
+              <a:spcBef>
+                <a:spcPts val="0"/>
+              </a:spcBef>
+              <a:spcAft>
+                <a:spcPts val="0"/>
+              </a:spcAft>
+              <a:buClr>
+                <a:srgbClr val="000000"/>
+              </a:buClr>
               <a:buSzPts val="1400"/>
+              <a:buFont typeface="Arial"/>
               <a:buNone/>
               <a:defRPr b="0" i="0" sz="1200" u="none" cap="none" strike="noStrike">
                 <a:solidFill>
@@ -834,13 +955,20 @@
           </a:bodyPr>
           <a:lstStyle>
             <a:lvl1pPr lvl="0" marR="0" rtl="0" algn="r">
-              <a:spcBef>
-                <a:spcPts val="0"/>
-              </a:spcBef>
-              <a:spcAft>
-                <a:spcPts val="0"/>
-              </a:spcAft>
+              <a:lnSpc>
+                <a:spcPct val="100000"/>
+              </a:lnSpc>
+              <a:spcBef>
+                <a:spcPts val="0"/>
+              </a:spcBef>
+              <a:spcAft>
+                <a:spcPts val="0"/>
+              </a:spcAft>
+              <a:buClr>
+                <a:srgbClr val="000000"/>
+              </a:buClr>
               <a:buSzPts val="1400"/>
+              <a:buFont typeface="Arial"/>
               <a:buNone/>
               <a:defRPr b="0" i="0" sz="900" u="none" cap="none" strike="noStrike">
                 <a:solidFill>
@@ -853,13 +981,20 @@
               </a:defRPr>
             </a:lvl1pPr>
             <a:lvl2pPr lvl="1" marR="0" rtl="0" algn="l">
-              <a:spcBef>
-                <a:spcPts val="0"/>
-              </a:spcBef>
-              <a:spcAft>
-                <a:spcPts val="0"/>
-              </a:spcAft>
+              <a:lnSpc>
+                <a:spcPct val="100000"/>
+              </a:lnSpc>
+              <a:spcBef>
+                <a:spcPts val="0"/>
+              </a:spcBef>
+              <a:spcAft>
+                <a:spcPts val="0"/>
+              </a:spcAft>
+              <a:buClr>
+                <a:srgbClr val="000000"/>
+              </a:buClr>
               <a:buSzPts val="1400"/>
+              <a:buFont typeface="Arial"/>
               <a:buNone/>
               <a:defRPr b="0" i="0" sz="1800" u="none" cap="none" strike="noStrike">
                 <a:solidFill>
@@ -872,13 +1007,20 @@
               </a:defRPr>
             </a:lvl2pPr>
             <a:lvl3pPr lvl="2" marR="0" rtl="0" algn="l">
-              <a:spcBef>
-                <a:spcPts val="0"/>
-              </a:spcBef>
-              <a:spcAft>
-                <a:spcPts val="0"/>
-              </a:spcAft>
+              <a:lnSpc>
+                <a:spcPct val="100000"/>
+              </a:lnSpc>
+              <a:spcBef>
+                <a:spcPts val="0"/>
+              </a:spcBef>
+              <a:spcAft>
+                <a:spcPts val="0"/>
+              </a:spcAft>
+              <a:buClr>
+                <a:srgbClr val="000000"/>
+              </a:buClr>
               <a:buSzPts val="1400"/>
+              <a:buFont typeface="Arial"/>
               <a:buNone/>
               <a:defRPr b="0" i="0" sz="1800" u="none" cap="none" strike="noStrike">
                 <a:solidFill>
@@ -891,13 +1033,20 @@
               </a:defRPr>
             </a:lvl3pPr>
             <a:lvl4pPr lvl="3" marR="0" rtl="0" algn="l">
-              <a:spcBef>
-                <a:spcPts val="0"/>
-              </a:spcBef>
-              <a:spcAft>
-                <a:spcPts val="0"/>
-              </a:spcAft>
+              <a:lnSpc>
+                <a:spcPct val="100000"/>
+              </a:lnSpc>
+              <a:spcBef>
+                <a:spcPts val="0"/>
+              </a:spcBef>
+              <a:spcAft>
+                <a:spcPts val="0"/>
+              </a:spcAft>
+              <a:buClr>
+                <a:srgbClr val="000000"/>
+              </a:buClr>
               <a:buSzPts val="1400"/>
+              <a:buFont typeface="Arial"/>
               <a:buNone/>
               <a:defRPr b="0" i="0" sz="1800" u="none" cap="none" strike="noStrike">
                 <a:solidFill>
@@ -910,13 +1059,20 @@
               </a:defRPr>
             </a:lvl4pPr>
             <a:lvl5pPr lvl="4" marR="0" rtl="0" algn="l">
-              <a:spcBef>
-                <a:spcPts val="0"/>
-              </a:spcBef>
-              <a:spcAft>
-                <a:spcPts val="0"/>
-              </a:spcAft>
+              <a:lnSpc>
+                <a:spcPct val="100000"/>
+              </a:lnSpc>
+              <a:spcBef>
+                <a:spcPts val="0"/>
+              </a:spcBef>
+              <a:spcAft>
+                <a:spcPts val="0"/>
+              </a:spcAft>
+              <a:buClr>
+                <a:srgbClr val="000000"/>
+              </a:buClr>
               <a:buSzPts val="1400"/>
+              <a:buFont typeface="Arial"/>
               <a:buNone/>
               <a:defRPr b="0" i="0" sz="1800" u="none" cap="none" strike="noStrike">
                 <a:solidFill>
@@ -929,13 +1085,20 @@
               </a:defRPr>
             </a:lvl5pPr>
             <a:lvl6pPr lvl="5" marR="0" rtl="0" algn="l">
-              <a:spcBef>
-                <a:spcPts val="0"/>
-              </a:spcBef>
-              <a:spcAft>
-                <a:spcPts val="0"/>
-              </a:spcAft>
+              <a:lnSpc>
+                <a:spcPct val="100000"/>
+              </a:lnSpc>
+              <a:spcBef>
+                <a:spcPts val="0"/>
+              </a:spcBef>
+              <a:spcAft>
+                <a:spcPts val="0"/>
+              </a:spcAft>
+              <a:buClr>
+                <a:srgbClr val="000000"/>
+              </a:buClr>
               <a:buSzPts val="1400"/>
+              <a:buFont typeface="Arial"/>
               <a:buNone/>
               <a:defRPr b="0" i="0" sz="1800" u="none" cap="none" strike="noStrike">
                 <a:solidFill>
@@ -948,13 +1111,20 @@
               </a:defRPr>
             </a:lvl6pPr>
             <a:lvl7pPr lvl="6" marR="0" rtl="0" algn="l">
-              <a:spcBef>
-                <a:spcPts val="0"/>
-              </a:spcBef>
-              <a:spcAft>
-                <a:spcPts val="0"/>
-              </a:spcAft>
+              <a:lnSpc>
+                <a:spcPct val="100000"/>
+              </a:lnSpc>
+              <a:spcBef>
+                <a:spcPts val="0"/>
+              </a:spcBef>
+              <a:spcAft>
+                <a:spcPts val="0"/>
+              </a:spcAft>
+              <a:buClr>
+                <a:srgbClr val="000000"/>
+              </a:buClr>
               <a:buSzPts val="1400"/>
+              <a:buFont typeface="Arial"/>
               <a:buNone/>
               <a:defRPr b="0" i="0" sz="1800" u="none" cap="none" strike="noStrike">
                 <a:solidFill>
@@ -967,13 +1137,20 @@
               </a:defRPr>
             </a:lvl7pPr>
             <a:lvl8pPr lvl="7" marR="0" rtl="0" algn="l">
-              <a:spcBef>
-                <a:spcPts val="0"/>
-              </a:spcBef>
-              <a:spcAft>
-                <a:spcPts val="0"/>
-              </a:spcAft>
+              <a:lnSpc>
+                <a:spcPct val="100000"/>
+              </a:lnSpc>
+              <a:spcBef>
+                <a:spcPts val="0"/>
+              </a:spcBef>
+              <a:spcAft>
+                <a:spcPts val="0"/>
+              </a:spcAft>
+              <a:buClr>
+                <a:srgbClr val="000000"/>
+              </a:buClr>
               <a:buSzPts val="1400"/>
+              <a:buFont typeface="Arial"/>
               <a:buNone/>
               <a:defRPr b="0" i="0" sz="1800" u="none" cap="none" strike="noStrike">
                 <a:solidFill>
@@ -986,13 +1163,20 @@
               </a:defRPr>
             </a:lvl8pPr>
             <a:lvl9pPr lvl="8" marR="0" rtl="0" algn="l">
-              <a:spcBef>
-                <a:spcPts val="0"/>
-              </a:spcBef>
-              <a:spcAft>
-                <a:spcPts val="0"/>
-              </a:spcAft>
+              <a:lnSpc>
+                <a:spcPct val="100000"/>
+              </a:lnSpc>
+              <a:spcBef>
+                <a:spcPts val="0"/>
+              </a:spcBef>
+              <a:spcAft>
+                <a:spcPts val="0"/>
+              </a:spcAft>
+              <a:buClr>
+                <a:srgbClr val="000000"/>
+              </a:buClr>
               <a:buSzPts val="1400"/>
+              <a:buFont typeface="Arial"/>
               <a:buNone/>
               <a:defRPr b="0" i="0" sz="1800" u="none" cap="none" strike="noStrike">
                 <a:solidFill>
@@ -1035,13 +1219,20 @@
           </a:bodyPr>
           <a:lstStyle>
             <a:lvl1pPr lvl="0" marR="0" rtl="0" algn="l">
-              <a:spcBef>
-                <a:spcPts val="0"/>
-              </a:spcBef>
-              <a:spcAft>
-                <a:spcPts val="0"/>
-              </a:spcAft>
+              <a:lnSpc>
+                <a:spcPct val="100000"/>
+              </a:lnSpc>
+              <a:spcBef>
+                <a:spcPts val="0"/>
+              </a:spcBef>
+              <a:spcAft>
+                <a:spcPts val="0"/>
+              </a:spcAft>
+              <a:buClr>
+                <a:srgbClr val="000000"/>
+              </a:buClr>
               <a:buSzPts val="1400"/>
+              <a:buFont typeface="Arial"/>
               <a:buNone/>
               <a:defRPr b="0" i="0" sz="900" u="none" cap="none" strike="noStrike">
                 <a:solidFill>
@@ -1054,13 +1245,20 @@
               </a:defRPr>
             </a:lvl1pPr>
             <a:lvl2pPr lvl="1" marR="0" rtl="0" algn="l">
-              <a:spcBef>
-                <a:spcPts val="0"/>
-              </a:spcBef>
-              <a:spcAft>
-                <a:spcPts val="0"/>
-              </a:spcAft>
+              <a:lnSpc>
+                <a:spcPct val="100000"/>
+              </a:lnSpc>
+              <a:spcBef>
+                <a:spcPts val="0"/>
+              </a:spcBef>
+              <a:spcAft>
+                <a:spcPts val="0"/>
+              </a:spcAft>
+              <a:buClr>
+                <a:srgbClr val="000000"/>
+              </a:buClr>
               <a:buSzPts val="1400"/>
+              <a:buFont typeface="Arial"/>
               <a:buNone/>
               <a:defRPr b="0" i="0" sz="1800" u="none" cap="none" strike="noStrike">
                 <a:solidFill>
@@ -1073,13 +1271,20 @@
               </a:defRPr>
             </a:lvl2pPr>
             <a:lvl3pPr lvl="2" marR="0" rtl="0" algn="l">
-              <a:spcBef>
-                <a:spcPts val="0"/>
-              </a:spcBef>
-              <a:spcAft>
-                <a:spcPts val="0"/>
-              </a:spcAft>
+              <a:lnSpc>
+                <a:spcPct val="100000"/>
+              </a:lnSpc>
+              <a:spcBef>
+                <a:spcPts val="0"/>
+              </a:spcBef>
+              <a:spcAft>
+                <a:spcPts val="0"/>
+              </a:spcAft>
+              <a:buClr>
+                <a:srgbClr val="000000"/>
+              </a:buClr>
               <a:buSzPts val="1400"/>
+              <a:buFont typeface="Arial"/>
               <a:buNone/>
               <a:defRPr b="0" i="0" sz="1800" u="none" cap="none" strike="noStrike">
                 <a:solidFill>
@@ -1092,13 +1297,20 @@
               </a:defRPr>
             </a:lvl3pPr>
             <a:lvl4pPr lvl="3" marR="0" rtl="0" algn="l">
-              <a:spcBef>
-                <a:spcPts val="0"/>
-              </a:spcBef>
-              <a:spcAft>
-                <a:spcPts val="0"/>
-              </a:spcAft>
+              <a:lnSpc>
+                <a:spcPct val="100000"/>
+              </a:lnSpc>
+              <a:spcBef>
+                <a:spcPts val="0"/>
+              </a:spcBef>
+              <a:spcAft>
+                <a:spcPts val="0"/>
+              </a:spcAft>
+              <a:buClr>
+                <a:srgbClr val="000000"/>
+              </a:buClr>
               <a:buSzPts val="1400"/>
+              <a:buFont typeface="Arial"/>
               <a:buNone/>
               <a:defRPr b="0" i="0" sz="1800" u="none" cap="none" strike="noStrike">
                 <a:solidFill>
@@ -1111,13 +1323,20 @@
               </a:defRPr>
             </a:lvl4pPr>
             <a:lvl5pPr lvl="4" marR="0" rtl="0" algn="l">
-              <a:spcBef>
-                <a:spcPts val="0"/>
-              </a:spcBef>
-              <a:spcAft>
-                <a:spcPts val="0"/>
-              </a:spcAft>
+              <a:lnSpc>
+                <a:spcPct val="100000"/>
+              </a:lnSpc>
+              <a:spcBef>
+                <a:spcPts val="0"/>
+              </a:spcBef>
+              <a:spcAft>
+                <a:spcPts val="0"/>
+              </a:spcAft>
+              <a:buClr>
+                <a:srgbClr val="000000"/>
+              </a:buClr>
               <a:buSzPts val="1400"/>
+              <a:buFont typeface="Arial"/>
               <a:buNone/>
               <a:defRPr b="0" i="0" sz="1800" u="none" cap="none" strike="noStrike">
                 <a:solidFill>
@@ -1130,13 +1349,20 @@
               </a:defRPr>
             </a:lvl5pPr>
             <a:lvl6pPr lvl="5" marR="0" rtl="0" algn="l">
-              <a:spcBef>
-                <a:spcPts val="0"/>
-              </a:spcBef>
-              <a:spcAft>
-                <a:spcPts val="0"/>
-              </a:spcAft>
+              <a:lnSpc>
+                <a:spcPct val="100000"/>
+              </a:lnSpc>
+              <a:spcBef>
+                <a:spcPts val="0"/>
+              </a:spcBef>
+              <a:spcAft>
+                <a:spcPts val="0"/>
+              </a:spcAft>
+              <a:buClr>
+                <a:srgbClr val="000000"/>
+              </a:buClr>
               <a:buSzPts val="1400"/>
+              <a:buFont typeface="Arial"/>
               <a:buNone/>
               <a:defRPr b="0" i="0" sz="1800" u="none" cap="none" strike="noStrike">
                 <a:solidFill>
@@ -1149,13 +1375,20 @@
               </a:defRPr>
             </a:lvl6pPr>
             <a:lvl7pPr lvl="6" marR="0" rtl="0" algn="l">
-              <a:spcBef>
-                <a:spcPts val="0"/>
-              </a:spcBef>
-              <a:spcAft>
-                <a:spcPts val="0"/>
-              </a:spcAft>
+              <a:lnSpc>
+                <a:spcPct val="100000"/>
+              </a:lnSpc>
+              <a:spcBef>
+                <a:spcPts val="0"/>
+              </a:spcBef>
+              <a:spcAft>
+                <a:spcPts val="0"/>
+              </a:spcAft>
+              <a:buClr>
+                <a:srgbClr val="000000"/>
+              </a:buClr>
               <a:buSzPts val="1400"/>
+              <a:buFont typeface="Arial"/>
               <a:buNone/>
               <a:defRPr b="0" i="0" sz="1800" u="none" cap="none" strike="noStrike">
                 <a:solidFill>
@@ -1168,13 +1401,20 @@
               </a:defRPr>
             </a:lvl7pPr>
             <a:lvl8pPr lvl="7" marR="0" rtl="0" algn="l">
-              <a:spcBef>
-                <a:spcPts val="0"/>
-              </a:spcBef>
-              <a:spcAft>
-                <a:spcPts val="0"/>
-              </a:spcAft>
+              <a:lnSpc>
+                <a:spcPct val="100000"/>
+              </a:lnSpc>
+              <a:spcBef>
+                <a:spcPts val="0"/>
+              </a:spcBef>
+              <a:spcAft>
+                <a:spcPts val="0"/>
+              </a:spcAft>
+              <a:buClr>
+                <a:srgbClr val="000000"/>
+              </a:buClr>
               <a:buSzPts val="1400"/>
+              <a:buFont typeface="Arial"/>
               <a:buNone/>
               <a:defRPr b="0" i="0" sz="1800" u="none" cap="none" strike="noStrike">
                 <a:solidFill>
@@ -1187,13 +1427,20 @@
               </a:defRPr>
             </a:lvl8pPr>
             <a:lvl9pPr lvl="8" marR="0" rtl="0" algn="l">
-              <a:spcBef>
-                <a:spcPts val="0"/>
-              </a:spcBef>
-              <a:spcAft>
-                <a:spcPts val="0"/>
-              </a:spcAft>
+              <a:lnSpc>
+                <a:spcPct val="100000"/>
+              </a:lnSpc>
+              <a:spcBef>
+                <a:spcPts val="0"/>
+              </a:spcBef>
+              <a:spcAft>
+                <a:spcPts val="0"/>
+              </a:spcAft>
+              <a:buClr>
+                <a:srgbClr val="000000"/>
+              </a:buClr>
               <a:buSzPts val="1400"/>
+              <a:buFont typeface="Arial"/>
               <a:buNone/>
               <a:defRPr b="0" i="0" sz="1800" u="none" cap="none" strike="noStrike">
                 <a:solidFill>
@@ -1449,7 +1696,7 @@
   <p:cSld>
     <p:spTree>
       <p:nvGrpSpPr>
-        <p:cNvPr id="27" name="Shape 27"/>
+        <p:cNvPr id="35" name="Shape 35"/>
         <p:cNvGrpSpPr/>
         <p:nvPr/>
       </p:nvGrpSpPr>
@@ -1463,7 +1710,7 @@
       </p:grpSpPr>
       <p:sp>
         <p:nvSpPr>
-          <p:cNvPr id="28" name="Google Shape;28;p1:notes"/>
+          <p:cNvPr id="36" name="Google Shape;36;p1:notes"/>
           <p:cNvSpPr txBox="1"/>
           <p:nvPr>
             <p:ph idx="1" type="body"/>
@@ -1477,6 +1724,10 @@
           <a:prstGeom prst="rect">
             <a:avLst/>
           </a:prstGeom>
+          <a:noFill/>
+          <a:ln>
+            <a:noFill/>
+          </a:ln>
         </p:spPr>
         <p:txBody>
           <a:bodyPr anchorCtr="0" anchor="t" bIns="0" lIns="0" spcFirstLastPara="1" rIns="0" wrap="square" tIns="0">
@@ -1485,12 +1736,16 @@
           <a:lstStyle/>
           <a:p>
             <a:pPr indent="0" lvl="0" marL="0" rtl="0" algn="l">
+              <a:lnSpc>
+                <a:spcPct val="100000"/>
+              </a:lnSpc>
               <a:spcBef>
                 <a:spcPts val="0"/>
               </a:spcBef>
               <a:spcAft>
                 <a:spcPts val="600"/>
               </a:spcAft>
+              <a:buSzPts val="1400"/>
               <a:buNone/>
             </a:pPr>
             <a:r>
@@ -1502,7 +1757,7 @@
       </p:sp>
       <p:sp>
         <p:nvSpPr>
-          <p:cNvPr id="29" name="Google Shape;29;p1:notes"/>
+          <p:cNvPr id="37" name="Google Shape;37;p1:notes"/>
           <p:cNvSpPr/>
           <p:nvPr>
             <p:ph idx="2" type="sldImg"/>
@@ -1533,6 +1788,16 @@
               </a:path>
             </a:pathLst>
           </a:custGeom>
+          <a:noFill/>
+          <a:ln cap="flat" cmpd="sng" w="9525">
+            <a:solidFill>
+              <a:srgbClr val="000000"/>
+            </a:solidFill>
+            <a:prstDash val="solid"/>
+            <a:round/>
+            <a:headEnd len="sm" w="sm" type="none"/>
+            <a:tailEnd len="sm" w="sm" type="none"/>
+          </a:ln>
         </p:spPr>
       </p:sp>
     </p:spTree>
@@ -1544,8 +1809,8 @@
 </file>
 
 <file path=ppt/slideLayouts/slideLayout1.xml><?xml version="1.0" encoding="utf-8"?>
-<p:sldLayout xmlns:a="http://schemas.openxmlformats.org/drawingml/2006/main" xmlns:r="http://schemas.openxmlformats.org/officeDocument/2006/relationships" xmlns:mc="http://schemas.openxmlformats.org/markup-compatibility/2006" xmlns:mv="urn:schemas-microsoft-com:mac:vml" xmlns:p="http://schemas.openxmlformats.org/presentationml/2006/main" xmlns:c="http://schemas.openxmlformats.org/drawingml/2006/chart" xmlns:dgm="http://schemas.openxmlformats.org/drawingml/2006/diagram" xmlns:o="urn:schemas-microsoft-com:office:office" xmlns:v="urn:schemas-microsoft-com:vml" xmlns:pvml="urn:schemas-microsoft-com:office:powerpoint" xmlns:com="http://schemas.openxmlformats.org/drawingml/2006/compatibility" xmlns:p14="http://schemas.microsoft.com/office/powerpoint/2010/main" xmlns:p15="http://schemas.microsoft.com/office/powerpoint/2012/main" xmlns:ahyp="http://schemas.microsoft.com/office/drawing/2018/hyperlinkcolor" matchingName="default">
-  <p:cSld name="HB Title / Content">
+<p:sldLayout xmlns:a="http://schemas.openxmlformats.org/drawingml/2006/main" xmlns:r="http://schemas.openxmlformats.org/officeDocument/2006/relationships" xmlns:mc="http://schemas.openxmlformats.org/markup-compatibility/2006" xmlns:mv="urn:schemas-microsoft-com:mac:vml" xmlns:p="http://schemas.openxmlformats.org/presentationml/2006/main" xmlns:c="http://schemas.openxmlformats.org/drawingml/2006/chart" xmlns:dgm="http://schemas.openxmlformats.org/drawingml/2006/diagram" xmlns:o="urn:schemas-microsoft-com:office:office" xmlns:v="urn:schemas-microsoft-com:vml" xmlns:pvml="urn:schemas-microsoft-com:office:powerpoint" xmlns:com="http://schemas.openxmlformats.org/drawingml/2006/compatibility" xmlns:p14="http://schemas.microsoft.com/office/powerpoint/2010/main" xmlns:p15="http://schemas.microsoft.com/office/powerpoint/2012/main" xmlns:ahyp="http://schemas.microsoft.com/office/drawing/2018/hyperlinkcolor" matchingName="title">
+  <p:cSld name="CUSTOM">
     <p:spTree>
       <p:nvGrpSpPr>
         <p:cNvPr id="13" name="Shape 13"/>
@@ -1562,7 +1827,363 @@
       </p:grpSpPr>
       <p:sp>
         <p:nvSpPr>
-          <p:cNvPr id="14" name="Google Shape;14;p2"/>
+          <p:cNvPr id="14" name="Google Shape;14;p3"/>
+          <p:cNvSpPr txBox="1"/>
+          <p:nvPr>
+            <p:ph idx="12" type="sldNum"/>
+          </p:nvPr>
+        </p:nvSpPr>
+        <p:spPr>
+          <a:xfrm>
+            <a:off x="342901" y="449562"/>
+            <a:ext cx="558900" cy="144000"/>
+          </a:xfrm>
+          <a:prstGeom prst="rect">
+            <a:avLst/>
+          </a:prstGeom>
+          <a:noFill/>
+          <a:ln>
+            <a:noFill/>
+          </a:ln>
+        </p:spPr>
+        <p:txBody>
+          <a:bodyPr anchorCtr="0" anchor="t" bIns="0" lIns="0" spcFirstLastPara="1" rIns="0" wrap="square" tIns="0">
+            <a:noAutofit/>
+          </a:bodyPr>
+          <a:lstStyle>
+            <a:lvl1pPr indent="0" lvl="0" marL="0" marR="0" algn="l">
+              <a:lnSpc>
+                <a:spcPct val="100000"/>
+              </a:lnSpc>
+              <a:spcBef>
+                <a:spcPts val="0"/>
+              </a:spcBef>
+              <a:spcAft>
+                <a:spcPts val="0"/>
+              </a:spcAft>
+              <a:buClr>
+                <a:srgbClr val="000000"/>
+              </a:buClr>
+              <a:buSzPts val="900"/>
+              <a:buFont typeface="Arial"/>
+              <a:buNone/>
+              <a:defRPr b="0" i="0" sz="900" u="none" cap="none" strike="noStrike">
+                <a:solidFill>
+                  <a:schemeClr val="accent2"/>
+                </a:solidFill>
+                <a:latin typeface="Arial"/>
+                <a:ea typeface="Arial"/>
+                <a:cs typeface="Arial"/>
+                <a:sym typeface="Arial"/>
+              </a:defRPr>
+            </a:lvl1pPr>
+            <a:lvl2pPr indent="0" lvl="1" marL="0" marR="0" algn="l">
+              <a:lnSpc>
+                <a:spcPct val="100000"/>
+              </a:lnSpc>
+              <a:spcBef>
+                <a:spcPts val="0"/>
+              </a:spcBef>
+              <a:spcAft>
+                <a:spcPts val="0"/>
+              </a:spcAft>
+              <a:buClr>
+                <a:srgbClr val="000000"/>
+              </a:buClr>
+              <a:buSzPts val="900"/>
+              <a:buFont typeface="Arial"/>
+              <a:buNone/>
+              <a:defRPr b="0" i="0" sz="900" u="none" cap="none" strike="noStrike">
+                <a:solidFill>
+                  <a:schemeClr val="accent2"/>
+                </a:solidFill>
+                <a:latin typeface="Arial"/>
+                <a:ea typeface="Arial"/>
+                <a:cs typeface="Arial"/>
+                <a:sym typeface="Arial"/>
+              </a:defRPr>
+            </a:lvl2pPr>
+            <a:lvl3pPr indent="0" lvl="2" marL="0" marR="0" algn="l">
+              <a:lnSpc>
+                <a:spcPct val="100000"/>
+              </a:lnSpc>
+              <a:spcBef>
+                <a:spcPts val="0"/>
+              </a:spcBef>
+              <a:spcAft>
+                <a:spcPts val="0"/>
+              </a:spcAft>
+              <a:buClr>
+                <a:srgbClr val="000000"/>
+              </a:buClr>
+              <a:buSzPts val="900"/>
+              <a:buFont typeface="Arial"/>
+              <a:buNone/>
+              <a:defRPr b="0" i="0" sz="900" u="none" cap="none" strike="noStrike">
+                <a:solidFill>
+                  <a:schemeClr val="accent2"/>
+                </a:solidFill>
+                <a:latin typeface="Arial"/>
+                <a:ea typeface="Arial"/>
+                <a:cs typeface="Arial"/>
+                <a:sym typeface="Arial"/>
+              </a:defRPr>
+            </a:lvl3pPr>
+            <a:lvl4pPr indent="0" lvl="3" marL="0" marR="0" algn="l">
+              <a:lnSpc>
+                <a:spcPct val="100000"/>
+              </a:lnSpc>
+              <a:spcBef>
+                <a:spcPts val="0"/>
+              </a:spcBef>
+              <a:spcAft>
+                <a:spcPts val="0"/>
+              </a:spcAft>
+              <a:buClr>
+                <a:srgbClr val="000000"/>
+              </a:buClr>
+              <a:buSzPts val="900"/>
+              <a:buFont typeface="Arial"/>
+              <a:buNone/>
+              <a:defRPr b="0" i="0" sz="900" u="none" cap="none" strike="noStrike">
+                <a:solidFill>
+                  <a:schemeClr val="accent2"/>
+                </a:solidFill>
+                <a:latin typeface="Arial"/>
+                <a:ea typeface="Arial"/>
+                <a:cs typeface="Arial"/>
+                <a:sym typeface="Arial"/>
+              </a:defRPr>
+            </a:lvl4pPr>
+            <a:lvl5pPr indent="0" lvl="4" marL="0" marR="0" algn="l">
+              <a:lnSpc>
+                <a:spcPct val="100000"/>
+              </a:lnSpc>
+              <a:spcBef>
+                <a:spcPts val="0"/>
+              </a:spcBef>
+              <a:spcAft>
+                <a:spcPts val="0"/>
+              </a:spcAft>
+              <a:buClr>
+                <a:srgbClr val="000000"/>
+              </a:buClr>
+              <a:buSzPts val="900"/>
+              <a:buFont typeface="Arial"/>
+              <a:buNone/>
+              <a:defRPr b="0" i="0" sz="900" u="none" cap="none" strike="noStrike">
+                <a:solidFill>
+                  <a:schemeClr val="accent2"/>
+                </a:solidFill>
+                <a:latin typeface="Arial"/>
+                <a:ea typeface="Arial"/>
+                <a:cs typeface="Arial"/>
+                <a:sym typeface="Arial"/>
+              </a:defRPr>
+            </a:lvl5pPr>
+            <a:lvl6pPr indent="0" lvl="5" marL="0" marR="0" algn="l">
+              <a:lnSpc>
+                <a:spcPct val="100000"/>
+              </a:lnSpc>
+              <a:spcBef>
+                <a:spcPts val="0"/>
+              </a:spcBef>
+              <a:spcAft>
+                <a:spcPts val="0"/>
+              </a:spcAft>
+              <a:buClr>
+                <a:srgbClr val="000000"/>
+              </a:buClr>
+              <a:buSzPts val="900"/>
+              <a:buFont typeface="Arial"/>
+              <a:buNone/>
+              <a:defRPr b="0" i="0" sz="900" u="none" cap="none" strike="noStrike">
+                <a:solidFill>
+                  <a:schemeClr val="accent2"/>
+                </a:solidFill>
+                <a:latin typeface="Arial"/>
+                <a:ea typeface="Arial"/>
+                <a:cs typeface="Arial"/>
+                <a:sym typeface="Arial"/>
+              </a:defRPr>
+            </a:lvl6pPr>
+            <a:lvl7pPr indent="0" lvl="6" marL="0" marR="0" algn="l">
+              <a:lnSpc>
+                <a:spcPct val="100000"/>
+              </a:lnSpc>
+              <a:spcBef>
+                <a:spcPts val="0"/>
+              </a:spcBef>
+              <a:spcAft>
+                <a:spcPts val="0"/>
+              </a:spcAft>
+              <a:buClr>
+                <a:srgbClr val="000000"/>
+              </a:buClr>
+              <a:buSzPts val="900"/>
+              <a:buFont typeface="Arial"/>
+              <a:buNone/>
+              <a:defRPr b="0" i="0" sz="900" u="none" cap="none" strike="noStrike">
+                <a:solidFill>
+                  <a:schemeClr val="accent2"/>
+                </a:solidFill>
+                <a:latin typeface="Arial"/>
+                <a:ea typeface="Arial"/>
+                <a:cs typeface="Arial"/>
+                <a:sym typeface="Arial"/>
+              </a:defRPr>
+            </a:lvl7pPr>
+            <a:lvl8pPr indent="0" lvl="7" marL="0" marR="0" algn="l">
+              <a:lnSpc>
+                <a:spcPct val="100000"/>
+              </a:lnSpc>
+              <a:spcBef>
+                <a:spcPts val="0"/>
+              </a:spcBef>
+              <a:spcAft>
+                <a:spcPts val="0"/>
+              </a:spcAft>
+              <a:buClr>
+                <a:srgbClr val="000000"/>
+              </a:buClr>
+              <a:buSzPts val="900"/>
+              <a:buFont typeface="Arial"/>
+              <a:buNone/>
+              <a:defRPr b="0" i="0" sz="900" u="none" cap="none" strike="noStrike">
+                <a:solidFill>
+                  <a:schemeClr val="accent2"/>
+                </a:solidFill>
+                <a:latin typeface="Arial"/>
+                <a:ea typeface="Arial"/>
+                <a:cs typeface="Arial"/>
+                <a:sym typeface="Arial"/>
+              </a:defRPr>
+            </a:lvl8pPr>
+            <a:lvl9pPr indent="0" lvl="8" marL="0" marR="0" algn="l">
+              <a:lnSpc>
+                <a:spcPct val="100000"/>
+              </a:lnSpc>
+              <a:spcBef>
+                <a:spcPts val="0"/>
+              </a:spcBef>
+              <a:spcAft>
+                <a:spcPts val="0"/>
+              </a:spcAft>
+              <a:buClr>
+                <a:srgbClr val="000000"/>
+              </a:buClr>
+              <a:buSzPts val="900"/>
+              <a:buFont typeface="Arial"/>
+              <a:buNone/>
+              <a:defRPr b="0" i="0" sz="900" u="none" cap="none" strike="noStrike">
+                <a:solidFill>
+                  <a:schemeClr val="accent2"/>
+                </a:solidFill>
+                <a:latin typeface="Arial"/>
+                <a:ea typeface="Arial"/>
+                <a:cs typeface="Arial"/>
+                <a:sym typeface="Arial"/>
+              </a:defRPr>
+            </a:lvl9pPr>
+          </a:lstStyle>
+          <a:p>
+            <a:pPr indent="0" lvl="0" marL="0" rtl="0" algn="l">
+              <a:spcBef>
+                <a:spcPts val="0"/>
+              </a:spcBef>
+              <a:spcAft>
+                <a:spcPts val="0"/>
+              </a:spcAft>
+              <a:buNone/>
+            </a:pPr>
+            <a:r>
+              <a:rPr lang="en-US"/>
+              <a:t>PAGE </a:t>
+            </a:r>
+            <a:fld id="{00000000-1234-1234-1234-123412341234}" type="slidenum">
+              <a:rPr lang="en-US"/>
+              <a:t>‹#›</a:t>
+            </a:fld>
+            <a:endParaRPr/>
+          </a:p>
+        </p:txBody>
+      </p:sp>
+      <p:sp>
+        <p:nvSpPr>
+          <p:cNvPr id="15" name="Google Shape;15;p3"/>
+          <p:cNvSpPr/>
+          <p:nvPr/>
+        </p:nvSpPr>
+        <p:spPr>
+          <a:xfrm>
+            <a:off x="143508" y="1448780"/>
+            <a:ext cx="8856900" cy="3960300"/>
+          </a:xfrm>
+          <a:prstGeom prst="rect">
+            <a:avLst/>
+          </a:prstGeom>
+          <a:solidFill>
+            <a:srgbClr val="FFFFFF"/>
+          </a:solidFill>
+          <a:ln>
+            <a:noFill/>
+          </a:ln>
+        </p:spPr>
+        <p:txBody>
+          <a:bodyPr anchorCtr="0" anchor="ctr" bIns="45700" lIns="91425" spcFirstLastPara="1" rIns="91425" wrap="square" tIns="45700">
+            <a:noAutofit/>
+          </a:bodyPr>
+          <a:lstStyle/>
+          <a:p>
+            <a:pPr indent="0" lvl="0" marL="0" marR="0" rtl="0" algn="ctr">
+              <a:spcBef>
+                <a:spcPts val="0"/>
+              </a:spcBef>
+              <a:spcAft>
+                <a:spcPts val="0"/>
+              </a:spcAft>
+              <a:buNone/>
+            </a:pPr>
+            <a:r>
+              <a:rPr lang="en-US" sz="5400">
+                <a:solidFill>
+                  <a:srgbClr val="987147"/>
+                </a:solidFill>
+              </a:rPr>
+              <a:t>{docname}</a:t>
+            </a:r>
+            <a:endParaRPr/>
+          </a:p>
+        </p:txBody>
+      </p:sp>
+    </p:spTree>
+  </p:cSld>
+  <p:clrMapOvr>
+    <a:masterClrMapping/>
+  </p:clrMapOvr>
+</p:sldLayout>
+</file>
+
+<file path=ppt/slideLayouts/slideLayout2.xml><?xml version="1.0" encoding="utf-8"?>
+<p:sldLayout xmlns:a="http://schemas.openxmlformats.org/drawingml/2006/main" xmlns:r="http://schemas.openxmlformats.org/officeDocument/2006/relationships" xmlns:mc="http://schemas.openxmlformats.org/markup-compatibility/2006" xmlns:mv="urn:schemas-microsoft-com:mac:vml" xmlns:p="http://schemas.openxmlformats.org/presentationml/2006/main" xmlns:c="http://schemas.openxmlformats.org/drawingml/2006/chart" xmlns:dgm="http://schemas.openxmlformats.org/drawingml/2006/diagram" xmlns:o="urn:schemas-microsoft-com:office:office" xmlns:v="urn:schemas-microsoft-com:vml" xmlns:pvml="urn:schemas-microsoft-com:office:powerpoint" xmlns:com="http://schemas.openxmlformats.org/drawingml/2006/compatibility" xmlns:p14="http://schemas.microsoft.com/office/powerpoint/2010/main" xmlns:p15="http://schemas.microsoft.com/office/powerpoint/2012/main" xmlns:ahyp="http://schemas.microsoft.com/office/drawing/2018/hyperlinkcolor" matchingName="default">
+  <p:cSld name="HB Title / Content">
+    <p:spTree>
+      <p:nvGrpSpPr>
+        <p:cNvPr id="16" name="Shape 16"/>
+        <p:cNvGrpSpPr/>
+        <p:nvPr/>
+      </p:nvGrpSpPr>
+      <p:grpSpPr>
+        <a:xfrm>
+          <a:off x="0" y="0"/>
+          <a:ext cx="0" cy="0"/>
+          <a:chOff x="0" y="0"/>
+          <a:chExt cx="0" cy="0"/>
+        </a:xfrm>
+      </p:grpSpPr>
+      <p:sp>
+        <p:nvSpPr>
+          <p:cNvPr id="17" name="Google Shape;17;p4"/>
           <p:cNvSpPr txBox="1"/>
           <p:nvPr>
             <p:ph idx="12" type="sldNum"/>
@@ -1586,68 +2207,239 @@
             <a:noAutofit/>
           </a:bodyPr>
           <a:lstStyle>
-            <a:lvl1pPr indent="0" lvl="0" marL="0" algn="l">
-              <a:spcBef>
-                <a:spcPts val="0"/>
-              </a:spcBef>
-              <a:buNone/>
-              <a:defRPr/>
+            <a:lvl1pPr indent="0" lvl="0" marL="0" marR="0" algn="l">
+              <a:lnSpc>
+                <a:spcPct val="100000"/>
+              </a:lnSpc>
+              <a:spcBef>
+                <a:spcPts val="0"/>
+              </a:spcBef>
+              <a:spcAft>
+                <a:spcPts val="0"/>
+              </a:spcAft>
+              <a:buClr>
+                <a:srgbClr val="000000"/>
+              </a:buClr>
+              <a:buSzPts val="900"/>
+              <a:buFont typeface="Arial"/>
+              <a:buNone/>
+              <a:defRPr b="0" i="0" sz="900" u="none" cap="none" strike="noStrike">
+                <a:solidFill>
+                  <a:schemeClr val="accent2"/>
+                </a:solidFill>
+                <a:latin typeface="Arial"/>
+                <a:ea typeface="Arial"/>
+                <a:cs typeface="Arial"/>
+                <a:sym typeface="Arial"/>
+              </a:defRPr>
             </a:lvl1pPr>
-            <a:lvl2pPr indent="0" lvl="1" marL="0" algn="l">
-              <a:spcBef>
-                <a:spcPts val="0"/>
-              </a:spcBef>
-              <a:buNone/>
-              <a:defRPr/>
+            <a:lvl2pPr indent="0" lvl="1" marL="0" marR="0" algn="l">
+              <a:lnSpc>
+                <a:spcPct val="100000"/>
+              </a:lnSpc>
+              <a:spcBef>
+                <a:spcPts val="0"/>
+              </a:spcBef>
+              <a:spcAft>
+                <a:spcPts val="0"/>
+              </a:spcAft>
+              <a:buClr>
+                <a:srgbClr val="000000"/>
+              </a:buClr>
+              <a:buSzPts val="900"/>
+              <a:buFont typeface="Arial"/>
+              <a:buNone/>
+              <a:defRPr b="0" i="0" sz="900" u="none" cap="none" strike="noStrike">
+                <a:solidFill>
+                  <a:schemeClr val="accent2"/>
+                </a:solidFill>
+                <a:latin typeface="Arial"/>
+                <a:ea typeface="Arial"/>
+                <a:cs typeface="Arial"/>
+                <a:sym typeface="Arial"/>
+              </a:defRPr>
             </a:lvl2pPr>
-            <a:lvl3pPr indent="0" lvl="2" marL="0" algn="l">
-              <a:spcBef>
-                <a:spcPts val="0"/>
-              </a:spcBef>
-              <a:buNone/>
-              <a:defRPr/>
+            <a:lvl3pPr indent="0" lvl="2" marL="0" marR="0" algn="l">
+              <a:lnSpc>
+                <a:spcPct val="100000"/>
+              </a:lnSpc>
+              <a:spcBef>
+                <a:spcPts val="0"/>
+              </a:spcBef>
+              <a:spcAft>
+                <a:spcPts val="0"/>
+              </a:spcAft>
+              <a:buClr>
+                <a:srgbClr val="000000"/>
+              </a:buClr>
+              <a:buSzPts val="900"/>
+              <a:buFont typeface="Arial"/>
+              <a:buNone/>
+              <a:defRPr b="0" i="0" sz="900" u="none" cap="none" strike="noStrike">
+                <a:solidFill>
+                  <a:schemeClr val="accent2"/>
+                </a:solidFill>
+                <a:latin typeface="Arial"/>
+                <a:ea typeface="Arial"/>
+                <a:cs typeface="Arial"/>
+                <a:sym typeface="Arial"/>
+              </a:defRPr>
             </a:lvl3pPr>
-            <a:lvl4pPr indent="0" lvl="3" marL="0" algn="l">
-              <a:spcBef>
-                <a:spcPts val="0"/>
-              </a:spcBef>
-              <a:buNone/>
-              <a:defRPr/>
+            <a:lvl4pPr indent="0" lvl="3" marL="0" marR="0" algn="l">
+              <a:lnSpc>
+                <a:spcPct val="100000"/>
+              </a:lnSpc>
+              <a:spcBef>
+                <a:spcPts val="0"/>
+              </a:spcBef>
+              <a:spcAft>
+                <a:spcPts val="0"/>
+              </a:spcAft>
+              <a:buClr>
+                <a:srgbClr val="000000"/>
+              </a:buClr>
+              <a:buSzPts val="900"/>
+              <a:buFont typeface="Arial"/>
+              <a:buNone/>
+              <a:defRPr b="0" i="0" sz="900" u="none" cap="none" strike="noStrike">
+                <a:solidFill>
+                  <a:schemeClr val="accent2"/>
+                </a:solidFill>
+                <a:latin typeface="Arial"/>
+                <a:ea typeface="Arial"/>
+                <a:cs typeface="Arial"/>
+                <a:sym typeface="Arial"/>
+              </a:defRPr>
             </a:lvl4pPr>
-            <a:lvl5pPr indent="0" lvl="4" marL="0" algn="l">
-              <a:spcBef>
-                <a:spcPts val="0"/>
-              </a:spcBef>
-              <a:buNone/>
-              <a:defRPr/>
+            <a:lvl5pPr indent="0" lvl="4" marL="0" marR="0" algn="l">
+              <a:lnSpc>
+                <a:spcPct val="100000"/>
+              </a:lnSpc>
+              <a:spcBef>
+                <a:spcPts val="0"/>
+              </a:spcBef>
+              <a:spcAft>
+                <a:spcPts val="0"/>
+              </a:spcAft>
+              <a:buClr>
+                <a:srgbClr val="000000"/>
+              </a:buClr>
+              <a:buSzPts val="900"/>
+              <a:buFont typeface="Arial"/>
+              <a:buNone/>
+              <a:defRPr b="0" i="0" sz="900" u="none" cap="none" strike="noStrike">
+                <a:solidFill>
+                  <a:schemeClr val="accent2"/>
+                </a:solidFill>
+                <a:latin typeface="Arial"/>
+                <a:ea typeface="Arial"/>
+                <a:cs typeface="Arial"/>
+                <a:sym typeface="Arial"/>
+              </a:defRPr>
             </a:lvl5pPr>
-            <a:lvl6pPr indent="0" lvl="5" marL="0" algn="l">
-              <a:spcBef>
-                <a:spcPts val="0"/>
-              </a:spcBef>
-              <a:buNone/>
-              <a:defRPr/>
+            <a:lvl6pPr indent="0" lvl="5" marL="0" marR="0" algn="l">
+              <a:lnSpc>
+                <a:spcPct val="100000"/>
+              </a:lnSpc>
+              <a:spcBef>
+                <a:spcPts val="0"/>
+              </a:spcBef>
+              <a:spcAft>
+                <a:spcPts val="0"/>
+              </a:spcAft>
+              <a:buClr>
+                <a:srgbClr val="000000"/>
+              </a:buClr>
+              <a:buSzPts val="900"/>
+              <a:buFont typeface="Arial"/>
+              <a:buNone/>
+              <a:defRPr b="0" i="0" sz="900" u="none" cap="none" strike="noStrike">
+                <a:solidFill>
+                  <a:schemeClr val="accent2"/>
+                </a:solidFill>
+                <a:latin typeface="Arial"/>
+                <a:ea typeface="Arial"/>
+                <a:cs typeface="Arial"/>
+                <a:sym typeface="Arial"/>
+              </a:defRPr>
             </a:lvl6pPr>
-            <a:lvl7pPr indent="0" lvl="6" marL="0" algn="l">
-              <a:spcBef>
-                <a:spcPts val="0"/>
-              </a:spcBef>
-              <a:buNone/>
-              <a:defRPr/>
+            <a:lvl7pPr indent="0" lvl="6" marL="0" marR="0" algn="l">
+              <a:lnSpc>
+                <a:spcPct val="100000"/>
+              </a:lnSpc>
+              <a:spcBef>
+                <a:spcPts val="0"/>
+              </a:spcBef>
+              <a:spcAft>
+                <a:spcPts val="0"/>
+              </a:spcAft>
+              <a:buClr>
+                <a:srgbClr val="000000"/>
+              </a:buClr>
+              <a:buSzPts val="900"/>
+              <a:buFont typeface="Arial"/>
+              <a:buNone/>
+              <a:defRPr b="0" i="0" sz="900" u="none" cap="none" strike="noStrike">
+                <a:solidFill>
+                  <a:schemeClr val="accent2"/>
+                </a:solidFill>
+                <a:latin typeface="Arial"/>
+                <a:ea typeface="Arial"/>
+                <a:cs typeface="Arial"/>
+                <a:sym typeface="Arial"/>
+              </a:defRPr>
             </a:lvl7pPr>
-            <a:lvl8pPr indent="0" lvl="7" marL="0" algn="l">
-              <a:spcBef>
-                <a:spcPts val="0"/>
-              </a:spcBef>
-              <a:buNone/>
-              <a:defRPr/>
+            <a:lvl8pPr indent="0" lvl="7" marL="0" marR="0" algn="l">
+              <a:lnSpc>
+                <a:spcPct val="100000"/>
+              </a:lnSpc>
+              <a:spcBef>
+                <a:spcPts val="0"/>
+              </a:spcBef>
+              <a:spcAft>
+                <a:spcPts val="0"/>
+              </a:spcAft>
+              <a:buClr>
+                <a:srgbClr val="000000"/>
+              </a:buClr>
+              <a:buSzPts val="900"/>
+              <a:buFont typeface="Arial"/>
+              <a:buNone/>
+              <a:defRPr b="0" i="0" sz="900" u="none" cap="none" strike="noStrike">
+                <a:solidFill>
+                  <a:schemeClr val="accent2"/>
+                </a:solidFill>
+                <a:latin typeface="Arial"/>
+                <a:ea typeface="Arial"/>
+                <a:cs typeface="Arial"/>
+                <a:sym typeface="Arial"/>
+              </a:defRPr>
             </a:lvl8pPr>
-            <a:lvl9pPr indent="0" lvl="8" marL="0" algn="l">
-              <a:spcBef>
-                <a:spcPts val="0"/>
-              </a:spcBef>
-              <a:buNone/>
-              <a:defRPr/>
+            <a:lvl9pPr indent="0" lvl="8" marL="0" marR="0" algn="l">
+              <a:lnSpc>
+                <a:spcPct val="100000"/>
+              </a:lnSpc>
+              <a:spcBef>
+                <a:spcPts val="0"/>
+              </a:spcBef>
+              <a:spcAft>
+                <a:spcPts val="0"/>
+              </a:spcAft>
+              <a:buClr>
+                <a:srgbClr val="000000"/>
+              </a:buClr>
+              <a:buSzPts val="900"/>
+              <a:buFont typeface="Arial"/>
+              <a:buNone/>
+              <a:defRPr b="0" i="0" sz="900" u="none" cap="none" strike="noStrike">
+                <a:solidFill>
+                  <a:schemeClr val="accent2"/>
+                </a:solidFill>
+                <a:latin typeface="Arial"/>
+                <a:ea typeface="Arial"/>
+                <a:cs typeface="Arial"/>
+                <a:sym typeface="Arial"/>
+              </a:defRPr>
             </a:lvl9pPr>
           </a:lstStyle>
           <a:p>
@@ -1674,7 +2466,7 @@
       </p:sp>
       <p:sp>
         <p:nvSpPr>
-          <p:cNvPr id="15" name="Google Shape;15;p2"/>
+          <p:cNvPr id="18" name="Google Shape;18;p4"/>
           <p:cNvSpPr/>
           <p:nvPr/>
         </p:nvSpPr>
@@ -1704,18 +2496,26 @@
           <a:lstStyle/>
           <a:p>
             <a:pPr indent="0" lvl="0" marL="0" marR="0" rtl="0" algn="ctr">
-              <a:spcBef>
-                <a:spcPts val="0"/>
-              </a:spcBef>
-              <a:spcAft>
-                <a:spcPts val="0"/>
-              </a:spcAft>
+              <a:lnSpc>
+                <a:spcPct val="100000"/>
+              </a:lnSpc>
+              <a:spcBef>
+                <a:spcPts val="0"/>
+              </a:spcBef>
+              <a:spcAft>
+                <a:spcPts val="0"/>
+              </a:spcAft>
+              <a:buClr>
+                <a:srgbClr val="000000"/>
+              </a:buClr>
+              <a:buSzPts val="1800"/>
+              <a:buFont typeface="Arial"/>
               <a:buNone/>
             </a:pPr>
             <a:r>
               <a:t/>
             </a:r>
-            <a:endParaRPr sz="1800">
+            <a:endParaRPr b="0" i="0" sz="1800" u="none" cap="none" strike="noStrike">
               <a:solidFill>
                 <a:schemeClr val="lt1"/>
               </a:solidFill>
@@ -1729,7 +2529,7 @@
       </p:sp>
       <p:sp>
         <p:nvSpPr>
-          <p:cNvPr id="16" name="Google Shape;16;p2"/>
+          <p:cNvPr id="19" name="Google Shape;19;p4"/>
           <p:cNvSpPr txBox="1"/>
           <p:nvPr/>
         </p:nvSpPr>
@@ -1753,16 +2553,24 @@
           <a:lstStyle/>
           <a:p>
             <a:pPr indent="0" lvl="0" marL="0" marR="0" rtl="0" algn="l">
-              <a:spcBef>
-                <a:spcPts val="0"/>
-              </a:spcBef>
-              <a:spcAft>
-                <a:spcPts val="0"/>
-              </a:spcAft>
+              <a:lnSpc>
+                <a:spcPct val="100000"/>
+              </a:lnSpc>
+              <a:spcBef>
+                <a:spcPts val="0"/>
+              </a:spcBef>
+              <a:spcAft>
+                <a:spcPts val="0"/>
+              </a:spcAft>
+              <a:buClr>
+                <a:srgbClr val="000000"/>
+              </a:buClr>
+              <a:buSzPts val="1200"/>
+              <a:buFont typeface="Arial"/>
               <a:buNone/>
             </a:pPr>
             <a:r>
-              <a:rPr b="1" lang="en-US" sz="1200">
+              <a:rPr b="1" i="0" lang="en-US" sz="1200" u="none" cap="none" strike="noStrike">
                 <a:solidFill>
                   <a:schemeClr val="accent2"/>
                 </a:solidFill>
@@ -1773,7 +2581,7 @@
               </a:rPr>
               <a:t>APPROVAL CONFIRM</a:t>
             </a:r>
-            <a:endParaRPr b="1" sz="1200">
+            <a:endParaRPr b="1" i="0" sz="1200" u="none" cap="none" strike="noStrike">
               <a:solidFill>
                 <a:schemeClr val="accent2"/>
               </a:solidFill>
@@ -1787,7 +2595,7 @@
       </p:sp>
       <p:sp>
         <p:nvSpPr>
-          <p:cNvPr id="17" name="Google Shape;17;p2"/>
+          <p:cNvPr id="20" name="Google Shape;20;p4"/>
           <p:cNvSpPr/>
           <p:nvPr/>
         </p:nvSpPr>
@@ -1819,18 +2627,26 @@
           <a:lstStyle/>
           <a:p>
             <a:pPr indent="0" lvl="0" marL="0" marR="0" rtl="0" algn="ctr">
-              <a:spcBef>
-                <a:spcPts val="0"/>
-              </a:spcBef>
-              <a:spcAft>
-                <a:spcPts val="0"/>
-              </a:spcAft>
+              <a:lnSpc>
+                <a:spcPct val="100000"/>
+              </a:lnSpc>
+              <a:spcBef>
+                <a:spcPts val="0"/>
+              </a:spcBef>
+              <a:spcAft>
+                <a:spcPts val="0"/>
+              </a:spcAft>
+              <a:buClr>
+                <a:srgbClr val="000000"/>
+              </a:buClr>
+              <a:buSzPts val="1800"/>
+              <a:buFont typeface="Arial"/>
               <a:buNone/>
             </a:pPr>
             <a:r>
               <a:t/>
             </a:r>
-            <a:endParaRPr sz="1800">
+            <a:endParaRPr b="0" i="0" sz="1800" u="none" cap="none" strike="noStrike">
               <a:solidFill>
                 <a:schemeClr val="lt1"/>
               </a:solidFill>
@@ -1844,7 +2660,7 @@
       </p:sp>
       <p:sp>
         <p:nvSpPr>
-          <p:cNvPr id="18" name="Google Shape;18;p2"/>
+          <p:cNvPr id="21" name="Google Shape;21;p4"/>
           <p:cNvSpPr/>
           <p:nvPr/>
         </p:nvSpPr>
@@ -1876,18 +2692,26 @@
           <a:lstStyle/>
           <a:p>
             <a:pPr indent="0" lvl="0" marL="0" marR="0" rtl="0" algn="ctr">
-              <a:spcBef>
-                <a:spcPts val="0"/>
-              </a:spcBef>
-              <a:spcAft>
-                <a:spcPts val="0"/>
-              </a:spcAft>
+              <a:lnSpc>
+                <a:spcPct val="100000"/>
+              </a:lnSpc>
+              <a:spcBef>
+                <a:spcPts val="0"/>
+              </a:spcBef>
+              <a:spcAft>
+                <a:spcPts val="0"/>
+              </a:spcAft>
+              <a:buClr>
+                <a:srgbClr val="000000"/>
+              </a:buClr>
+              <a:buSzPts val="1800"/>
+              <a:buFont typeface="Arial"/>
               <a:buNone/>
             </a:pPr>
             <a:r>
               <a:t/>
             </a:r>
-            <a:endParaRPr sz="1800">
+            <a:endParaRPr b="0" i="0" sz="1800" u="none" cap="none" strike="noStrike">
               <a:solidFill>
                 <a:schemeClr val="lt1"/>
               </a:solidFill>
@@ -1901,7 +2725,7 @@
       </p:sp>
       <p:sp>
         <p:nvSpPr>
-          <p:cNvPr id="19" name="Google Shape;19;p2"/>
+          <p:cNvPr id="22" name="Google Shape;22;p4"/>
           <p:cNvSpPr txBox="1"/>
           <p:nvPr/>
         </p:nvSpPr>
@@ -1925,16 +2749,24 @@
           <a:lstStyle/>
           <a:p>
             <a:pPr indent="0" lvl="0" marL="0" marR="0" rtl="0" algn="l">
-              <a:spcBef>
-                <a:spcPts val="0"/>
-              </a:spcBef>
-              <a:spcAft>
-                <a:spcPts val="0"/>
-              </a:spcAft>
+              <a:lnSpc>
+                <a:spcPct val="100000"/>
+              </a:lnSpc>
+              <a:spcBef>
+                <a:spcPts val="0"/>
+              </a:spcBef>
+              <a:spcAft>
+                <a:spcPts val="0"/>
+              </a:spcAft>
+              <a:buClr>
+                <a:srgbClr val="000000"/>
+              </a:buClr>
+              <a:buSzPts val="800"/>
+              <a:buFont typeface="Arial"/>
               <a:buNone/>
             </a:pPr>
             <a:r>
-              <a:rPr lang="en-US" sz="800">
+              <a:rPr b="0" i="0" lang="en-US" sz="800" u="none" cap="none" strike="noStrike">
                 <a:solidFill>
                   <a:schemeClr val="dk1"/>
                 </a:solidFill>
@@ -1945,7 +2777,7 @@
               </a:rPr>
               <a:t>LOGO</a:t>
             </a:r>
-            <a:endParaRPr sz="800">
+            <a:endParaRPr b="0" i="0" sz="800" u="none" cap="none" strike="noStrike">
               <a:solidFill>
                 <a:schemeClr val="dk1"/>
               </a:solidFill>
@@ -1959,7 +2791,7 @@
       </p:sp>
       <p:sp>
         <p:nvSpPr>
-          <p:cNvPr id="20" name="Google Shape;20;p2"/>
+          <p:cNvPr id="23" name="Google Shape;23;p4"/>
           <p:cNvSpPr txBox="1"/>
           <p:nvPr/>
         </p:nvSpPr>
@@ -1983,16 +2815,24 @@
           <a:lstStyle/>
           <a:p>
             <a:pPr indent="0" lvl="0" marL="0" marR="0" rtl="0" algn="l">
-              <a:spcBef>
-                <a:spcPts val="0"/>
-              </a:spcBef>
-              <a:spcAft>
-                <a:spcPts val="0"/>
-              </a:spcAft>
+              <a:lnSpc>
+                <a:spcPct val="100000"/>
+              </a:lnSpc>
+              <a:spcBef>
+                <a:spcPts val="0"/>
+              </a:spcBef>
+              <a:spcAft>
+                <a:spcPts val="0"/>
+              </a:spcAft>
+              <a:buClr>
+                <a:srgbClr val="000000"/>
+              </a:buClr>
+              <a:buSzPts val="800"/>
+              <a:buFont typeface="Arial"/>
               <a:buNone/>
             </a:pPr>
             <a:r>
-              <a:rPr lang="en-US" sz="800">
+              <a:rPr b="0" i="0" lang="en-US" sz="800" u="none" cap="none" strike="noStrike">
                 <a:solidFill>
                   <a:schemeClr val="dk1"/>
                 </a:solidFill>
@@ -2003,7 +2843,7 @@
               </a:rPr>
               <a:t>ARTWORK</a:t>
             </a:r>
-            <a:endParaRPr sz="800">
+            <a:endParaRPr b="0" i="0" sz="800" u="none" cap="none" strike="noStrike">
               <a:solidFill>
                 <a:schemeClr val="dk1"/>
               </a:solidFill>
@@ -2017,7 +2857,7 @@
       </p:sp>
       <p:sp>
         <p:nvSpPr>
-          <p:cNvPr id="21" name="Google Shape;21;p2"/>
+          <p:cNvPr id="24" name="Google Shape;24;p4"/>
           <p:cNvSpPr txBox="1"/>
           <p:nvPr/>
         </p:nvSpPr>
@@ -2041,16 +2881,24 @@
           <a:lstStyle/>
           <a:p>
             <a:pPr indent="0" lvl="0" marL="0" marR="0" rtl="0" algn="l">
-              <a:spcBef>
-                <a:spcPts val="0"/>
-              </a:spcBef>
-              <a:spcAft>
-                <a:spcPts val="0"/>
-              </a:spcAft>
+              <a:lnSpc>
+                <a:spcPct val="100000"/>
+              </a:lnSpc>
+              <a:spcBef>
+                <a:spcPts val="0"/>
+              </a:spcBef>
+              <a:spcAft>
+                <a:spcPts val="0"/>
+              </a:spcAft>
+              <a:buClr>
+                <a:srgbClr val="000000"/>
+              </a:buClr>
+              <a:buSzPts val="1800"/>
+              <a:buFont typeface="Arial"/>
               <a:buNone/>
             </a:pPr>
             <a:r>
-              <a:rPr lang="en-US" sz="1800">
+              <a:rPr b="0" i="0" lang="en-US" sz="1800" u="none" cap="none" strike="noStrike">
                 <a:solidFill>
                   <a:schemeClr val="dk1"/>
                 </a:solidFill>
@@ -2061,7 +2909,7 @@
               </a:rPr>
               <a:t> RRP : Undecided</a:t>
             </a:r>
-            <a:endParaRPr sz="1800">
+            <a:endParaRPr b="0" i="0" sz="1800" u="none" cap="none" strike="noStrike">
               <a:solidFill>
                 <a:schemeClr val="dk1"/>
               </a:solidFill>
@@ -2075,7 +2923,7 @@
       </p:sp>
       <p:sp>
         <p:nvSpPr>
-          <p:cNvPr id="22" name="Google Shape;22;p2"/>
+          <p:cNvPr id="25" name="Google Shape;25;p4"/>
           <p:cNvSpPr txBox="1"/>
           <p:nvPr/>
         </p:nvSpPr>
@@ -2099,16 +2947,24 @@
           <a:lstStyle/>
           <a:p>
             <a:pPr indent="0" lvl="0" marL="0" marR="0" rtl="0" algn="l">
-              <a:spcBef>
-                <a:spcPts val="0"/>
-              </a:spcBef>
-              <a:spcAft>
-                <a:spcPts val="0"/>
-              </a:spcAft>
+              <a:lnSpc>
+                <a:spcPct val="100000"/>
+              </a:lnSpc>
+              <a:spcBef>
+                <a:spcPts val="0"/>
+              </a:spcBef>
+              <a:spcAft>
+                <a:spcPts val="0"/>
+              </a:spcAft>
+              <a:buClr>
+                <a:srgbClr val="000000"/>
+              </a:buClr>
+              <a:buSzPts val="1000"/>
+              <a:buFont typeface="Arial"/>
               <a:buNone/>
             </a:pPr>
             <a:r>
-              <a:rPr lang="en-US" sz="1000">
+              <a:rPr b="0" i="0" lang="en-US" sz="1000" u="none" cap="none" strike="noStrike">
                 <a:solidFill>
                   <a:schemeClr val="dk1"/>
                 </a:solidFill>
@@ -2117,9 +2973,9 @@
                 <a:cs typeface="Arial"/>
                 <a:sym typeface="Arial"/>
               </a:rPr>
-              <a:t>Colorway</a:t>
+              <a:t>Colorway </a:t>
             </a:r>
-            <a:endParaRPr sz="1000">
+            <a:endParaRPr b="0" i="0" sz="1000" u="none" cap="none" strike="noStrike">
               <a:solidFill>
                 <a:schemeClr val="dk1"/>
               </a:solidFill>
@@ -2133,7 +2989,7 @@
       </p:sp>
       <p:sp>
         <p:nvSpPr>
-          <p:cNvPr id="23" name="Google Shape;23;p2"/>
+          <p:cNvPr id="26" name="Google Shape;26;p4"/>
           <p:cNvSpPr txBox="1"/>
           <p:nvPr/>
         </p:nvSpPr>
@@ -2157,6 +3013,9 @@
           <a:lstStyle/>
           <a:p>
             <a:pPr indent="-88900" lvl="0" marL="88900" marR="0" rtl="0" algn="l">
+              <a:lnSpc>
+                <a:spcPct val="100000"/>
+              </a:lnSpc>
               <a:spcBef>
                 <a:spcPts val="0"/>
               </a:spcBef>
@@ -2171,7 +3030,7 @@
               <a:buChar char="-"/>
             </a:pPr>
             <a:r>
-              <a:rPr lang="en-US" sz="1400">
+              <a:rPr b="0" i="0" lang="en-US" sz="1400" u="none" cap="none" strike="noStrike">
                 <a:solidFill>
                   <a:schemeClr val="dk1"/>
                 </a:solidFill>
@@ -2182,7 +3041,7 @@
               </a:rPr>
               <a:t> </a:t>
             </a:r>
-            <a:endParaRPr sz="1400">
+            <a:endParaRPr b="0" i="0" sz="1400" u="none" cap="none" strike="noStrike">
               <a:solidFill>
                 <a:schemeClr val="dk1"/>
               </a:solidFill>
@@ -2196,7 +3055,7 @@
       </p:sp>
       <p:pic>
         <p:nvPicPr>
-          <p:cNvPr id="24" name="Google Shape;24;p2"/>
+          <p:cNvPr id="27" name="Google Shape;27;p4"/>
           <p:cNvPicPr preferRelativeResize="0"/>
           <p:nvPr/>
         </p:nvPicPr>
@@ -2221,43 +3080,16 @@
           </a:ln>
         </p:spPr>
       </p:pic>
-    </p:spTree>
-  </p:cSld>
-  <p:clrMapOvr>
-    <a:masterClrMapping/>
-  </p:clrMapOvr>
-</p:sldLayout>
-</file>
-
-<file path=ppt/slideLayouts/slideLayout2.xml><?xml version="1.0" encoding="utf-8"?>
-<p:sldLayout xmlns:a="http://schemas.openxmlformats.org/drawingml/2006/main" xmlns:r="http://schemas.openxmlformats.org/officeDocument/2006/relationships" xmlns:mc="http://schemas.openxmlformats.org/markup-compatibility/2006" xmlns:mv="urn:schemas-microsoft-com:mac:vml" xmlns:p="http://schemas.openxmlformats.org/presentationml/2006/main" xmlns:c="http://schemas.openxmlformats.org/drawingml/2006/chart" xmlns:dgm="http://schemas.openxmlformats.org/drawingml/2006/diagram" xmlns:o="urn:schemas-microsoft-com:office:office" xmlns:v="urn:schemas-microsoft-com:vml" xmlns:pvml="urn:schemas-microsoft-com:office:powerpoint" xmlns:com="http://schemas.openxmlformats.org/drawingml/2006/compatibility" xmlns:p14="http://schemas.microsoft.com/office/powerpoint/2010/main" xmlns:p15="http://schemas.microsoft.com/office/powerpoint/2012/main" xmlns:ahyp="http://schemas.microsoft.com/office/drawing/2018/hyperlinkcolor" matchingName="title">
-  <p:cSld name="CUSTOM">
-    <p:spTree>
-      <p:nvGrpSpPr>
-        <p:cNvPr id="25" name="Shape 25"/>
-        <p:cNvGrpSpPr/>
-        <p:nvPr/>
-      </p:nvGrpSpPr>
-      <p:grpSpPr>
-        <a:xfrm>
-          <a:off x="0" y="0"/>
-          <a:ext cx="0" cy="0"/>
-          <a:chOff x="0" y="0"/>
-          <a:chExt cx="0" cy="0"/>
-        </a:xfrm>
-      </p:grpSpPr>
       <p:sp>
         <p:nvSpPr>
-          <p:cNvPr id="26" name="Google Shape;26;p3"/>
+          <p:cNvPr id="28" name="Google Shape;28;p4"/>
           <p:cNvSpPr txBox="1"/>
-          <p:nvPr>
-            <p:ph idx="12" type="sldNum"/>
-          </p:nvPr>
+          <p:nvPr/>
         </p:nvSpPr>
         <p:spPr>
           <a:xfrm>
-            <a:off x="342901" y="449562"/>
-            <a:ext cx="558900" cy="144000"/>
+            <a:off x="342900" y="876799"/>
+            <a:ext cx="8611500" cy="288300"/>
           </a:xfrm>
           <a:prstGeom prst="rect">
             <a:avLst/>
@@ -2271,73 +3103,12 @@
           <a:bodyPr anchorCtr="0" anchor="t" bIns="0" lIns="0" spcFirstLastPara="1" rIns="0" wrap="square" tIns="0">
             <a:noAutofit/>
           </a:bodyPr>
-          <a:lstStyle>
-            <a:lvl1pPr indent="0" lvl="0" marL="0" algn="l">
-              <a:spcBef>
-                <a:spcPts val="0"/>
-              </a:spcBef>
-              <a:buNone/>
-              <a:defRPr/>
-            </a:lvl1pPr>
-            <a:lvl2pPr indent="0" lvl="1" marL="0" algn="l">
-              <a:spcBef>
-                <a:spcPts val="0"/>
-              </a:spcBef>
-              <a:buNone/>
-              <a:defRPr/>
-            </a:lvl2pPr>
-            <a:lvl3pPr indent="0" lvl="2" marL="0" algn="l">
-              <a:spcBef>
-                <a:spcPts val="0"/>
-              </a:spcBef>
-              <a:buNone/>
-              <a:defRPr/>
-            </a:lvl3pPr>
-            <a:lvl4pPr indent="0" lvl="3" marL="0" algn="l">
-              <a:spcBef>
-                <a:spcPts val="0"/>
-              </a:spcBef>
-              <a:buNone/>
-              <a:defRPr/>
-            </a:lvl4pPr>
-            <a:lvl5pPr indent="0" lvl="4" marL="0" algn="l">
-              <a:spcBef>
-                <a:spcPts val="0"/>
-              </a:spcBef>
-              <a:buNone/>
-              <a:defRPr/>
-            </a:lvl5pPr>
-            <a:lvl6pPr indent="0" lvl="5" marL="0" algn="l">
-              <a:spcBef>
-                <a:spcPts val="0"/>
-              </a:spcBef>
-              <a:buNone/>
-              <a:defRPr/>
-            </a:lvl6pPr>
-            <a:lvl7pPr indent="0" lvl="6" marL="0" algn="l">
-              <a:spcBef>
-                <a:spcPts val="0"/>
-              </a:spcBef>
-              <a:buNone/>
-              <a:defRPr/>
-            </a:lvl7pPr>
-            <a:lvl8pPr indent="0" lvl="7" marL="0" algn="l">
-              <a:spcBef>
-                <a:spcPts val="0"/>
-              </a:spcBef>
-              <a:buNone/>
-              <a:defRPr/>
-            </a:lvl8pPr>
-            <a:lvl9pPr indent="0" lvl="8" marL="0" algn="l">
-              <a:spcBef>
-                <a:spcPts val="0"/>
-              </a:spcBef>
-              <a:buNone/>
-              <a:defRPr/>
-            </a:lvl9pPr>
-          </a:lstStyle>
+          <a:lstStyle/>
           <a:p>
             <a:pPr indent="0" lvl="0" marL="0" rtl="0" algn="l">
+              <a:lnSpc>
+                <a:spcPct val="85000"/>
+              </a:lnSpc>
               <a:spcBef>
                 <a:spcPts val="0"/>
               </a:spcBef>
@@ -2347,16 +3118,219 @@
               <a:buNone/>
             </a:pPr>
             <a:r>
-              <a:rPr lang="en-US"/>
-              <a:t>PAGE </a:t>
+              <a:rPr lang="en-US" sz="2400">
+                <a:solidFill>
+                  <a:srgbClr val="987147"/>
+                </a:solidFill>
+              </a:rPr>
+              <a:t>{category}</a:t>
             </a:r>
-            <a:fld id="{00000000-1234-1234-1234-123412341234}" type="slidenum">
-              <a:rPr lang="en-US"/>
-              <a:t>‹#›</a:t>
-            </a:fld>
-            <a:endParaRPr/>
+            <a:endParaRPr sz="2400">
+              <a:solidFill>
+                <a:srgbClr val="987147"/>
+              </a:solidFill>
+            </a:endParaRPr>
           </a:p>
         </p:txBody>
+      </p:sp>
+      <p:sp>
+        <p:nvSpPr>
+          <p:cNvPr id="29" name="Google Shape;29;p4"/>
+          <p:cNvSpPr txBox="1"/>
+          <p:nvPr/>
+        </p:nvSpPr>
+        <p:spPr>
+          <a:xfrm>
+            <a:off x="343327" y="1196473"/>
+            <a:ext cx="8520000" cy="288000"/>
+          </a:xfrm>
+          <a:prstGeom prst="rect">
+            <a:avLst/>
+          </a:prstGeom>
+          <a:noFill/>
+          <a:ln>
+            <a:noFill/>
+          </a:ln>
+        </p:spPr>
+        <p:txBody>
+          <a:bodyPr anchorCtr="0" anchor="t" bIns="0" lIns="0" spcFirstLastPara="1" rIns="0" wrap="square" tIns="0">
+            <a:noAutofit/>
+          </a:bodyPr>
+          <a:lstStyle/>
+          <a:p>
+            <a:pPr indent="0" lvl="0" marL="0" rtl="0" algn="l">
+              <a:lnSpc>
+                <a:spcPct val="85000"/>
+              </a:lnSpc>
+              <a:spcBef>
+                <a:spcPts val="0"/>
+              </a:spcBef>
+              <a:spcAft>
+                <a:spcPts val="0"/>
+              </a:spcAft>
+              <a:buNone/>
+            </a:pPr>
+            <a:r>
+              <a:rPr lang="en-US" sz="2400"/>
+              <a:t>{code}</a:t>
+            </a:r>
+            <a:endParaRPr sz="2400">
+              <a:solidFill>
+                <a:srgbClr val="000000"/>
+              </a:solidFill>
+            </a:endParaRPr>
+          </a:p>
+        </p:txBody>
+      </p:sp>
+      <p:sp>
+        <p:nvSpPr>
+          <p:cNvPr id="30" name="Google Shape;30;p4"/>
+          <p:cNvSpPr txBox="1"/>
+          <p:nvPr/>
+        </p:nvSpPr>
+        <p:spPr>
+          <a:xfrm>
+            <a:off x="827584" y="460811"/>
+            <a:ext cx="2701200" cy="144000"/>
+          </a:xfrm>
+          <a:prstGeom prst="rect">
+            <a:avLst/>
+          </a:prstGeom>
+          <a:noFill/>
+          <a:ln>
+            <a:noFill/>
+          </a:ln>
+        </p:spPr>
+        <p:txBody>
+          <a:bodyPr anchorCtr="0" anchor="t" bIns="0" lIns="0" spcFirstLastPara="1" rIns="0" wrap="square" tIns="0">
+            <a:noAutofit/>
+          </a:bodyPr>
+          <a:lstStyle/>
+          <a:p>
+            <a:pPr indent="0" lvl="0" marL="0" marR="0" rtl="0" algn="l">
+              <a:lnSpc>
+                <a:spcPct val="85000"/>
+              </a:lnSpc>
+              <a:spcBef>
+                <a:spcPts val="0"/>
+              </a:spcBef>
+              <a:spcAft>
+                <a:spcPts val="0"/>
+              </a:spcAft>
+              <a:buClr>
+                <a:srgbClr val="00B0F0"/>
+              </a:buClr>
+              <a:buSzPts val="1200"/>
+              <a:buFont typeface="Arial"/>
+              <a:buNone/>
+            </a:pPr>
+            <a:r>
+              <a:rPr lang="en-US" sz="1200">
+                <a:solidFill>
+                  <a:srgbClr val="00B0F0"/>
+                </a:solidFill>
+              </a:rPr>
+              <a:t>{season}</a:t>
+            </a:r>
+            <a:endParaRPr sz="1200" cap="none">
+              <a:solidFill>
+                <a:srgbClr val="00B0F0"/>
+              </a:solidFill>
+              <a:latin typeface="Arial"/>
+              <a:ea typeface="Arial"/>
+              <a:cs typeface="Arial"/>
+              <a:sym typeface="Arial"/>
+            </a:endParaRPr>
+          </a:p>
+        </p:txBody>
+      </p:sp>
+      <p:sp>
+        <p:nvSpPr>
+          <p:cNvPr id="31" name="Google Shape;31;p4"/>
+          <p:cNvSpPr/>
+          <p:nvPr>
+            <p:ph idx="2" type="pic"/>
+          </p:nvPr>
+        </p:nvSpPr>
+        <p:spPr>
+          <a:xfrm>
+            <a:off x="4827475" y="1515850"/>
+            <a:ext cx="1029600" cy="846300"/>
+          </a:xfrm>
+          <a:prstGeom prst="rect">
+            <a:avLst/>
+          </a:prstGeom>
+          <a:noFill/>
+          <a:ln>
+            <a:noFill/>
+          </a:ln>
+        </p:spPr>
+      </p:sp>
+      <p:sp>
+        <p:nvSpPr>
+          <p:cNvPr id="32" name="Google Shape;32;p4"/>
+          <p:cNvSpPr/>
+          <p:nvPr>
+            <p:ph idx="3" type="pic"/>
+          </p:nvPr>
+        </p:nvSpPr>
+        <p:spPr>
+          <a:xfrm>
+            <a:off x="4827475" y="2778300"/>
+            <a:ext cx="1029600" cy="668700"/>
+          </a:xfrm>
+          <a:prstGeom prst="rect">
+            <a:avLst/>
+          </a:prstGeom>
+          <a:noFill/>
+          <a:ln>
+            <a:noFill/>
+          </a:ln>
+        </p:spPr>
+      </p:sp>
+      <p:sp>
+        <p:nvSpPr>
+          <p:cNvPr id="33" name="Google Shape;33;p4"/>
+          <p:cNvSpPr/>
+          <p:nvPr>
+            <p:ph idx="4" type="pic"/>
+          </p:nvPr>
+        </p:nvSpPr>
+        <p:spPr>
+          <a:xfrm>
+            <a:off x="4827475" y="3590050"/>
+            <a:ext cx="1029600" cy="668700"/>
+          </a:xfrm>
+          <a:prstGeom prst="rect">
+            <a:avLst/>
+          </a:prstGeom>
+          <a:noFill/>
+          <a:ln>
+            <a:noFill/>
+          </a:ln>
+        </p:spPr>
+      </p:sp>
+      <p:sp>
+        <p:nvSpPr>
+          <p:cNvPr id="34" name="Google Shape;34;p4"/>
+          <p:cNvSpPr/>
+          <p:nvPr>
+            <p:ph idx="5" type="pic"/>
+          </p:nvPr>
+        </p:nvSpPr>
+        <p:spPr>
+          <a:xfrm>
+            <a:off x="4827475" y="4401800"/>
+            <a:ext cx="1029600" cy="668700"/>
+          </a:xfrm>
+          <a:prstGeom prst="rect">
+            <a:avLst/>
+          </a:prstGeom>
+          <a:noFill/>
+          <a:ln>
+            <a:noFill/>
+          </a:ln>
+        </p:spPr>
       </p:sp>
     </p:spTree>
   </p:cSld>
@@ -2392,7 +3366,7 @@
       </p:grpSpPr>
       <p:sp>
         <p:nvSpPr>
-          <p:cNvPr id="10" name="Google Shape;10;p1"/>
+          <p:cNvPr id="10" name="Google Shape;10;p2"/>
           <p:cNvSpPr txBox="1"/>
           <p:nvPr>
             <p:ph idx="12" type="sldNum"/>
@@ -2417,9 +3391,20 @@
           </a:bodyPr>
           <a:lstStyle>
             <a:lvl1pPr indent="0" lvl="0" marL="0" marR="0" rtl="0" algn="l">
-              <a:spcBef>
-                <a:spcPts val="0"/>
-              </a:spcBef>
+              <a:lnSpc>
+                <a:spcPct val="100000"/>
+              </a:lnSpc>
+              <a:spcBef>
+                <a:spcPts val="0"/>
+              </a:spcBef>
+              <a:spcAft>
+                <a:spcPts val="0"/>
+              </a:spcAft>
+              <a:buClr>
+                <a:srgbClr val="000000"/>
+              </a:buClr>
+              <a:buSzPts val="900"/>
+              <a:buFont typeface="Arial"/>
               <a:buNone/>
               <a:defRPr b="0" i="0" sz="900" u="none" cap="none" strike="noStrike">
                 <a:solidFill>
@@ -2432,9 +3417,20 @@
               </a:defRPr>
             </a:lvl1pPr>
             <a:lvl2pPr indent="0" lvl="1" marL="0" marR="0" rtl="0" algn="l">
-              <a:spcBef>
-                <a:spcPts val="0"/>
-              </a:spcBef>
+              <a:lnSpc>
+                <a:spcPct val="100000"/>
+              </a:lnSpc>
+              <a:spcBef>
+                <a:spcPts val="0"/>
+              </a:spcBef>
+              <a:spcAft>
+                <a:spcPts val="0"/>
+              </a:spcAft>
+              <a:buClr>
+                <a:srgbClr val="000000"/>
+              </a:buClr>
+              <a:buSzPts val="900"/>
+              <a:buFont typeface="Arial"/>
               <a:buNone/>
               <a:defRPr b="0" i="0" sz="900" u="none" cap="none" strike="noStrike">
                 <a:solidFill>
@@ -2447,9 +3443,20 @@
               </a:defRPr>
             </a:lvl2pPr>
             <a:lvl3pPr indent="0" lvl="2" marL="0" marR="0" rtl="0" algn="l">
-              <a:spcBef>
-                <a:spcPts val="0"/>
-              </a:spcBef>
+              <a:lnSpc>
+                <a:spcPct val="100000"/>
+              </a:lnSpc>
+              <a:spcBef>
+                <a:spcPts val="0"/>
+              </a:spcBef>
+              <a:spcAft>
+                <a:spcPts val="0"/>
+              </a:spcAft>
+              <a:buClr>
+                <a:srgbClr val="000000"/>
+              </a:buClr>
+              <a:buSzPts val="900"/>
+              <a:buFont typeface="Arial"/>
               <a:buNone/>
               <a:defRPr b="0" i="0" sz="900" u="none" cap="none" strike="noStrike">
                 <a:solidFill>
@@ -2462,9 +3469,20 @@
               </a:defRPr>
             </a:lvl3pPr>
             <a:lvl4pPr indent="0" lvl="3" marL="0" marR="0" rtl="0" algn="l">
-              <a:spcBef>
-                <a:spcPts val="0"/>
-              </a:spcBef>
+              <a:lnSpc>
+                <a:spcPct val="100000"/>
+              </a:lnSpc>
+              <a:spcBef>
+                <a:spcPts val="0"/>
+              </a:spcBef>
+              <a:spcAft>
+                <a:spcPts val="0"/>
+              </a:spcAft>
+              <a:buClr>
+                <a:srgbClr val="000000"/>
+              </a:buClr>
+              <a:buSzPts val="900"/>
+              <a:buFont typeface="Arial"/>
               <a:buNone/>
               <a:defRPr b="0" i="0" sz="900" u="none" cap="none" strike="noStrike">
                 <a:solidFill>
@@ -2477,9 +3495,20 @@
               </a:defRPr>
             </a:lvl4pPr>
             <a:lvl5pPr indent="0" lvl="4" marL="0" marR="0" rtl="0" algn="l">
-              <a:spcBef>
-                <a:spcPts val="0"/>
-              </a:spcBef>
+              <a:lnSpc>
+                <a:spcPct val="100000"/>
+              </a:lnSpc>
+              <a:spcBef>
+                <a:spcPts val="0"/>
+              </a:spcBef>
+              <a:spcAft>
+                <a:spcPts val="0"/>
+              </a:spcAft>
+              <a:buClr>
+                <a:srgbClr val="000000"/>
+              </a:buClr>
+              <a:buSzPts val="900"/>
+              <a:buFont typeface="Arial"/>
               <a:buNone/>
               <a:defRPr b="0" i="0" sz="900" u="none" cap="none" strike="noStrike">
                 <a:solidFill>
@@ -2492,9 +3521,20 @@
               </a:defRPr>
             </a:lvl5pPr>
             <a:lvl6pPr indent="0" lvl="5" marL="0" marR="0" rtl="0" algn="l">
-              <a:spcBef>
-                <a:spcPts val="0"/>
-              </a:spcBef>
+              <a:lnSpc>
+                <a:spcPct val="100000"/>
+              </a:lnSpc>
+              <a:spcBef>
+                <a:spcPts val="0"/>
+              </a:spcBef>
+              <a:spcAft>
+                <a:spcPts val="0"/>
+              </a:spcAft>
+              <a:buClr>
+                <a:srgbClr val="000000"/>
+              </a:buClr>
+              <a:buSzPts val="900"/>
+              <a:buFont typeface="Arial"/>
               <a:buNone/>
               <a:defRPr b="0" i="0" sz="900" u="none" cap="none" strike="noStrike">
                 <a:solidFill>
@@ -2507,9 +3547,20 @@
               </a:defRPr>
             </a:lvl6pPr>
             <a:lvl7pPr indent="0" lvl="6" marL="0" marR="0" rtl="0" algn="l">
-              <a:spcBef>
-                <a:spcPts val="0"/>
-              </a:spcBef>
+              <a:lnSpc>
+                <a:spcPct val="100000"/>
+              </a:lnSpc>
+              <a:spcBef>
+                <a:spcPts val="0"/>
+              </a:spcBef>
+              <a:spcAft>
+                <a:spcPts val="0"/>
+              </a:spcAft>
+              <a:buClr>
+                <a:srgbClr val="000000"/>
+              </a:buClr>
+              <a:buSzPts val="900"/>
+              <a:buFont typeface="Arial"/>
               <a:buNone/>
               <a:defRPr b="0" i="0" sz="900" u="none" cap="none" strike="noStrike">
                 <a:solidFill>
@@ -2522,9 +3573,20 @@
               </a:defRPr>
             </a:lvl7pPr>
             <a:lvl8pPr indent="0" lvl="7" marL="0" marR="0" rtl="0" algn="l">
-              <a:spcBef>
-                <a:spcPts val="0"/>
-              </a:spcBef>
+              <a:lnSpc>
+                <a:spcPct val="100000"/>
+              </a:lnSpc>
+              <a:spcBef>
+                <a:spcPts val="0"/>
+              </a:spcBef>
+              <a:spcAft>
+                <a:spcPts val="0"/>
+              </a:spcAft>
+              <a:buClr>
+                <a:srgbClr val="000000"/>
+              </a:buClr>
+              <a:buSzPts val="900"/>
+              <a:buFont typeface="Arial"/>
               <a:buNone/>
               <a:defRPr b="0" i="0" sz="900" u="none" cap="none" strike="noStrike">
                 <a:solidFill>
@@ -2537,9 +3599,20 @@
               </a:defRPr>
             </a:lvl8pPr>
             <a:lvl9pPr indent="0" lvl="8" marL="0" marR="0" rtl="0" algn="l">
-              <a:spcBef>
-                <a:spcPts val="0"/>
-              </a:spcBef>
+              <a:lnSpc>
+                <a:spcPct val="100000"/>
+              </a:lnSpc>
+              <a:spcBef>
+                <a:spcPts val="0"/>
+              </a:spcBef>
+              <a:spcAft>
+                <a:spcPts val="0"/>
+              </a:spcAft>
+              <a:buClr>
+                <a:srgbClr val="000000"/>
+              </a:buClr>
+              <a:buSzPts val="900"/>
+              <a:buFont typeface="Arial"/>
               <a:buNone/>
               <a:defRPr b="0" i="0" sz="900" u="none" cap="none" strike="noStrike">
                 <a:solidFill>
@@ -2576,7 +3649,7 @@
       </p:sp>
       <p:sp>
         <p:nvSpPr>
-          <p:cNvPr id="11" name="Google Shape;11;p1"/>
+          <p:cNvPr id="11" name="Google Shape;11;p2"/>
           <p:cNvSpPr txBox="1"/>
           <p:nvPr/>
         </p:nvSpPr>
@@ -2600,12 +3673,20 @@
           <a:lstStyle/>
           <a:p>
             <a:pPr indent="0" lvl="0" marL="0" marR="0" rtl="0" algn="l">
-              <a:spcBef>
-                <a:spcPts val="0"/>
-              </a:spcBef>
-              <a:spcAft>
-                <a:spcPts val="0"/>
-              </a:spcAft>
+              <a:lnSpc>
+                <a:spcPct val="100000"/>
+              </a:lnSpc>
+              <a:spcBef>
+                <a:spcPts val="0"/>
+              </a:spcBef>
+              <a:spcAft>
+                <a:spcPts val="0"/>
+              </a:spcAft>
+              <a:buClr>
+                <a:srgbClr val="000000"/>
+              </a:buClr>
+              <a:buSzPts val="600"/>
+              <a:buFont typeface="Arial"/>
               <a:buNone/>
             </a:pPr>
             <a:r>
@@ -2620,13 +3701,21 @@
               </a:rPr>
               <a:t>Erstellt durch Vorlagenbauer.ch</a:t>
             </a:r>
-            <a:endParaRPr/>
+            <a:endParaRPr b="0" i="0" sz="1400" u="none" cap="none" strike="noStrike">
+              <a:solidFill>
+                <a:srgbClr val="000000"/>
+              </a:solidFill>
+              <a:latin typeface="Arial"/>
+              <a:ea typeface="Arial"/>
+              <a:cs typeface="Arial"/>
+              <a:sym typeface="Arial"/>
+            </a:endParaRPr>
           </a:p>
         </p:txBody>
       </p:sp>
       <p:pic>
         <p:nvPicPr>
-          <p:cNvPr id="12" name="Google Shape;12;p1"/>
+          <p:cNvPr id="12" name="Google Shape;12;p2"/>
           <p:cNvPicPr preferRelativeResize="0"/>
           <p:nvPr/>
         </p:nvPicPr>
@@ -2655,8 +3744,8 @@
   </p:cSld>
   <p:clrMap accent1="accent1" accent2="accent2" accent3="accent3" accent4="accent4" accent5="accent5" accent6="accent6" bg1="lt1" bg2="dk2" tx1="dk1" tx2="lt2" folHlink="folHlink" hlink="hlink"/>
   <p:sldLayoutIdLst>
-    <p:sldLayoutId id="2147483648" r:id="rId2"/>
-    <p:sldLayoutId id="2147483649" r:id="rId3"/>
+    <p:sldLayoutId id="2147483649" r:id="rId2"/>
+    <p:sldLayoutId id="2147483650" r:id="rId3"/>
   </p:sldLayoutIdLst>
   <p:hf dt="0" ftr="0" hdr="0"/>
   <p:txStyles>
@@ -3412,7 +4501,7 @@
   <p:cSld>
     <p:spTree>
       <p:nvGrpSpPr>
-        <p:cNvPr id="30" name="Shape 30"/>
+        <p:cNvPr id="38" name="Shape 38"/>
         <p:cNvGrpSpPr/>
         <p:nvPr/>
       </p:nvGrpSpPr>
@@ -3426,131 +4515,7 @@
       </p:grpSpPr>
       <p:sp>
         <p:nvSpPr>
-          <p:cNvPr id="31" name="Google Shape;31;p4"/>
-          <p:cNvSpPr/>
-          <p:nvPr/>
-        </p:nvSpPr>
-        <p:spPr>
-          <a:xfrm>
-            <a:off x="143508" y="1448780"/>
-            <a:ext cx="8856900" cy="3960300"/>
-          </a:xfrm>
-          <a:prstGeom prst="rect">
-            <a:avLst/>
-          </a:prstGeom>
-          <a:solidFill>
-            <a:schemeClr val="lt1"/>
-          </a:solidFill>
-          <a:ln>
-            <a:noFill/>
-          </a:ln>
-        </p:spPr>
-        <p:txBody>
-          <a:bodyPr anchorCtr="0" anchor="ctr" bIns="45700" lIns="91425" spcFirstLastPara="1" rIns="91425" wrap="square" tIns="45700">
-            <a:noAutofit/>
-          </a:bodyPr>
-          <a:lstStyle/>
-          <a:p>
-            <a:pPr indent="0" lvl="0" marL="0" marR="0" rtl="0" algn="ctr">
-              <a:spcBef>
-                <a:spcPts val="0"/>
-              </a:spcBef>
-              <a:spcAft>
-                <a:spcPts val="0"/>
-              </a:spcAft>
-              <a:buNone/>
-            </a:pPr>
-            <a:r>
-              <a:rPr lang="en-US" sz="7200">
-                <a:solidFill>
-                  <a:srgbClr val="987147"/>
-                </a:solidFill>
-                <a:latin typeface="Arial"/>
-                <a:ea typeface="Arial"/>
-                <a:cs typeface="Arial"/>
-                <a:sym typeface="Arial"/>
-              </a:rPr>
-              <a:t>BOSS GOLF </a:t>
-            </a:r>
-            <a:endParaRPr/>
-          </a:p>
-          <a:p>
-            <a:pPr indent="0" lvl="0" marL="0" marR="0" rtl="0" algn="ctr">
-              <a:spcBef>
-                <a:spcPts val="0"/>
-              </a:spcBef>
-              <a:spcAft>
-                <a:spcPts val="0"/>
-              </a:spcAft>
-              <a:buNone/>
-            </a:pPr>
-            <a:r>
-              <a:rPr lang="en-US" sz="5400">
-                <a:solidFill>
-                  <a:srgbClr val="987147"/>
-                </a:solidFill>
-                <a:latin typeface="Arial"/>
-                <a:ea typeface="Arial"/>
-                <a:cs typeface="Arial"/>
-                <a:sym typeface="Arial"/>
-              </a:rPr>
-              <a:t>FALL WINTER‘26</a:t>
-            </a:r>
-            <a:endParaRPr/>
-          </a:p>
-          <a:p>
-            <a:pPr indent="0" lvl="0" marL="0" marR="0" rtl="0" algn="ctr">
-              <a:spcBef>
-                <a:spcPts val="0"/>
-              </a:spcBef>
-              <a:spcAft>
-                <a:spcPts val="0"/>
-              </a:spcAft>
-              <a:buNone/>
-            </a:pPr>
-            <a:r>
-              <a:rPr lang="en-US" sz="5400">
-                <a:solidFill>
-                  <a:srgbClr val="987147"/>
-                </a:solidFill>
-                <a:latin typeface="Arial"/>
-                <a:ea typeface="Arial"/>
-                <a:cs typeface="Arial"/>
-                <a:sym typeface="Arial"/>
-              </a:rPr>
-              <a:t>OVERVIEW</a:t>
-            </a:r>
-            <a:endParaRPr/>
-          </a:p>
-          <a:p>
-            <a:pPr indent="0" lvl="0" marL="0" marR="0" rtl="0" algn="ctr">
-              <a:spcBef>
-                <a:spcPts val="0"/>
-              </a:spcBef>
-              <a:spcAft>
-                <a:spcPts val="0"/>
-              </a:spcAft>
-              <a:buNone/>
-            </a:pPr>
-            <a:r>
-              <a:rPr lang="en-US" sz="5400">
-                <a:solidFill>
-                  <a:srgbClr val="987147"/>
-                </a:solidFill>
-                <a:latin typeface="Arial"/>
-                <a:ea typeface="Arial"/>
-                <a:cs typeface="Arial"/>
-                <a:sym typeface="Arial"/>
-              </a:rPr>
-              <a:t>-MAIN-</a:t>
-            </a:r>
-            <a:endParaRPr/>
-          </a:p>
-        </p:txBody>
-      </p:sp>
-      <p:sp>
-        <p:nvSpPr>
-          <p:cNvPr id="32" name="Google Shape;32;p4"/>
+          <p:cNvPr id="39" name="Google Shape;39;p1"/>
           <p:cNvSpPr txBox="1"/>
           <p:nvPr>
             <p:ph idx="12" type="sldNum"/>
@@ -3564,6 +4529,10 @@
           <a:prstGeom prst="rect">
             <a:avLst/>
           </a:prstGeom>
+          <a:noFill/>
+          <a:ln>
+            <a:noFill/>
+          </a:ln>
         </p:spPr>
         <p:txBody>
           <a:bodyPr anchorCtr="0" anchor="t" bIns="0" lIns="0" spcFirstLastPara="1" rIns="0" wrap="square" tIns="0">
@@ -3581,6 +4550,7 @@
               <a:buClr>
                 <a:srgbClr val="000000"/>
               </a:buClr>
+              <a:buSzPts val="900"/>
               <a:buFont typeface="Arial"/>
               <a:buNone/>
             </a:pPr>
@@ -3605,6 +4575,285 @@
 </file>
 
 <file path=ppt/theme/theme1.xml><?xml version="1.0" encoding="utf-8"?>
+<a:theme xmlns:a="http://schemas.openxmlformats.org/drawingml/2006/main" xmlns:r="http://schemas.openxmlformats.org/officeDocument/2006/relationships" name="Office Theme">
+  <a:themeElements>
+    <a:clrScheme name="Hugo Boss">
+      <a:dk1>
+        <a:srgbClr val="000000"/>
+      </a:dk1>
+      <a:lt1>
+        <a:srgbClr val="FFFFFF"/>
+      </a:lt1>
+      <a:dk2>
+        <a:srgbClr val="4B4B4B"/>
+      </a:dk2>
+      <a:lt2>
+        <a:srgbClr val="B9B9B9"/>
+      </a:lt2>
+      <a:accent1>
+        <a:srgbClr val="B61F29"/>
+      </a:accent1>
+      <a:accent2>
+        <a:srgbClr val="987107"/>
+      </a:accent2>
+      <a:accent3>
+        <a:srgbClr val="EDEDED"/>
+      </a:accent3>
+      <a:accent4>
+        <a:srgbClr val="D0D0D0"/>
+      </a:accent4>
+      <a:accent5>
+        <a:srgbClr val="929292"/>
+      </a:accent5>
+      <a:accent6>
+        <a:srgbClr val="4A4A4A"/>
+      </a:accent6>
+      <a:hlink>
+        <a:srgbClr val="000000"/>
+      </a:hlink>
+      <a:folHlink>
+        <a:srgbClr val="000000"/>
+      </a:folHlink>
+    </a:clrScheme>
+    <a:fontScheme name="Office">
+      <a:majorFont>
+        <a:latin typeface="Arial"/>
+        <a:ea typeface=""/>
+        <a:cs typeface=""/>
+        <a:font script="Jpan" typeface="ＭＳ Ｐゴシック"/>
+        <a:font script="Hang" typeface="맑은 고딕"/>
+        <a:font script="Hans" typeface="宋体"/>
+        <a:font script="Hant" typeface="新細明體"/>
+        <a:font script="Arab" typeface="Times New Roman"/>
+        <a:font script="Hebr" typeface="Times New Roman"/>
+        <a:font script="Thai" typeface="Angsana New"/>
+        <a:font script="Ethi" typeface="Nyala"/>
+        <a:font script="Beng" typeface="Vrinda"/>
+        <a:font script="Gujr" typeface="Shruti"/>
+        <a:font script="Khmr" typeface="MoolBoran"/>
+        <a:font script="Knda" typeface="Tunga"/>
+        <a:font script="Guru" typeface="Raavi"/>
+        <a:font script="Cans" typeface="Euphemia"/>
+        <a:font script="Cher" typeface="Plantagenet Cherokee"/>
+        <a:font script="Yiii" typeface="Microsoft Yi Baiti"/>
+        <a:font script="Tibt" typeface="Microsoft Himalaya"/>
+        <a:font script="Thaa" typeface="MV Boli"/>
+        <a:font script="Deva" typeface="Mangal"/>
+        <a:font script="Telu" typeface="Gautami"/>
+        <a:font script="Taml" typeface="Latha"/>
+        <a:font script="Syrc" typeface="Estrangelo Edessa"/>
+        <a:font script="Orya" typeface="Kalinga"/>
+        <a:font script="Mlym" typeface="Kartika"/>
+        <a:font script="Laoo" typeface="DokChampa"/>
+        <a:font script="Sinh" typeface="Iskoola Pota"/>
+        <a:font script="Mong" typeface="Mongolian Baiti"/>
+        <a:font script="Viet" typeface="Times New Roman"/>
+        <a:font script="Uigh" typeface="Microsoft Uighur"/>
+        <a:font script="Geor" typeface="Sylfaen"/>
+      </a:majorFont>
+      <a:minorFont>
+        <a:latin typeface="Arial"/>
+        <a:ea typeface=""/>
+        <a:cs typeface=""/>
+        <a:font script="Jpan" typeface="ＭＳ Ｐゴシック"/>
+        <a:font script="Hang" typeface="맑은 고딕"/>
+        <a:font script="Hans" typeface="宋体"/>
+        <a:font script="Hant" typeface="新細明體"/>
+        <a:font script="Arab" typeface="Arial"/>
+        <a:font script="Hebr" typeface="Arial"/>
+        <a:font script="Thai" typeface="Cordia New"/>
+        <a:font script="Ethi" typeface="Nyala"/>
+        <a:font script="Beng" typeface="Vrinda"/>
+        <a:font script="Gujr" typeface="Shruti"/>
+        <a:font script="Khmr" typeface="DaunPenh"/>
+        <a:font script="Knda" typeface="Tunga"/>
+        <a:font script="Guru" typeface="Raavi"/>
+        <a:font script="Cans" typeface="Euphemia"/>
+        <a:font script="Cher" typeface="Plantagenet Cherokee"/>
+        <a:font script="Yiii" typeface="Microsoft Yi Baiti"/>
+        <a:font script="Tibt" typeface="Microsoft Himalaya"/>
+        <a:font script="Thaa" typeface="MV Boli"/>
+        <a:font script="Deva" typeface="Mangal"/>
+        <a:font script="Telu" typeface="Gautami"/>
+        <a:font script="Taml" typeface="Latha"/>
+        <a:font script="Syrc" typeface="Estrangelo Edessa"/>
+        <a:font script="Orya" typeface="Kalinga"/>
+        <a:font script="Mlym" typeface="Kartika"/>
+        <a:font script="Laoo" typeface="DokChampa"/>
+        <a:font script="Sinh" typeface="Iskoola Pota"/>
+        <a:font script="Mong" typeface="Mongolian Baiti"/>
+        <a:font script="Viet" typeface="Arial"/>
+        <a:font script="Uigh" typeface="Microsoft Uighur"/>
+        <a:font script="Geor" typeface="Sylfaen"/>
+      </a:minorFont>
+    </a:fontScheme>
+    <a:fmtScheme name="Office">
+      <a:fillStyleLst>
+        <a:solidFill>
+          <a:schemeClr val="phClr"/>
+        </a:solidFill>
+        <a:gradFill rotWithShape="1">
+          <a:gsLst>
+            <a:gs pos="0">
+              <a:schemeClr val="phClr">
+                <a:tint val="50000"/>
+                <a:satMod val="300000"/>
+              </a:schemeClr>
+            </a:gs>
+            <a:gs pos="35000">
+              <a:schemeClr val="phClr">
+                <a:tint val="37000"/>
+                <a:satMod val="300000"/>
+              </a:schemeClr>
+            </a:gs>
+            <a:gs pos="100000">
+              <a:schemeClr val="phClr">
+                <a:tint val="15000"/>
+                <a:satMod val="350000"/>
+              </a:schemeClr>
+            </a:gs>
+          </a:gsLst>
+          <a:lin ang="16200000" scaled="1"/>
+        </a:gradFill>
+        <a:gradFill rotWithShape="1">
+          <a:gsLst>
+            <a:gs pos="0">
+              <a:schemeClr val="phClr">
+                <a:tint val="100000"/>
+                <a:shade val="100000"/>
+                <a:satMod val="130000"/>
+              </a:schemeClr>
+            </a:gs>
+            <a:gs pos="100000">
+              <a:schemeClr val="phClr">
+                <a:tint val="50000"/>
+                <a:shade val="100000"/>
+                <a:satMod val="350000"/>
+              </a:schemeClr>
+            </a:gs>
+          </a:gsLst>
+          <a:lin ang="16200000" scaled="0"/>
+        </a:gradFill>
+      </a:fillStyleLst>
+      <a:lnStyleLst>
+        <a:ln w="9525" cap="flat" cmpd="sng" algn="ctr">
+          <a:solidFill>
+            <a:schemeClr val="phClr">
+              <a:shade val="95000"/>
+              <a:satMod val="105000"/>
+            </a:schemeClr>
+          </a:solidFill>
+          <a:prstDash val="solid"/>
+        </a:ln>
+        <a:ln w="25400" cap="flat" cmpd="sng" algn="ctr">
+          <a:solidFill>
+            <a:schemeClr val="phClr"/>
+          </a:solidFill>
+          <a:prstDash val="solid"/>
+        </a:ln>
+        <a:ln w="38100" cap="flat" cmpd="sng" algn="ctr">
+          <a:solidFill>
+            <a:schemeClr val="phClr"/>
+          </a:solidFill>
+          <a:prstDash val="solid"/>
+        </a:ln>
+      </a:lnStyleLst>
+      <a:effectStyleLst>
+        <a:effectStyle>
+          <a:effectLst>
+            <a:outerShdw blurRad="40000" dist="20000" dir="5400000" rotWithShape="0">
+              <a:srgbClr val="000000">
+                <a:alpha val="38000"/>
+              </a:srgbClr>
+            </a:outerShdw>
+          </a:effectLst>
+        </a:effectStyle>
+        <a:effectStyle>
+          <a:effectLst>
+            <a:outerShdw blurRad="40000" dist="23000" dir="5400000" rotWithShape="0">
+              <a:srgbClr val="000000">
+                <a:alpha val="35000"/>
+              </a:srgbClr>
+            </a:outerShdw>
+          </a:effectLst>
+        </a:effectStyle>
+        <a:effectStyle>
+          <a:effectLst>
+            <a:outerShdw blurRad="40000" dist="23000" dir="5400000" rotWithShape="0">
+              <a:srgbClr val="000000">
+                <a:alpha val="35000"/>
+              </a:srgbClr>
+            </a:outerShdw>
+          </a:effectLst>
+          <a:scene3d>
+            <a:camera prst="orthographicFront">
+              <a:rot lat="0" lon="0" rev="0"/>
+            </a:camera>
+            <a:lightRig rig="threePt" dir="t">
+              <a:rot lat="0" lon="0" rev="1200000"/>
+            </a:lightRig>
+          </a:scene3d>
+          <a:sp3d>
+            <a:bevelT w="63500" h="25400"/>
+          </a:sp3d>
+        </a:effectStyle>
+      </a:effectStyleLst>
+      <a:bgFillStyleLst>
+        <a:solidFill>
+          <a:schemeClr val="phClr"/>
+        </a:solidFill>
+        <a:gradFill rotWithShape="1">
+          <a:gsLst>
+            <a:gs pos="0">
+              <a:schemeClr val="phClr">
+                <a:tint val="40000"/>
+                <a:satMod val="350000"/>
+              </a:schemeClr>
+            </a:gs>
+            <a:gs pos="40000">
+              <a:schemeClr val="phClr">
+                <a:tint val="45000"/>
+                <a:shade val="99000"/>
+                <a:satMod val="350000"/>
+              </a:schemeClr>
+            </a:gs>
+            <a:gs pos="100000">
+              <a:schemeClr val="phClr">
+                <a:shade val="20000"/>
+                <a:satMod val="255000"/>
+              </a:schemeClr>
+            </a:gs>
+          </a:gsLst>
+          <a:path path="circle">
+            <a:fillToRect l="50000" t="-80000" r="50000" b="180000"/>
+          </a:path>
+        </a:gradFill>
+        <a:gradFill rotWithShape="1">
+          <a:gsLst>
+            <a:gs pos="0">
+              <a:schemeClr val="phClr">
+                <a:tint val="80000"/>
+                <a:satMod val="300000"/>
+              </a:schemeClr>
+            </a:gs>
+            <a:gs pos="100000">
+              <a:schemeClr val="phClr">
+                <a:shade val="30000"/>
+                <a:satMod val="200000"/>
+              </a:schemeClr>
+            </a:gs>
+          </a:gsLst>
+          <a:path path="circle">
+            <a:fillToRect l="50000" t="50000" r="50000" b="50000"/>
+          </a:path>
+        </a:gradFill>
+      </a:bgFillStyleLst>
+    </a:fmtScheme>
+  </a:themeElements>
+</a:theme>
+</file>
+
+<file path=ppt/theme/theme2.xml><?xml version="1.0" encoding="utf-8"?>
 <a:theme xmlns:a="http://schemas.openxmlformats.org/drawingml/2006/main" xmlns:r="http://schemas.openxmlformats.org/officeDocument/2006/relationships" name="Template">
   <a:themeElements>
     <a:clrScheme name="Hugo Boss">
@@ -3881,283 +5130,4 @@
     </a:fmtScheme>
   </a:themeElements>
 </a:theme>
-</file>
-
-<file path=ppt/theme/theme2.xml><?xml version="1.0" encoding="utf-8"?>
-<a:theme xmlns:a="http://schemas.openxmlformats.org/drawingml/2006/main" xmlns:r="http://schemas.openxmlformats.org/officeDocument/2006/relationships" name="Office Theme">
-  <a:themeElements>
-    <a:clrScheme name="Hugo Boss">
-      <a:dk1>
-        <a:srgbClr val="000000"/>
-      </a:dk1>
-      <a:lt1>
-        <a:srgbClr val="FFFFFF"/>
-      </a:lt1>
-      <a:dk2>
-        <a:srgbClr val="4B4B4B"/>
-      </a:dk2>
-      <a:lt2>
-        <a:srgbClr val="B9B9B9"/>
-      </a:lt2>
-      <a:accent1>
-        <a:srgbClr val="B61F29"/>
-      </a:accent1>
-      <a:accent2>
-        <a:srgbClr val="987107"/>
-      </a:accent2>
-      <a:accent3>
-        <a:srgbClr val="EDEDED"/>
-      </a:accent3>
-      <a:accent4>
-        <a:srgbClr val="D0D0D0"/>
-      </a:accent4>
-      <a:accent5>
-        <a:srgbClr val="929292"/>
-      </a:accent5>
-      <a:accent6>
-        <a:srgbClr val="4A4A4A"/>
-      </a:accent6>
-      <a:hlink>
-        <a:srgbClr val="000000"/>
-      </a:hlink>
-      <a:folHlink>
-        <a:srgbClr val="000000"/>
-      </a:folHlink>
-    </a:clrScheme>
-    <a:fontScheme name="Office">
-      <a:majorFont>
-        <a:latin typeface="Arial"/>
-        <a:ea typeface=""/>
-        <a:cs typeface=""/>
-        <a:font script="Jpan" typeface="ＭＳ Ｐゴシック"/>
-        <a:font script="Hang" typeface="맑은 고딕"/>
-        <a:font script="Hans" typeface="宋体"/>
-        <a:font script="Hant" typeface="新細明體"/>
-        <a:font script="Arab" typeface="Times New Roman"/>
-        <a:font script="Hebr" typeface="Times New Roman"/>
-        <a:font script="Thai" typeface="Angsana New"/>
-        <a:font script="Ethi" typeface="Nyala"/>
-        <a:font script="Beng" typeface="Vrinda"/>
-        <a:font script="Gujr" typeface="Shruti"/>
-        <a:font script="Khmr" typeface="MoolBoran"/>
-        <a:font script="Knda" typeface="Tunga"/>
-        <a:font script="Guru" typeface="Raavi"/>
-        <a:font script="Cans" typeface="Euphemia"/>
-        <a:font script="Cher" typeface="Plantagenet Cherokee"/>
-        <a:font script="Yiii" typeface="Microsoft Yi Baiti"/>
-        <a:font script="Tibt" typeface="Microsoft Himalaya"/>
-        <a:font script="Thaa" typeface="MV Boli"/>
-        <a:font script="Deva" typeface="Mangal"/>
-        <a:font script="Telu" typeface="Gautami"/>
-        <a:font script="Taml" typeface="Latha"/>
-        <a:font script="Syrc" typeface="Estrangelo Edessa"/>
-        <a:font script="Orya" typeface="Kalinga"/>
-        <a:font script="Mlym" typeface="Kartika"/>
-        <a:font script="Laoo" typeface="DokChampa"/>
-        <a:font script="Sinh" typeface="Iskoola Pota"/>
-        <a:font script="Mong" typeface="Mongolian Baiti"/>
-        <a:font script="Viet" typeface="Times New Roman"/>
-        <a:font script="Uigh" typeface="Microsoft Uighur"/>
-        <a:font script="Geor" typeface="Sylfaen"/>
-      </a:majorFont>
-      <a:minorFont>
-        <a:latin typeface="Arial"/>
-        <a:ea typeface=""/>
-        <a:cs typeface=""/>
-        <a:font script="Jpan" typeface="ＭＳ Ｐゴシック"/>
-        <a:font script="Hang" typeface="맑은 고딕"/>
-        <a:font script="Hans" typeface="宋体"/>
-        <a:font script="Hant" typeface="新細明體"/>
-        <a:font script="Arab" typeface="Arial"/>
-        <a:font script="Hebr" typeface="Arial"/>
-        <a:font script="Thai" typeface="Cordia New"/>
-        <a:font script="Ethi" typeface="Nyala"/>
-        <a:font script="Beng" typeface="Vrinda"/>
-        <a:font script="Gujr" typeface="Shruti"/>
-        <a:font script="Khmr" typeface="DaunPenh"/>
-        <a:font script="Knda" typeface="Tunga"/>
-        <a:font script="Guru" typeface="Raavi"/>
-        <a:font script="Cans" typeface="Euphemia"/>
-        <a:font script="Cher" typeface="Plantagenet Cherokee"/>
-        <a:font script="Yiii" typeface="Microsoft Yi Baiti"/>
-        <a:font script="Tibt" typeface="Microsoft Himalaya"/>
-        <a:font script="Thaa" typeface="MV Boli"/>
-        <a:font script="Deva" typeface="Mangal"/>
-        <a:font script="Telu" typeface="Gautami"/>
-        <a:font script="Taml" typeface="Latha"/>
-        <a:font script="Syrc" typeface="Estrangelo Edessa"/>
-        <a:font script="Orya" typeface="Kalinga"/>
-        <a:font script="Mlym" typeface="Kartika"/>
-        <a:font script="Laoo" typeface="DokChampa"/>
-        <a:font script="Sinh" typeface="Iskoola Pota"/>
-        <a:font script="Mong" typeface="Mongolian Baiti"/>
-        <a:font script="Viet" typeface="Arial"/>
-        <a:font script="Uigh" typeface="Microsoft Uighur"/>
-        <a:font script="Geor" typeface="Sylfaen"/>
-      </a:minorFont>
-    </a:fontScheme>
-    <a:fmtScheme name="Office">
-      <a:fillStyleLst>
-        <a:solidFill>
-          <a:schemeClr val="phClr"/>
-        </a:solidFill>
-        <a:gradFill rotWithShape="1">
-          <a:gsLst>
-            <a:gs pos="0">
-              <a:schemeClr val="phClr">
-                <a:tint val="50000"/>
-                <a:satMod val="300000"/>
-              </a:schemeClr>
-            </a:gs>
-            <a:gs pos="35000">
-              <a:schemeClr val="phClr">
-                <a:tint val="37000"/>
-                <a:satMod val="300000"/>
-              </a:schemeClr>
-            </a:gs>
-            <a:gs pos="100000">
-              <a:schemeClr val="phClr">
-                <a:tint val="15000"/>
-                <a:satMod val="350000"/>
-              </a:schemeClr>
-            </a:gs>
-          </a:gsLst>
-          <a:lin ang="16200000" scaled="1"/>
-        </a:gradFill>
-        <a:gradFill rotWithShape="1">
-          <a:gsLst>
-            <a:gs pos="0">
-              <a:schemeClr val="phClr">
-                <a:tint val="100000"/>
-                <a:shade val="100000"/>
-                <a:satMod val="130000"/>
-              </a:schemeClr>
-            </a:gs>
-            <a:gs pos="100000">
-              <a:schemeClr val="phClr">
-                <a:tint val="50000"/>
-                <a:shade val="100000"/>
-                <a:satMod val="350000"/>
-              </a:schemeClr>
-            </a:gs>
-          </a:gsLst>
-          <a:lin ang="16200000" scaled="0"/>
-        </a:gradFill>
-      </a:fillStyleLst>
-      <a:lnStyleLst>
-        <a:ln w="9525" cap="flat" cmpd="sng" algn="ctr">
-          <a:solidFill>
-            <a:schemeClr val="phClr">
-              <a:shade val="95000"/>
-              <a:satMod val="105000"/>
-            </a:schemeClr>
-          </a:solidFill>
-          <a:prstDash val="solid"/>
-        </a:ln>
-        <a:ln w="25400" cap="flat" cmpd="sng" algn="ctr">
-          <a:solidFill>
-            <a:schemeClr val="phClr"/>
-          </a:solidFill>
-          <a:prstDash val="solid"/>
-        </a:ln>
-        <a:ln w="38100" cap="flat" cmpd="sng" algn="ctr">
-          <a:solidFill>
-            <a:schemeClr val="phClr"/>
-          </a:solidFill>
-          <a:prstDash val="solid"/>
-        </a:ln>
-      </a:lnStyleLst>
-      <a:effectStyleLst>
-        <a:effectStyle>
-          <a:effectLst>
-            <a:outerShdw blurRad="40000" dist="20000" dir="5400000" rotWithShape="0">
-              <a:srgbClr val="000000">
-                <a:alpha val="38000"/>
-              </a:srgbClr>
-            </a:outerShdw>
-          </a:effectLst>
-        </a:effectStyle>
-        <a:effectStyle>
-          <a:effectLst>
-            <a:outerShdw blurRad="40000" dist="23000" dir="5400000" rotWithShape="0">
-              <a:srgbClr val="000000">
-                <a:alpha val="35000"/>
-              </a:srgbClr>
-            </a:outerShdw>
-          </a:effectLst>
-        </a:effectStyle>
-        <a:effectStyle>
-          <a:effectLst>
-            <a:outerShdw blurRad="40000" dist="23000" dir="5400000" rotWithShape="0">
-              <a:srgbClr val="000000">
-                <a:alpha val="35000"/>
-              </a:srgbClr>
-            </a:outerShdw>
-          </a:effectLst>
-          <a:scene3d>
-            <a:camera prst="orthographicFront">
-              <a:rot lat="0" lon="0" rev="0"/>
-            </a:camera>
-            <a:lightRig rig="threePt" dir="t">
-              <a:rot lat="0" lon="0" rev="1200000"/>
-            </a:lightRig>
-          </a:scene3d>
-          <a:sp3d>
-            <a:bevelT w="63500" h="25400"/>
-          </a:sp3d>
-        </a:effectStyle>
-      </a:effectStyleLst>
-      <a:bgFillStyleLst>
-        <a:solidFill>
-          <a:schemeClr val="phClr"/>
-        </a:solidFill>
-        <a:gradFill rotWithShape="1">
-          <a:gsLst>
-            <a:gs pos="0">
-              <a:schemeClr val="phClr">
-                <a:tint val="40000"/>
-                <a:satMod val="350000"/>
-              </a:schemeClr>
-            </a:gs>
-            <a:gs pos="40000">
-              <a:schemeClr val="phClr">
-                <a:tint val="45000"/>
-                <a:shade val="99000"/>
-                <a:satMod val="350000"/>
-              </a:schemeClr>
-            </a:gs>
-            <a:gs pos="100000">
-              <a:schemeClr val="phClr">
-                <a:shade val="20000"/>
-                <a:satMod val="255000"/>
-              </a:schemeClr>
-            </a:gs>
-          </a:gsLst>
-          <a:path path="circle">
-            <a:fillToRect l="50000" t="-80000" r="50000" b="180000"/>
-          </a:path>
-        </a:gradFill>
-        <a:gradFill rotWithShape="1">
-          <a:gsLst>
-            <a:gs pos="0">
-              <a:schemeClr val="phClr">
-                <a:tint val="80000"/>
-                <a:satMod val="300000"/>
-              </a:schemeClr>
-            </a:gs>
-            <a:gs pos="100000">
-              <a:schemeClr val="phClr">
-                <a:shade val="30000"/>
-                <a:satMod val="200000"/>
-              </a:schemeClr>
-            </a:gs>
-          </a:gsLst>
-          <a:path path="circle">
-            <a:fillToRect l="50000" t="50000" r="50000" b="50000"/>
-          </a:path>
-        </a:gradFill>
-      </a:bgFillStyleLst>
-    </a:fmtScheme>
-  </a:themeElements>
-</a:theme>
 </file>
--- a/template.pptx
+++ b/template.pptx
@@ -257,7 +257,7 @@
       </p15:sldGuideLst>
     </p:ext>
     <p:ext uri="GoogleSlidesCustomDataVersion2">
-      <go:slidesCustomData xmlns:go="http://customooxmlschemas.google.com/" r:id="rId7" roundtripDataSignature="AMtx7mhqIBll9ninnoyqkfhiVTDLBQGLfw=="/>
+      <go:slidesCustomData xmlns:go="http://customooxmlschemas.google.com/" r:id="rId7" roundtripDataSignature="AMtx7mjtTdh6vjQ7n6MHHoIMC+8wow7CeA=="/>
     </p:ext>
   </p:extLst>
 </p:presentation>
@@ -2185,6 +2185,165 @@
         <p:nvSpPr>
           <p:cNvPr id="17" name="Google Shape;17;p4"/>
           <p:cNvSpPr txBox="1"/>
+          <p:nvPr/>
+        </p:nvSpPr>
+        <p:spPr>
+          <a:xfrm>
+            <a:off x="249924" y="1100971"/>
+            <a:ext cx="4213800" cy="498600"/>
+          </a:xfrm>
+          <a:prstGeom prst="rect">
+            <a:avLst/>
+          </a:prstGeom>
+          <a:noFill/>
+          <a:ln>
+            <a:noFill/>
+          </a:ln>
+        </p:spPr>
+        <p:txBody>
+          <a:bodyPr anchorCtr="0" anchor="t" bIns="91425" lIns="91425" spcFirstLastPara="1" rIns="91425" wrap="square" tIns="91425">
+            <a:spAutoFit/>
+          </a:bodyPr>
+          <a:lstStyle/>
+          <a:p>
+            <a:pPr indent="0" lvl="0" marL="0" rtl="0" algn="l">
+              <a:lnSpc>
+                <a:spcPct val="85000"/>
+              </a:lnSpc>
+              <a:spcBef>
+                <a:spcPts val="0"/>
+              </a:spcBef>
+              <a:spcAft>
+                <a:spcPts val="0"/>
+              </a:spcAft>
+              <a:buNone/>
+            </a:pPr>
+            <a:r>
+              <a:rPr lang="en-US" sz="2400">
+                <a:solidFill>
+                  <a:schemeClr val="dk1"/>
+                </a:solidFill>
+              </a:rPr>
+              <a:t>{code}</a:t>
+            </a:r>
+            <a:endParaRPr sz="2400">
+              <a:solidFill>
+                <a:schemeClr val="accent2"/>
+              </a:solidFill>
+            </a:endParaRPr>
+          </a:p>
+        </p:txBody>
+      </p:sp>
+      <p:sp>
+        <p:nvSpPr>
+          <p:cNvPr id="18" name="Google Shape;18;p4"/>
+          <p:cNvSpPr txBox="1"/>
+          <p:nvPr/>
+        </p:nvSpPr>
+        <p:spPr>
+          <a:xfrm>
+            <a:off x="249924" y="788950"/>
+            <a:ext cx="4213800" cy="498600"/>
+          </a:xfrm>
+          <a:prstGeom prst="rect">
+            <a:avLst/>
+          </a:prstGeom>
+          <a:noFill/>
+          <a:ln>
+            <a:noFill/>
+          </a:ln>
+        </p:spPr>
+        <p:txBody>
+          <a:bodyPr anchorCtr="0" anchor="t" bIns="91425" lIns="91425" spcFirstLastPara="1" rIns="91425" wrap="square" tIns="91425">
+            <a:spAutoFit/>
+          </a:bodyPr>
+          <a:lstStyle/>
+          <a:p>
+            <a:pPr indent="0" lvl="0" marL="0" rtl="0" algn="l">
+              <a:lnSpc>
+                <a:spcPct val="85000"/>
+              </a:lnSpc>
+              <a:spcBef>
+                <a:spcPts val="0"/>
+              </a:spcBef>
+              <a:spcAft>
+                <a:spcPts val="0"/>
+              </a:spcAft>
+              <a:buNone/>
+            </a:pPr>
+            <a:r>
+              <a:rPr lang="en-US" sz="2400">
+                <a:solidFill>
+                  <a:schemeClr val="accent2"/>
+                </a:solidFill>
+              </a:rPr>
+              <a:t>{category}</a:t>
+            </a:r>
+            <a:endParaRPr sz="1200">
+              <a:solidFill>
+                <a:srgbClr val="00B0F0"/>
+              </a:solidFill>
+            </a:endParaRPr>
+          </a:p>
+        </p:txBody>
+      </p:sp>
+      <p:sp>
+        <p:nvSpPr>
+          <p:cNvPr id="19" name="Google Shape;19;p4"/>
+          <p:cNvSpPr txBox="1"/>
+          <p:nvPr/>
+        </p:nvSpPr>
+        <p:spPr>
+          <a:xfrm>
+            <a:off x="735392" y="368515"/>
+            <a:ext cx="3000000" cy="341700"/>
+          </a:xfrm>
+          <a:prstGeom prst="rect">
+            <a:avLst/>
+          </a:prstGeom>
+          <a:noFill/>
+          <a:ln>
+            <a:noFill/>
+          </a:ln>
+        </p:spPr>
+        <p:txBody>
+          <a:bodyPr anchorCtr="0" anchor="t" bIns="91425" lIns="91425" spcFirstLastPara="1" rIns="91425" wrap="square" tIns="91425">
+            <a:spAutoFit/>
+          </a:bodyPr>
+          <a:lstStyle/>
+          <a:p>
+            <a:pPr indent="0" lvl="0" marL="0" rtl="0" algn="l">
+              <a:lnSpc>
+                <a:spcPct val="85000"/>
+              </a:lnSpc>
+              <a:spcBef>
+                <a:spcPts val="0"/>
+              </a:spcBef>
+              <a:spcAft>
+                <a:spcPts val="0"/>
+              </a:spcAft>
+              <a:buNone/>
+            </a:pPr>
+            <a:r>
+              <a:rPr lang="en-US" sz="1200">
+                <a:solidFill>
+                  <a:srgbClr val="00B0F0"/>
+                </a:solidFill>
+              </a:rPr>
+              <a:t>{season}</a:t>
+            </a:r>
+            <a:endParaRPr sz="1200">
+              <a:solidFill>
+                <a:srgbClr val="00B0F0"/>
+              </a:solidFill>
+            </a:endParaRPr>
+          </a:p>
+        </p:txBody>
+      </p:sp>
+      <p:sp>
+        <p:nvSpPr>
+          <p:cNvPr id="20" name="Google Shape;20;p4"/>
+          <p:cNvSpPr txBox="1"/>
           <p:nvPr>
             <p:ph idx="12" type="sldNum"/>
           </p:nvPr>
@@ -2466,7 +2625,7 @@
       </p:sp>
       <p:sp>
         <p:nvSpPr>
-          <p:cNvPr id="18" name="Google Shape;18;p4"/>
+          <p:cNvPr id="21" name="Google Shape;21;p4"/>
           <p:cNvSpPr/>
           <p:nvPr/>
         </p:nvSpPr>
@@ -2529,7 +2688,7 @@
       </p:sp>
       <p:sp>
         <p:nvSpPr>
-          <p:cNvPr id="19" name="Google Shape;19;p4"/>
+          <p:cNvPr id="22" name="Google Shape;22;p4"/>
           <p:cNvSpPr txBox="1"/>
           <p:nvPr/>
         </p:nvSpPr>
@@ -2595,7 +2754,7 @@
       </p:sp>
       <p:sp>
         <p:nvSpPr>
-          <p:cNvPr id="20" name="Google Shape;20;p4"/>
+          <p:cNvPr id="23" name="Google Shape;23;p4"/>
           <p:cNvSpPr/>
           <p:nvPr/>
         </p:nvSpPr>
@@ -2660,7 +2819,7 @@
       </p:sp>
       <p:sp>
         <p:nvSpPr>
-          <p:cNvPr id="21" name="Google Shape;21;p4"/>
+          <p:cNvPr id="24" name="Google Shape;24;p4"/>
           <p:cNvSpPr/>
           <p:nvPr/>
         </p:nvSpPr>
@@ -2725,7 +2884,7 @@
       </p:sp>
       <p:sp>
         <p:nvSpPr>
-          <p:cNvPr id="22" name="Google Shape;22;p4"/>
+          <p:cNvPr id="25" name="Google Shape;25;p4"/>
           <p:cNvSpPr txBox="1"/>
           <p:nvPr/>
         </p:nvSpPr>
@@ -2791,7 +2950,7 @@
       </p:sp>
       <p:sp>
         <p:nvSpPr>
-          <p:cNvPr id="23" name="Google Shape;23;p4"/>
+          <p:cNvPr id="26" name="Google Shape;26;p4"/>
           <p:cNvSpPr txBox="1"/>
           <p:nvPr/>
         </p:nvSpPr>
@@ -2857,7 +3016,7 @@
       </p:sp>
       <p:sp>
         <p:nvSpPr>
-          <p:cNvPr id="24" name="Google Shape;24;p4"/>
+          <p:cNvPr id="27" name="Google Shape;27;p4"/>
           <p:cNvSpPr txBox="1"/>
           <p:nvPr/>
         </p:nvSpPr>
@@ -2923,7 +3082,7 @@
       </p:sp>
       <p:sp>
         <p:nvSpPr>
-          <p:cNvPr id="25" name="Google Shape;25;p4"/>
+          <p:cNvPr id="28" name="Google Shape;28;p4"/>
           <p:cNvSpPr txBox="1"/>
           <p:nvPr/>
         </p:nvSpPr>
@@ -2989,7 +3148,7 @@
       </p:sp>
       <p:sp>
         <p:nvSpPr>
-          <p:cNvPr id="26" name="Google Shape;26;p4"/>
+          <p:cNvPr id="29" name="Google Shape;29;p4"/>
           <p:cNvSpPr txBox="1"/>
           <p:nvPr/>
         </p:nvSpPr>
@@ -3055,7 +3214,7 @@
       </p:sp>
       <p:pic>
         <p:nvPicPr>
-          <p:cNvPr id="27" name="Google Shape;27;p4"/>
+          <p:cNvPr id="30" name="Google Shape;30;p4"/>
           <p:cNvPicPr preferRelativeResize="0"/>
           <p:nvPr/>
         </p:nvPicPr>
@@ -3080,170 +3239,6 @@
           </a:ln>
         </p:spPr>
       </p:pic>
-      <p:sp>
-        <p:nvSpPr>
-          <p:cNvPr id="28" name="Google Shape;28;p4"/>
-          <p:cNvSpPr txBox="1"/>
-          <p:nvPr/>
-        </p:nvSpPr>
-        <p:spPr>
-          <a:xfrm>
-            <a:off x="342900" y="876799"/>
-            <a:ext cx="8611500" cy="288300"/>
-          </a:xfrm>
-          <a:prstGeom prst="rect">
-            <a:avLst/>
-          </a:prstGeom>
-          <a:noFill/>
-          <a:ln>
-            <a:noFill/>
-          </a:ln>
-        </p:spPr>
-        <p:txBody>
-          <a:bodyPr anchorCtr="0" anchor="t" bIns="0" lIns="0" spcFirstLastPara="1" rIns="0" wrap="square" tIns="0">
-            <a:noAutofit/>
-          </a:bodyPr>
-          <a:lstStyle/>
-          <a:p>
-            <a:pPr indent="0" lvl="0" marL="0" rtl="0" algn="l">
-              <a:lnSpc>
-                <a:spcPct val="85000"/>
-              </a:lnSpc>
-              <a:spcBef>
-                <a:spcPts val="0"/>
-              </a:spcBef>
-              <a:spcAft>
-                <a:spcPts val="0"/>
-              </a:spcAft>
-              <a:buNone/>
-            </a:pPr>
-            <a:r>
-              <a:rPr lang="en-US" sz="2400">
-                <a:solidFill>
-                  <a:srgbClr val="987147"/>
-                </a:solidFill>
-              </a:rPr>
-              <a:t>{category}</a:t>
-            </a:r>
-            <a:endParaRPr sz="2400">
-              <a:solidFill>
-                <a:srgbClr val="987147"/>
-              </a:solidFill>
-            </a:endParaRPr>
-          </a:p>
-        </p:txBody>
-      </p:sp>
-      <p:sp>
-        <p:nvSpPr>
-          <p:cNvPr id="29" name="Google Shape;29;p4"/>
-          <p:cNvSpPr txBox="1"/>
-          <p:nvPr/>
-        </p:nvSpPr>
-        <p:spPr>
-          <a:xfrm>
-            <a:off x="343327" y="1196473"/>
-            <a:ext cx="8520000" cy="288000"/>
-          </a:xfrm>
-          <a:prstGeom prst="rect">
-            <a:avLst/>
-          </a:prstGeom>
-          <a:noFill/>
-          <a:ln>
-            <a:noFill/>
-          </a:ln>
-        </p:spPr>
-        <p:txBody>
-          <a:bodyPr anchorCtr="0" anchor="t" bIns="0" lIns="0" spcFirstLastPara="1" rIns="0" wrap="square" tIns="0">
-            <a:noAutofit/>
-          </a:bodyPr>
-          <a:lstStyle/>
-          <a:p>
-            <a:pPr indent="0" lvl="0" marL="0" rtl="0" algn="l">
-              <a:lnSpc>
-                <a:spcPct val="85000"/>
-              </a:lnSpc>
-              <a:spcBef>
-                <a:spcPts val="0"/>
-              </a:spcBef>
-              <a:spcAft>
-                <a:spcPts val="0"/>
-              </a:spcAft>
-              <a:buNone/>
-            </a:pPr>
-            <a:r>
-              <a:rPr lang="en-US" sz="2400"/>
-              <a:t>{code}</a:t>
-            </a:r>
-            <a:endParaRPr sz="2400">
-              <a:solidFill>
-                <a:srgbClr val="000000"/>
-              </a:solidFill>
-            </a:endParaRPr>
-          </a:p>
-        </p:txBody>
-      </p:sp>
-      <p:sp>
-        <p:nvSpPr>
-          <p:cNvPr id="30" name="Google Shape;30;p4"/>
-          <p:cNvSpPr txBox="1"/>
-          <p:nvPr/>
-        </p:nvSpPr>
-        <p:spPr>
-          <a:xfrm>
-            <a:off x="827584" y="460811"/>
-            <a:ext cx="2701200" cy="144000"/>
-          </a:xfrm>
-          <a:prstGeom prst="rect">
-            <a:avLst/>
-          </a:prstGeom>
-          <a:noFill/>
-          <a:ln>
-            <a:noFill/>
-          </a:ln>
-        </p:spPr>
-        <p:txBody>
-          <a:bodyPr anchorCtr="0" anchor="t" bIns="0" lIns="0" spcFirstLastPara="1" rIns="0" wrap="square" tIns="0">
-            <a:noAutofit/>
-          </a:bodyPr>
-          <a:lstStyle/>
-          <a:p>
-            <a:pPr indent="0" lvl="0" marL="0" marR="0" rtl="0" algn="l">
-              <a:lnSpc>
-                <a:spcPct val="85000"/>
-              </a:lnSpc>
-              <a:spcBef>
-                <a:spcPts val="0"/>
-              </a:spcBef>
-              <a:spcAft>
-                <a:spcPts val="0"/>
-              </a:spcAft>
-              <a:buClr>
-                <a:srgbClr val="00B0F0"/>
-              </a:buClr>
-              <a:buSzPts val="1200"/>
-              <a:buFont typeface="Arial"/>
-              <a:buNone/>
-            </a:pPr>
-            <a:r>
-              <a:rPr lang="en-US" sz="1200">
-                <a:solidFill>
-                  <a:srgbClr val="00B0F0"/>
-                </a:solidFill>
-              </a:rPr>
-              <a:t>{season}</a:t>
-            </a:r>
-            <a:endParaRPr sz="1200" cap="none">
-              <a:solidFill>
-                <a:srgbClr val="00B0F0"/>
-              </a:solidFill>
-              <a:latin typeface="Arial"/>
-              <a:ea typeface="Arial"/>
-              <a:cs typeface="Arial"/>
-              <a:sym typeface="Arial"/>
-            </a:endParaRPr>
-          </a:p>
-        </p:txBody>
-      </p:sp>
       <p:sp>
         <p:nvSpPr>
           <p:cNvPr id="31" name="Google Shape;31;p4"/>
@@ -4575,6 +4570,285 @@
 </file>
 
 <file path=ppt/theme/theme1.xml><?xml version="1.0" encoding="utf-8"?>
+<a:theme xmlns:a="http://schemas.openxmlformats.org/drawingml/2006/main" xmlns:r="http://schemas.openxmlformats.org/officeDocument/2006/relationships" name="Template">
+  <a:themeElements>
+    <a:clrScheme name="Hugo Boss">
+      <a:dk1>
+        <a:srgbClr val="000000"/>
+      </a:dk1>
+      <a:lt1>
+        <a:srgbClr val="FFFFFF"/>
+      </a:lt1>
+      <a:dk2>
+        <a:srgbClr val="4B4B4B"/>
+      </a:dk2>
+      <a:lt2>
+        <a:srgbClr val="B9B9B9"/>
+      </a:lt2>
+      <a:accent1>
+        <a:srgbClr val="000000"/>
+      </a:accent1>
+      <a:accent2>
+        <a:srgbClr val="987147"/>
+      </a:accent2>
+      <a:accent3>
+        <a:srgbClr val="EDEDED"/>
+      </a:accent3>
+      <a:accent4>
+        <a:srgbClr val="4A4A4A"/>
+      </a:accent4>
+      <a:accent5>
+        <a:srgbClr val="929292"/>
+      </a:accent5>
+      <a:accent6>
+        <a:srgbClr val="D0D0D0"/>
+      </a:accent6>
+      <a:hlink>
+        <a:srgbClr val="000000"/>
+      </a:hlink>
+      <a:folHlink>
+        <a:srgbClr val="000000"/>
+      </a:folHlink>
+    </a:clrScheme>
+    <a:fontScheme name="Office">
+      <a:majorFont>
+        <a:latin typeface="Arial"/>
+        <a:ea typeface=""/>
+        <a:cs typeface=""/>
+        <a:font script="Jpan" typeface="ＭＳ Ｐゴシック"/>
+        <a:font script="Hang" typeface="맑은 고딕"/>
+        <a:font script="Hans" typeface="宋体"/>
+        <a:font script="Hant" typeface="新細明體"/>
+        <a:font script="Arab" typeface="Times New Roman"/>
+        <a:font script="Hebr" typeface="Times New Roman"/>
+        <a:font script="Thai" typeface="Angsana New"/>
+        <a:font script="Ethi" typeface="Nyala"/>
+        <a:font script="Beng" typeface="Vrinda"/>
+        <a:font script="Gujr" typeface="Shruti"/>
+        <a:font script="Khmr" typeface="MoolBoran"/>
+        <a:font script="Knda" typeface="Tunga"/>
+        <a:font script="Guru" typeface="Raavi"/>
+        <a:font script="Cans" typeface="Euphemia"/>
+        <a:font script="Cher" typeface="Plantagenet Cherokee"/>
+        <a:font script="Yiii" typeface="Microsoft Yi Baiti"/>
+        <a:font script="Tibt" typeface="Microsoft Himalaya"/>
+        <a:font script="Thaa" typeface="MV Boli"/>
+        <a:font script="Deva" typeface="Mangal"/>
+        <a:font script="Telu" typeface="Gautami"/>
+        <a:font script="Taml" typeface="Latha"/>
+        <a:font script="Syrc" typeface="Estrangelo Edessa"/>
+        <a:font script="Orya" typeface="Kalinga"/>
+        <a:font script="Mlym" typeface="Kartika"/>
+        <a:font script="Laoo" typeface="DokChampa"/>
+        <a:font script="Sinh" typeface="Iskoola Pota"/>
+        <a:font script="Mong" typeface="Mongolian Baiti"/>
+        <a:font script="Viet" typeface="Times New Roman"/>
+        <a:font script="Uigh" typeface="Microsoft Uighur"/>
+        <a:font script="Geor" typeface="Sylfaen"/>
+      </a:majorFont>
+      <a:minorFont>
+        <a:latin typeface="Arial"/>
+        <a:ea typeface=""/>
+        <a:cs typeface=""/>
+        <a:font script="Jpan" typeface="ＭＳ Ｐゴシック"/>
+        <a:font script="Hang" typeface="맑은 고딕"/>
+        <a:font script="Hans" typeface="宋体"/>
+        <a:font script="Hant" typeface="新細明體"/>
+        <a:font script="Arab" typeface="Arial"/>
+        <a:font script="Hebr" typeface="Arial"/>
+        <a:font script="Thai" typeface="Cordia New"/>
+        <a:font script="Ethi" typeface="Nyala"/>
+        <a:font script="Beng" typeface="Vrinda"/>
+        <a:font script="Gujr" typeface="Shruti"/>
+        <a:font script="Khmr" typeface="DaunPenh"/>
+        <a:font script="Knda" typeface="Tunga"/>
+        <a:font script="Guru" typeface="Raavi"/>
+        <a:font script="Cans" typeface="Euphemia"/>
+        <a:font script="Cher" typeface="Plantagenet Cherokee"/>
+        <a:font script="Yiii" typeface="Microsoft Yi Baiti"/>
+        <a:font script="Tibt" typeface="Microsoft Himalaya"/>
+        <a:font script="Thaa" typeface="MV Boli"/>
+        <a:font script="Deva" typeface="Mangal"/>
+        <a:font script="Telu" typeface="Gautami"/>
+        <a:font script="Taml" typeface="Latha"/>
+        <a:font script="Syrc" typeface="Estrangelo Edessa"/>
+        <a:font script="Orya" typeface="Kalinga"/>
+        <a:font script="Mlym" typeface="Kartika"/>
+        <a:font script="Laoo" typeface="DokChampa"/>
+        <a:font script="Sinh" typeface="Iskoola Pota"/>
+        <a:font script="Mong" typeface="Mongolian Baiti"/>
+        <a:font script="Viet" typeface="Arial"/>
+        <a:font script="Uigh" typeface="Microsoft Uighur"/>
+        <a:font script="Geor" typeface="Sylfaen"/>
+      </a:minorFont>
+    </a:fontScheme>
+    <a:fmtScheme name="Office">
+      <a:fillStyleLst>
+        <a:solidFill>
+          <a:schemeClr val="phClr"/>
+        </a:solidFill>
+        <a:gradFill rotWithShape="1">
+          <a:gsLst>
+            <a:gs pos="0">
+              <a:schemeClr val="phClr">
+                <a:tint val="50000"/>
+                <a:satMod val="300000"/>
+              </a:schemeClr>
+            </a:gs>
+            <a:gs pos="35000">
+              <a:schemeClr val="phClr">
+                <a:tint val="37000"/>
+                <a:satMod val="300000"/>
+              </a:schemeClr>
+            </a:gs>
+            <a:gs pos="100000">
+              <a:schemeClr val="phClr">
+                <a:tint val="15000"/>
+                <a:satMod val="350000"/>
+              </a:schemeClr>
+            </a:gs>
+          </a:gsLst>
+          <a:lin ang="16200000" scaled="1"/>
+        </a:gradFill>
+        <a:gradFill rotWithShape="1">
+          <a:gsLst>
+            <a:gs pos="0">
+              <a:schemeClr val="phClr">
+                <a:tint val="100000"/>
+                <a:shade val="100000"/>
+                <a:satMod val="130000"/>
+              </a:schemeClr>
+            </a:gs>
+            <a:gs pos="100000">
+              <a:schemeClr val="phClr">
+                <a:tint val="50000"/>
+                <a:shade val="100000"/>
+                <a:satMod val="350000"/>
+              </a:schemeClr>
+            </a:gs>
+          </a:gsLst>
+          <a:lin ang="16200000" scaled="0"/>
+        </a:gradFill>
+      </a:fillStyleLst>
+      <a:lnStyleLst>
+        <a:ln w="9525" cap="flat" cmpd="sng" algn="ctr">
+          <a:solidFill>
+            <a:schemeClr val="phClr">
+              <a:shade val="95000"/>
+              <a:satMod val="105000"/>
+            </a:schemeClr>
+          </a:solidFill>
+          <a:prstDash val="solid"/>
+        </a:ln>
+        <a:ln w="25400" cap="flat" cmpd="sng" algn="ctr">
+          <a:solidFill>
+            <a:schemeClr val="phClr"/>
+          </a:solidFill>
+          <a:prstDash val="solid"/>
+        </a:ln>
+        <a:ln w="38100" cap="flat" cmpd="sng" algn="ctr">
+          <a:solidFill>
+            <a:schemeClr val="phClr"/>
+          </a:solidFill>
+          <a:prstDash val="solid"/>
+        </a:ln>
+      </a:lnStyleLst>
+      <a:effectStyleLst>
+        <a:effectStyle>
+          <a:effectLst>
+            <a:outerShdw blurRad="40000" dist="20000" dir="5400000" rotWithShape="0">
+              <a:srgbClr val="000000">
+                <a:alpha val="38000"/>
+              </a:srgbClr>
+            </a:outerShdw>
+          </a:effectLst>
+        </a:effectStyle>
+        <a:effectStyle>
+          <a:effectLst>
+            <a:outerShdw blurRad="40000" dist="23000" dir="5400000" rotWithShape="0">
+              <a:srgbClr val="000000">
+                <a:alpha val="35000"/>
+              </a:srgbClr>
+            </a:outerShdw>
+          </a:effectLst>
+        </a:effectStyle>
+        <a:effectStyle>
+          <a:effectLst>
+            <a:outerShdw blurRad="40000" dist="23000" dir="5400000" rotWithShape="0">
+              <a:srgbClr val="000000">
+                <a:alpha val="35000"/>
+              </a:srgbClr>
+            </a:outerShdw>
+          </a:effectLst>
+          <a:scene3d>
+            <a:camera prst="orthographicFront">
+              <a:rot lat="0" lon="0" rev="0"/>
+            </a:camera>
+            <a:lightRig rig="threePt" dir="t">
+              <a:rot lat="0" lon="0" rev="1200000"/>
+            </a:lightRig>
+          </a:scene3d>
+          <a:sp3d>
+            <a:bevelT w="63500" h="25400"/>
+          </a:sp3d>
+        </a:effectStyle>
+      </a:effectStyleLst>
+      <a:bgFillStyleLst>
+        <a:solidFill>
+          <a:schemeClr val="phClr"/>
+        </a:solidFill>
+        <a:gradFill rotWithShape="1">
+          <a:gsLst>
+            <a:gs pos="0">
+              <a:schemeClr val="phClr">
+                <a:tint val="40000"/>
+                <a:satMod val="350000"/>
+              </a:schemeClr>
+            </a:gs>
+            <a:gs pos="40000">
+              <a:schemeClr val="phClr">
+                <a:tint val="45000"/>
+                <a:shade val="99000"/>
+                <a:satMod val="350000"/>
+              </a:schemeClr>
+            </a:gs>
+            <a:gs pos="100000">
+              <a:schemeClr val="phClr">
+                <a:shade val="20000"/>
+                <a:satMod val="255000"/>
+              </a:schemeClr>
+            </a:gs>
+          </a:gsLst>
+          <a:path path="circle">
+            <a:fillToRect l="50000" t="-80000" r="50000" b="180000"/>
+          </a:path>
+        </a:gradFill>
+        <a:gradFill rotWithShape="1">
+          <a:gsLst>
+            <a:gs pos="0">
+              <a:schemeClr val="phClr">
+                <a:tint val="80000"/>
+                <a:satMod val="300000"/>
+              </a:schemeClr>
+            </a:gs>
+            <a:gs pos="100000">
+              <a:schemeClr val="phClr">
+                <a:shade val="30000"/>
+                <a:satMod val="200000"/>
+              </a:schemeClr>
+            </a:gs>
+          </a:gsLst>
+          <a:path path="circle">
+            <a:fillToRect l="50000" t="50000" r="50000" b="50000"/>
+          </a:path>
+        </a:gradFill>
+      </a:bgFillStyleLst>
+    </a:fmtScheme>
+  </a:themeElements>
+</a:theme>
+</file>
+
+<file path=ppt/theme/theme2.xml><?xml version="1.0" encoding="utf-8"?>
 <a:theme xmlns:a="http://schemas.openxmlformats.org/drawingml/2006/main" xmlns:r="http://schemas.openxmlformats.org/officeDocument/2006/relationships" name="Office Theme">
   <a:themeElements>
     <a:clrScheme name="Hugo Boss">
@@ -4851,283 +5125,4 @@
     </a:fmtScheme>
   </a:themeElements>
 </a:theme>
-</file>
-
-<file path=ppt/theme/theme2.xml><?xml version="1.0" encoding="utf-8"?>
-<a:theme xmlns:a="http://schemas.openxmlformats.org/drawingml/2006/main" xmlns:r="http://schemas.openxmlformats.org/officeDocument/2006/relationships" name="Template">
-  <a:themeElements>
-    <a:clrScheme name="Hugo Boss">
-      <a:dk1>
-        <a:srgbClr val="000000"/>
-      </a:dk1>
-      <a:lt1>
-        <a:srgbClr val="FFFFFF"/>
-      </a:lt1>
-      <a:dk2>
-        <a:srgbClr val="4B4B4B"/>
-      </a:dk2>
-      <a:lt2>
-        <a:srgbClr val="B9B9B9"/>
-      </a:lt2>
-      <a:accent1>
-        <a:srgbClr val="000000"/>
-      </a:accent1>
-      <a:accent2>
-        <a:srgbClr val="987147"/>
-      </a:accent2>
-      <a:accent3>
-        <a:srgbClr val="EDEDED"/>
-      </a:accent3>
-      <a:accent4>
-        <a:srgbClr val="4A4A4A"/>
-      </a:accent4>
-      <a:accent5>
-        <a:srgbClr val="929292"/>
-      </a:accent5>
-      <a:accent6>
-        <a:srgbClr val="D0D0D0"/>
-      </a:accent6>
-      <a:hlink>
-        <a:srgbClr val="000000"/>
-      </a:hlink>
-      <a:folHlink>
-        <a:srgbClr val="000000"/>
-      </a:folHlink>
-    </a:clrScheme>
-    <a:fontScheme name="Office">
-      <a:majorFont>
-        <a:latin typeface="Arial"/>
-        <a:ea typeface=""/>
-        <a:cs typeface=""/>
-        <a:font script="Jpan" typeface="ＭＳ Ｐゴシック"/>
-        <a:font script="Hang" typeface="맑은 고딕"/>
-        <a:font script="Hans" typeface="宋体"/>
-        <a:font script="Hant" typeface="新細明體"/>
-        <a:font script="Arab" typeface="Times New Roman"/>
-        <a:font script="Hebr" typeface="Times New Roman"/>
-        <a:font script="Thai" typeface="Angsana New"/>
-        <a:font script="Ethi" typeface="Nyala"/>
-        <a:font script="Beng" typeface="Vrinda"/>
-        <a:font script="Gujr" typeface="Shruti"/>
-        <a:font script="Khmr" typeface="MoolBoran"/>
-        <a:font script="Knda" typeface="Tunga"/>
-        <a:font script="Guru" typeface="Raavi"/>
-        <a:font script="Cans" typeface="Euphemia"/>
-        <a:font script="Cher" typeface="Plantagenet Cherokee"/>
-        <a:font script="Yiii" typeface="Microsoft Yi Baiti"/>
-        <a:font script="Tibt" typeface="Microsoft Himalaya"/>
-        <a:font script="Thaa" typeface="MV Boli"/>
-        <a:font script="Deva" typeface="Mangal"/>
-        <a:font script="Telu" typeface="Gautami"/>
-        <a:font script="Taml" typeface="Latha"/>
-        <a:font script="Syrc" typeface="Estrangelo Edessa"/>
-        <a:font script="Orya" typeface="Kalinga"/>
-        <a:font script="Mlym" typeface="Kartika"/>
-        <a:font script="Laoo" typeface="DokChampa"/>
-        <a:font script="Sinh" typeface="Iskoola Pota"/>
-        <a:font script="Mong" typeface="Mongolian Baiti"/>
-        <a:font script="Viet" typeface="Times New Roman"/>
-        <a:font script="Uigh" typeface="Microsoft Uighur"/>
-        <a:font script="Geor" typeface="Sylfaen"/>
-      </a:majorFont>
-      <a:minorFont>
-        <a:latin typeface="Arial"/>
-        <a:ea typeface=""/>
-        <a:cs typeface=""/>
-        <a:font script="Jpan" typeface="ＭＳ Ｐゴシック"/>
-        <a:font script="Hang" typeface="맑은 고딕"/>
-        <a:font script="Hans" typeface="宋体"/>
-        <a:font script="Hant" typeface="新細明體"/>
-        <a:font script="Arab" typeface="Arial"/>
-        <a:font script="Hebr" typeface="Arial"/>
-        <a:font script="Thai" typeface="Cordia New"/>
-        <a:font script="Ethi" typeface="Nyala"/>
-        <a:font script="Beng" typeface="Vrinda"/>
-        <a:font script="Gujr" typeface="Shruti"/>
-        <a:font script="Khmr" typeface="DaunPenh"/>
-        <a:font script="Knda" typeface="Tunga"/>
-        <a:font script="Guru" typeface="Raavi"/>
-        <a:font script="Cans" typeface="Euphemia"/>
-        <a:font script="Cher" typeface="Plantagenet Cherokee"/>
-        <a:font script="Yiii" typeface="Microsoft Yi Baiti"/>
-        <a:font script="Tibt" typeface="Microsoft Himalaya"/>
-        <a:font script="Thaa" typeface="MV Boli"/>
-        <a:font script="Deva" typeface="Mangal"/>
-        <a:font script="Telu" typeface="Gautami"/>
-        <a:font script="Taml" typeface="Latha"/>
-        <a:font script="Syrc" typeface="Estrangelo Edessa"/>
-        <a:font script="Orya" typeface="Kalinga"/>
-        <a:font script="Mlym" typeface="Kartika"/>
-        <a:font script="Laoo" typeface="DokChampa"/>
-        <a:font script="Sinh" typeface="Iskoola Pota"/>
-        <a:font script="Mong" typeface="Mongolian Baiti"/>
-        <a:font script="Viet" typeface="Arial"/>
-        <a:font script="Uigh" typeface="Microsoft Uighur"/>
-        <a:font script="Geor" typeface="Sylfaen"/>
-      </a:minorFont>
-    </a:fontScheme>
-    <a:fmtScheme name="Office">
-      <a:fillStyleLst>
-        <a:solidFill>
-          <a:schemeClr val="phClr"/>
-        </a:solidFill>
-        <a:gradFill rotWithShape="1">
-          <a:gsLst>
-            <a:gs pos="0">
-              <a:schemeClr val="phClr">
-                <a:tint val="50000"/>
-                <a:satMod val="300000"/>
-              </a:schemeClr>
-            </a:gs>
-            <a:gs pos="35000">
-              <a:schemeClr val="phClr">
-                <a:tint val="37000"/>
-                <a:satMod val="300000"/>
-              </a:schemeClr>
-            </a:gs>
-            <a:gs pos="100000">
-              <a:schemeClr val="phClr">
-                <a:tint val="15000"/>
-                <a:satMod val="350000"/>
-              </a:schemeClr>
-            </a:gs>
-          </a:gsLst>
-          <a:lin ang="16200000" scaled="1"/>
-        </a:gradFill>
-        <a:gradFill rotWithShape="1">
-          <a:gsLst>
-            <a:gs pos="0">
-              <a:schemeClr val="phClr">
-                <a:tint val="100000"/>
-                <a:shade val="100000"/>
-                <a:satMod val="130000"/>
-              </a:schemeClr>
-            </a:gs>
-            <a:gs pos="100000">
-              <a:schemeClr val="phClr">
-                <a:tint val="50000"/>
-                <a:shade val="100000"/>
-                <a:satMod val="350000"/>
-              </a:schemeClr>
-            </a:gs>
-          </a:gsLst>
-          <a:lin ang="16200000" scaled="0"/>
-        </a:gradFill>
-      </a:fillStyleLst>
-      <a:lnStyleLst>
-        <a:ln w="9525" cap="flat" cmpd="sng" algn="ctr">
-          <a:solidFill>
-            <a:schemeClr val="phClr">
-              <a:shade val="95000"/>
-              <a:satMod val="105000"/>
-            </a:schemeClr>
-          </a:solidFill>
-          <a:prstDash val="solid"/>
-        </a:ln>
-        <a:ln w="25400" cap="flat" cmpd="sng" algn="ctr">
-          <a:solidFill>
-            <a:schemeClr val="phClr"/>
-          </a:solidFill>
-          <a:prstDash val="solid"/>
-        </a:ln>
-        <a:ln w="38100" cap="flat" cmpd="sng" algn="ctr">
-          <a:solidFill>
-            <a:schemeClr val="phClr"/>
-          </a:solidFill>
-          <a:prstDash val="solid"/>
-        </a:ln>
-      </a:lnStyleLst>
-      <a:effectStyleLst>
-        <a:effectStyle>
-          <a:effectLst>
-            <a:outerShdw blurRad="40000" dist="20000" dir="5400000" rotWithShape="0">
-              <a:srgbClr val="000000">
-                <a:alpha val="38000"/>
-              </a:srgbClr>
-            </a:outerShdw>
-          </a:effectLst>
-        </a:effectStyle>
-        <a:effectStyle>
-          <a:effectLst>
-            <a:outerShdw blurRad="40000" dist="23000" dir="5400000" rotWithShape="0">
-              <a:srgbClr val="000000">
-                <a:alpha val="35000"/>
-              </a:srgbClr>
-            </a:outerShdw>
-          </a:effectLst>
-        </a:effectStyle>
-        <a:effectStyle>
-          <a:effectLst>
-            <a:outerShdw blurRad="40000" dist="23000" dir="5400000" rotWithShape="0">
-              <a:srgbClr val="000000">
-                <a:alpha val="35000"/>
-              </a:srgbClr>
-            </a:outerShdw>
-          </a:effectLst>
-          <a:scene3d>
-            <a:camera prst="orthographicFront">
-              <a:rot lat="0" lon="0" rev="0"/>
-            </a:camera>
-            <a:lightRig rig="threePt" dir="t">
-              <a:rot lat="0" lon="0" rev="1200000"/>
-            </a:lightRig>
-          </a:scene3d>
-          <a:sp3d>
-            <a:bevelT w="63500" h="25400"/>
-          </a:sp3d>
-        </a:effectStyle>
-      </a:effectStyleLst>
-      <a:bgFillStyleLst>
-        <a:solidFill>
-          <a:schemeClr val="phClr"/>
-        </a:solidFill>
-        <a:gradFill rotWithShape="1">
-          <a:gsLst>
-            <a:gs pos="0">
-              <a:schemeClr val="phClr">
-                <a:tint val="40000"/>
-                <a:satMod val="350000"/>
-              </a:schemeClr>
-            </a:gs>
-            <a:gs pos="40000">
-              <a:schemeClr val="phClr">
-                <a:tint val="45000"/>
-                <a:shade val="99000"/>
-                <a:satMod val="350000"/>
-              </a:schemeClr>
-            </a:gs>
-            <a:gs pos="100000">
-              <a:schemeClr val="phClr">
-                <a:shade val="20000"/>
-                <a:satMod val="255000"/>
-              </a:schemeClr>
-            </a:gs>
-          </a:gsLst>
-          <a:path path="circle">
-            <a:fillToRect l="50000" t="-80000" r="50000" b="180000"/>
-          </a:path>
-        </a:gradFill>
-        <a:gradFill rotWithShape="1">
-          <a:gsLst>
-            <a:gs pos="0">
-              <a:schemeClr val="phClr">
-                <a:tint val="80000"/>
-                <a:satMod val="300000"/>
-              </a:schemeClr>
-            </a:gs>
-            <a:gs pos="100000">
-              <a:schemeClr val="phClr">
-                <a:shade val="30000"/>
-                <a:satMod val="200000"/>
-              </a:schemeClr>
-            </a:gs>
-          </a:gsLst>
-          <a:path path="circle">
-            <a:fillToRect l="50000" t="50000" r="50000" b="50000"/>
-          </a:path>
-        </a:gradFill>
-      </a:bgFillStyleLst>
-    </a:fmtScheme>
-  </a:themeElements>
-</a:theme>
 </file>
--- a/template.pptx
+++ b/template.pptx
@@ -2165,7 +2165,7 @@
 </file>
 
 <file path=ppt/slideLayouts/slideLayout2.xml><?xml version="1.0" encoding="utf-8"?>
-<p:sldLayout xmlns:a="http://schemas.openxmlformats.org/drawingml/2006/main" xmlns:r="http://schemas.openxmlformats.org/officeDocument/2006/relationships" xmlns:mc="http://schemas.openxmlformats.org/markup-compatibility/2006" xmlns:mv="urn:schemas-microsoft-com:mac:vml" xmlns:p="http://schemas.openxmlformats.org/presentationml/2006/main" xmlns:c="http://schemas.openxmlformats.org/drawingml/2006/chart" xmlns:dgm="http://schemas.openxmlformats.org/drawingml/2006/diagram" xmlns:o="urn:schemas-microsoft-com:office:office" xmlns:v="urn:schemas-microsoft-com:vml" xmlns:pvml="urn:schemas-microsoft-com:office:powerpoint" xmlns:com="http://schemas.openxmlformats.org/drawingml/2006/compatibility" xmlns:p14="http://schemas.microsoft.com/office/powerpoint/2010/main" xmlns:p15="http://schemas.microsoft.com/office/powerpoint/2012/main" xmlns:ahyp="http://schemas.microsoft.com/office/drawing/2018/hyperlinkcolor" matchingName="default">
+<p:sldLayout xmlns:a="http://schemas.openxmlformats.org/drawingml/2006/main" xmlns:ns2="http://schemas.openxmlformats.org/officeDocument/2006/relationships" xmlns:p="http://schemas.openxmlformats.org/presentationml/2006/main" matchingName="default">
   <p:cSld name="HB Title / Content">
     <p:spTree>
       <p:nvGrpSpPr>
@@ -2733,9 +2733,9 @@
                 <a:solidFill>
                   <a:schemeClr val="accent2"/>
                 </a:solidFill>
-                <a:latin typeface="Arial"/>
-                <a:ea typeface="Arial"/>
-                <a:cs typeface="Arial"/>
+                <a:latin typeface="Averta Light"/>
+                <a:ea typeface="Averta Light"/>
+                <a:cs typeface="Averta Light"/>
                 <a:sym typeface="Arial"/>
               </a:rPr>
               <a:t>APPROVAL CONFIRM</a:t>
@@ -2744,9 +2744,9 @@
               <a:solidFill>
                 <a:schemeClr val="accent2"/>
               </a:solidFill>
-              <a:latin typeface="Arial"/>
-              <a:ea typeface="Arial"/>
-              <a:cs typeface="Arial"/>
+              <a:latin typeface="Averta Light"/>
+              <a:ea typeface="Averta Light"/>
+              <a:cs typeface="Averta Light"/>
               <a:sym typeface="Arial"/>
             </a:endParaRPr>
           </a:p>
@@ -2929,9 +2929,9 @@
                 <a:solidFill>
                   <a:schemeClr val="dk1"/>
                 </a:solidFill>
-                <a:latin typeface="Arial"/>
-                <a:ea typeface="Arial"/>
-                <a:cs typeface="Arial"/>
+                <a:latin typeface="Averta Light"/>
+                <a:ea typeface="Averta Light"/>
+                <a:cs typeface="Averta Light"/>
                 <a:sym typeface="Arial"/>
               </a:rPr>
               <a:t>LOGO</a:t>
@@ -2940,9 +2940,9 @@
               <a:solidFill>
                 <a:schemeClr val="dk1"/>
               </a:solidFill>
-              <a:latin typeface="Arial"/>
-              <a:ea typeface="Arial"/>
-              <a:cs typeface="Arial"/>
+              <a:latin typeface="Averta Light"/>
+              <a:ea typeface="Averta Light"/>
+              <a:cs typeface="Averta Light"/>
               <a:sym typeface="Arial"/>
             </a:endParaRPr>
           </a:p>
@@ -2995,9 +2995,9 @@
                 <a:solidFill>
                   <a:schemeClr val="dk1"/>
                 </a:solidFill>
-                <a:latin typeface="Arial"/>
-                <a:ea typeface="Arial"/>
-                <a:cs typeface="Arial"/>
+                <a:latin typeface="Averta Light"/>
+                <a:ea typeface="Averta Light"/>
+                <a:cs typeface="Averta Light"/>
                 <a:sym typeface="Arial"/>
               </a:rPr>
               <a:t>ARTWORK</a:t>
@@ -3006,9 +3006,9 @@
               <a:solidFill>
                 <a:schemeClr val="dk1"/>
               </a:solidFill>
-              <a:latin typeface="Arial"/>
-              <a:ea typeface="Arial"/>
-              <a:cs typeface="Arial"/>
+              <a:latin typeface="Averta Light"/>
+              <a:ea typeface="Averta Light"/>
+              <a:cs typeface="Averta Light"/>
               <a:sym typeface="Arial"/>
             </a:endParaRPr>
           </a:p>
@@ -3061,9 +3061,9 @@
                 <a:solidFill>
                   <a:schemeClr val="dk1"/>
                 </a:solidFill>
-                <a:latin typeface="Arial"/>
-                <a:ea typeface="Arial"/>
-                <a:cs typeface="Arial"/>
+                <a:latin typeface="Averta Light"/>
+                <a:ea typeface="Averta Light"/>
+                <a:cs typeface="Averta Light"/>
                 <a:sym typeface="Arial"/>
               </a:rPr>
               <a:t> RRP : Undecided</a:t>
@@ -3072,9 +3072,9 @@
               <a:solidFill>
                 <a:schemeClr val="dk1"/>
               </a:solidFill>
-              <a:latin typeface="Arial"/>
-              <a:ea typeface="Arial"/>
-              <a:cs typeface="Arial"/>
+              <a:latin typeface="Averta Light"/>
+              <a:ea typeface="Averta Light"/>
+              <a:cs typeface="Averta Light"/>
               <a:sym typeface="Arial"/>
             </a:endParaRPr>
           </a:p>
@@ -3127,9 +3127,9 @@
                 <a:solidFill>
                   <a:schemeClr val="dk1"/>
                 </a:solidFill>
-                <a:latin typeface="Arial"/>
-                <a:ea typeface="Arial"/>
-                <a:cs typeface="Arial"/>
+                <a:latin typeface="Averta Light"/>
+                <a:ea typeface="Averta Light"/>
+                <a:cs typeface="Averta Light"/>
                 <a:sym typeface="Arial"/>
               </a:rPr>
               <a:t>Colorway </a:t>
@@ -3138,9 +3138,9 @@
               <a:solidFill>
                 <a:schemeClr val="dk1"/>
               </a:solidFill>
-              <a:latin typeface="Arial"/>
-              <a:ea typeface="Arial"/>
-              <a:cs typeface="Arial"/>
+              <a:latin typeface="Averta Light"/>
+              <a:ea typeface="Averta Light"/>
+              <a:cs typeface="Averta Light"/>
               <a:sym typeface="Arial"/>
             </a:endParaRPr>
           </a:p>
@@ -3219,7 +3219,7 @@
           <p:nvPr/>
         </p:nvPicPr>
         <p:blipFill rotWithShape="1">
-          <a:blip r:embed="rId2">
+          <a:blip ns2:embed="rId2">
             <a:alphaModFix/>
           </a:blip>
           <a:srcRect b="0" l="0" r="0" t="0"/>

--- a/template.pptx
+++ b/template.pptx
@@ -257,7 +257,7 @@
       </p15:sldGuideLst>
     </p:ext>
     <p:ext uri="GoogleSlidesCustomDataVersion2">
-      <go:slidesCustomData xmlns:go="http://customooxmlschemas.google.com/" r:id="rId7" roundtripDataSignature="AMtx7mjtTdh6vjQ7n6MHHoIMC+8wow7CeA=="/>
+      <go:slidesCustomData xmlns:go="http://customooxmlschemas.google.com/" r:id="rId7" roundtripDataSignature="AMtx7mhU/HVW5fjJqJbCpZyc+VwbESIL5g=="/>
     </p:ext>
   </p:extLst>
 </p:presentation>
@@ -1696,7 +1696,7 @@
   <p:cSld>
     <p:spTree>
       <p:nvGrpSpPr>
-        <p:cNvPr id="35" name="Shape 35"/>
+        <p:cNvPr id="27" name="Shape 27"/>
         <p:cNvGrpSpPr/>
         <p:nvPr/>
       </p:nvGrpSpPr>
@@ -1710,7 +1710,7 @@
       </p:grpSpPr>
       <p:sp>
         <p:nvSpPr>
-          <p:cNvPr id="36" name="Google Shape;36;p1:notes"/>
+          <p:cNvPr id="28" name="Google Shape;28;p1:notes"/>
           <p:cNvSpPr txBox="1"/>
           <p:nvPr>
             <p:ph idx="1" type="body"/>
@@ -1757,7 +1757,7 @@
       </p:sp>
       <p:sp>
         <p:nvSpPr>
-          <p:cNvPr id="37" name="Google Shape;37;p1:notes"/>
+          <p:cNvPr id="29" name="Google Shape;29;p1:notes"/>
           <p:cNvSpPr/>
           <p:nvPr>
             <p:ph idx="2" type="sldImg"/>
@@ -2108,54 +2108,6 @@
           </a:p>
         </p:txBody>
       </p:sp>
-      <p:sp>
-        <p:nvSpPr>
-          <p:cNvPr id="15" name="Google Shape;15;p3"/>
-          <p:cNvSpPr/>
-          <p:nvPr/>
-        </p:nvSpPr>
-        <p:spPr>
-          <a:xfrm>
-            <a:off x="143508" y="1448780"/>
-            <a:ext cx="8856900" cy="3960300"/>
-          </a:xfrm>
-          <a:prstGeom prst="rect">
-            <a:avLst/>
-          </a:prstGeom>
-          <a:solidFill>
-            <a:srgbClr val="FFFFFF"/>
-          </a:solidFill>
-          <a:ln>
-            <a:noFill/>
-          </a:ln>
-        </p:spPr>
-        <p:txBody>
-          <a:bodyPr anchorCtr="0" anchor="ctr" bIns="45700" lIns="91425" spcFirstLastPara="1" rIns="91425" wrap="square" tIns="45700">
-            <a:noAutofit/>
-          </a:bodyPr>
-          <a:lstStyle/>
-          <a:p>
-            <a:pPr indent="0" lvl="0" marL="0" marR="0" rtl="0" algn="ctr">
-              <a:spcBef>
-                <a:spcPts val="0"/>
-              </a:spcBef>
-              <a:spcAft>
-                <a:spcPts val="0"/>
-              </a:spcAft>
-              <a:buNone/>
-            </a:pPr>
-            <a:r>
-              <a:rPr lang="en-US" sz="5400">
-                <a:solidFill>
-                  <a:srgbClr val="987147"/>
-                </a:solidFill>
-              </a:rPr>
-              <a:t>{docname}</a:t>
-            </a:r>
-            <a:endParaRPr/>
-          </a:p>
-        </p:txBody>
-      </p:sp>
     </p:spTree>
   </p:cSld>
   <p:clrMapOvr>
@@ -2165,11 +2117,11 @@
 </file>
 
 <file path=ppt/slideLayouts/slideLayout2.xml><?xml version="1.0" encoding="utf-8"?>
-<p:sldLayout xmlns:a="http://schemas.openxmlformats.org/drawingml/2006/main" xmlns:ns2="http://schemas.openxmlformats.org/officeDocument/2006/relationships" xmlns:p="http://schemas.openxmlformats.org/presentationml/2006/main" matchingName="default">
+<p:sldLayout xmlns:a="http://schemas.openxmlformats.org/drawingml/2006/main" xmlns:r="http://schemas.openxmlformats.org/officeDocument/2006/relationships" xmlns:mc="http://schemas.openxmlformats.org/markup-compatibility/2006" xmlns:mv="urn:schemas-microsoft-com:mac:vml" xmlns:p="http://schemas.openxmlformats.org/presentationml/2006/main" xmlns:c="http://schemas.openxmlformats.org/drawingml/2006/chart" xmlns:dgm="http://schemas.openxmlformats.org/drawingml/2006/diagram" xmlns:o="urn:schemas-microsoft-com:office:office" xmlns:v="urn:schemas-microsoft-com:vml" xmlns:pvml="urn:schemas-microsoft-com:office:powerpoint" xmlns:com="http://schemas.openxmlformats.org/drawingml/2006/compatibility" xmlns:p14="http://schemas.microsoft.com/office/powerpoint/2010/main" xmlns:p15="http://schemas.microsoft.com/office/powerpoint/2012/main" xmlns:ahyp="http://schemas.microsoft.com/office/drawing/2018/hyperlinkcolor" matchingName="default">
   <p:cSld name="HB Title / Content">
     <p:spTree>
       <p:nvGrpSpPr>
-        <p:cNvPr id="16" name="Shape 16"/>
+        <p:cNvPr id="15" name="Shape 15"/>
         <p:cNvGrpSpPr/>
         <p:nvPr/>
       </p:nvGrpSpPr>
@@ -2183,166 +2135,7 @@
       </p:grpSpPr>
       <p:sp>
         <p:nvSpPr>
-          <p:cNvPr id="17" name="Google Shape;17;p4"/>
-          <p:cNvSpPr txBox="1"/>
-          <p:nvPr/>
-        </p:nvSpPr>
-        <p:spPr>
-          <a:xfrm>
-            <a:off x="249924" y="1100971"/>
-            <a:ext cx="4213800" cy="498600"/>
-          </a:xfrm>
-          <a:prstGeom prst="rect">
-            <a:avLst/>
-          </a:prstGeom>
-          <a:noFill/>
-          <a:ln>
-            <a:noFill/>
-          </a:ln>
-        </p:spPr>
-        <p:txBody>
-          <a:bodyPr anchorCtr="0" anchor="t" bIns="91425" lIns="91425" spcFirstLastPara="1" rIns="91425" wrap="square" tIns="91425">
-            <a:spAutoFit/>
-          </a:bodyPr>
-          <a:lstStyle/>
-          <a:p>
-            <a:pPr indent="0" lvl="0" marL="0" rtl="0" algn="l">
-              <a:lnSpc>
-                <a:spcPct val="85000"/>
-              </a:lnSpc>
-              <a:spcBef>
-                <a:spcPts val="0"/>
-              </a:spcBef>
-              <a:spcAft>
-                <a:spcPts val="0"/>
-              </a:spcAft>
-              <a:buNone/>
-            </a:pPr>
-            <a:r>
-              <a:rPr lang="en-US" sz="2400">
-                <a:solidFill>
-                  <a:schemeClr val="dk1"/>
-                </a:solidFill>
-              </a:rPr>
-              <a:t>{code}</a:t>
-            </a:r>
-            <a:endParaRPr sz="2400">
-              <a:solidFill>
-                <a:schemeClr val="accent2"/>
-              </a:solidFill>
-            </a:endParaRPr>
-          </a:p>
-        </p:txBody>
-      </p:sp>
-      <p:sp>
-        <p:nvSpPr>
-          <p:cNvPr id="18" name="Google Shape;18;p4"/>
-          <p:cNvSpPr txBox="1"/>
-          <p:nvPr/>
-        </p:nvSpPr>
-        <p:spPr>
-          <a:xfrm>
-            <a:off x="249924" y="788950"/>
-            <a:ext cx="4213800" cy="498600"/>
-          </a:xfrm>
-          <a:prstGeom prst="rect">
-            <a:avLst/>
-          </a:prstGeom>
-          <a:noFill/>
-          <a:ln>
-            <a:noFill/>
-          </a:ln>
-        </p:spPr>
-        <p:txBody>
-          <a:bodyPr anchorCtr="0" anchor="t" bIns="91425" lIns="91425" spcFirstLastPara="1" rIns="91425" wrap="square" tIns="91425">
-            <a:spAutoFit/>
-          </a:bodyPr>
-          <a:lstStyle/>
-          <a:p>
-            <a:pPr indent="0" lvl="0" marL="0" rtl="0" algn="l">
-              <a:lnSpc>
-                <a:spcPct val="85000"/>
-              </a:lnSpc>
-              <a:spcBef>
-                <a:spcPts val="0"/>
-              </a:spcBef>
-              <a:spcAft>
-                <a:spcPts val="0"/>
-              </a:spcAft>
-              <a:buNone/>
-            </a:pPr>
-            <a:r>
-              <a:rPr lang="en-US" sz="2400">
-                <a:solidFill>
-                  <a:schemeClr val="accent2"/>
-                </a:solidFill>
-              </a:rPr>
-              <a:t>{category}</a:t>
-            </a:r>
-            <a:endParaRPr sz="1200">
-              <a:solidFill>
-                <a:srgbClr val="00B0F0"/>
-              </a:solidFill>
-            </a:endParaRPr>
-          </a:p>
-        </p:txBody>
-      </p:sp>
-      <p:sp>
-        <p:nvSpPr>
-          <p:cNvPr id="19" name="Google Shape;19;p4"/>
-          <p:cNvSpPr txBox="1"/>
-          <p:nvPr/>
-        </p:nvSpPr>
-        <p:spPr>
-          <a:xfrm>
-            <a:off x="735392" y="368515"/>
-            <a:ext cx="3000000" cy="341700"/>
-          </a:xfrm>
-          <a:prstGeom prst="rect">
-            <a:avLst/>
-          </a:prstGeom>
-          <a:noFill/>
-          <a:ln>
-            <a:noFill/>
-          </a:ln>
-        </p:spPr>
-        <p:txBody>
-          <a:bodyPr anchorCtr="0" anchor="t" bIns="91425" lIns="91425" spcFirstLastPara="1" rIns="91425" wrap="square" tIns="91425">
-            <a:spAutoFit/>
-          </a:bodyPr>
-          <a:lstStyle/>
-          <a:p>
-            <a:pPr indent="0" lvl="0" marL="0" rtl="0" algn="l">
-              <a:lnSpc>
-                <a:spcPct val="85000"/>
-              </a:lnSpc>
-              <a:spcBef>
-                <a:spcPts val="0"/>
-              </a:spcBef>
-              <a:spcAft>
-                <a:spcPts val="0"/>
-              </a:spcAft>
-              <a:buNone/>
-            </a:pPr>
-            <a:r>
-              <a:rPr lang="en-US" sz="1200">
-                <a:solidFill>
-                  <a:srgbClr val="00B0F0"/>
-                </a:solidFill>
-              </a:rPr>
-              <a:t>{season}</a:t>
-            </a:r>
-            <a:endParaRPr sz="1200">
-              <a:solidFill>
-                <a:srgbClr val="00B0F0"/>
-              </a:solidFill>
-            </a:endParaRPr>
-          </a:p>
-        </p:txBody>
-      </p:sp>
-      <p:sp>
-        <p:nvSpPr>
-          <p:cNvPr id="20" name="Google Shape;20;p4"/>
+          <p:cNvPr id="16" name="Google Shape;16;p4"/>
           <p:cNvSpPr txBox="1"/>
           <p:nvPr>
             <p:ph idx="12" type="sldNum"/>
@@ -2625,7 +2418,7 @@
       </p:sp>
       <p:sp>
         <p:nvSpPr>
-          <p:cNvPr id="21" name="Google Shape;21;p4"/>
+          <p:cNvPr id="17" name="Google Shape;17;p4"/>
           <p:cNvSpPr/>
           <p:nvPr/>
         </p:nvSpPr>
@@ -2688,7 +2481,7 @@
       </p:sp>
       <p:sp>
         <p:nvSpPr>
-          <p:cNvPr id="22" name="Google Shape;22;p4"/>
+          <p:cNvPr id="18" name="Google Shape;18;p4"/>
           <p:cNvSpPr txBox="1"/>
           <p:nvPr/>
         </p:nvSpPr>
@@ -2733,9 +2526,9 @@
                 <a:solidFill>
                   <a:schemeClr val="accent2"/>
                 </a:solidFill>
-                <a:latin typeface="Averta Light"/>
-                <a:ea typeface="Averta Light"/>
-                <a:cs typeface="Averta Light"/>
+                <a:latin typeface="Arial"/>
+                <a:ea typeface="Arial"/>
+                <a:cs typeface="Arial"/>
                 <a:sym typeface="Arial"/>
               </a:rPr>
               <a:t>APPROVAL CONFIRM</a:t>
@@ -2744,9 +2537,9 @@
               <a:solidFill>
                 <a:schemeClr val="accent2"/>
               </a:solidFill>
-              <a:latin typeface="Averta Light"/>
-              <a:ea typeface="Averta Light"/>
-              <a:cs typeface="Averta Light"/>
+              <a:latin typeface="Arial"/>
+              <a:ea typeface="Arial"/>
+              <a:cs typeface="Arial"/>
               <a:sym typeface="Arial"/>
             </a:endParaRPr>
           </a:p>
@@ -2754,7 +2547,7 @@
       </p:sp>
       <p:sp>
         <p:nvSpPr>
-          <p:cNvPr id="23" name="Google Shape;23;p4"/>
+          <p:cNvPr id="19" name="Google Shape;19;p4"/>
           <p:cNvSpPr/>
           <p:nvPr/>
         </p:nvSpPr>
@@ -2819,7 +2612,7 @@
       </p:sp>
       <p:sp>
         <p:nvSpPr>
-          <p:cNvPr id="24" name="Google Shape;24;p4"/>
+          <p:cNvPr id="20" name="Google Shape;20;p4"/>
           <p:cNvSpPr/>
           <p:nvPr/>
         </p:nvSpPr>
@@ -2884,7 +2677,7 @@
       </p:sp>
       <p:sp>
         <p:nvSpPr>
-          <p:cNvPr id="25" name="Google Shape;25;p4"/>
+          <p:cNvPr id="21" name="Google Shape;21;p4"/>
           <p:cNvSpPr txBox="1"/>
           <p:nvPr/>
         </p:nvSpPr>
@@ -2929,9 +2722,9 @@
                 <a:solidFill>
                   <a:schemeClr val="dk1"/>
                 </a:solidFill>
-                <a:latin typeface="Averta Light"/>
-                <a:ea typeface="Averta Light"/>
-                <a:cs typeface="Averta Light"/>
+                <a:latin typeface="Arial"/>
+                <a:ea typeface="Arial"/>
+                <a:cs typeface="Arial"/>
                 <a:sym typeface="Arial"/>
               </a:rPr>
               <a:t>LOGO</a:t>
@@ -2940,9 +2733,9 @@
               <a:solidFill>
                 <a:schemeClr val="dk1"/>
               </a:solidFill>
-              <a:latin typeface="Averta Light"/>
-              <a:ea typeface="Averta Light"/>
-              <a:cs typeface="Averta Light"/>
+              <a:latin typeface="Arial"/>
+              <a:ea typeface="Arial"/>
+              <a:cs typeface="Arial"/>
               <a:sym typeface="Arial"/>
             </a:endParaRPr>
           </a:p>
@@ -2950,7 +2743,7 @@
       </p:sp>
       <p:sp>
         <p:nvSpPr>
-          <p:cNvPr id="26" name="Google Shape;26;p4"/>
+          <p:cNvPr id="22" name="Google Shape;22;p4"/>
           <p:cNvSpPr txBox="1"/>
           <p:nvPr/>
         </p:nvSpPr>
@@ -2995,9 +2788,9 @@
                 <a:solidFill>
                   <a:schemeClr val="dk1"/>
                 </a:solidFill>
-                <a:latin typeface="Averta Light"/>
-                <a:ea typeface="Averta Light"/>
-                <a:cs typeface="Averta Light"/>
+                <a:latin typeface="Arial"/>
+                <a:ea typeface="Arial"/>
+                <a:cs typeface="Arial"/>
                 <a:sym typeface="Arial"/>
               </a:rPr>
               <a:t>ARTWORK</a:t>
@@ -3006,9 +2799,9 @@
               <a:solidFill>
                 <a:schemeClr val="dk1"/>
               </a:solidFill>
-              <a:latin typeface="Averta Light"/>
-              <a:ea typeface="Averta Light"/>
-              <a:cs typeface="Averta Light"/>
+              <a:latin typeface="Arial"/>
+              <a:ea typeface="Arial"/>
+              <a:cs typeface="Arial"/>
               <a:sym typeface="Arial"/>
             </a:endParaRPr>
           </a:p>
@@ -3016,7 +2809,7 @@
       </p:sp>
       <p:sp>
         <p:nvSpPr>
-          <p:cNvPr id="27" name="Google Shape;27;p4"/>
+          <p:cNvPr id="23" name="Google Shape;23;p4"/>
           <p:cNvSpPr txBox="1"/>
           <p:nvPr/>
         </p:nvSpPr>
@@ -3061,9 +2854,9 @@
                 <a:solidFill>
                   <a:schemeClr val="dk1"/>
                 </a:solidFill>
-                <a:latin typeface="Averta Light"/>
-                <a:ea typeface="Averta Light"/>
-                <a:cs typeface="Averta Light"/>
+                <a:latin typeface="Arial"/>
+                <a:ea typeface="Arial"/>
+                <a:cs typeface="Arial"/>
                 <a:sym typeface="Arial"/>
               </a:rPr>
               <a:t> RRP : Undecided</a:t>
@@ -3072,9 +2865,9 @@
               <a:solidFill>
                 <a:schemeClr val="dk1"/>
               </a:solidFill>
-              <a:latin typeface="Averta Light"/>
-              <a:ea typeface="Averta Light"/>
-              <a:cs typeface="Averta Light"/>
+              <a:latin typeface="Arial"/>
+              <a:ea typeface="Arial"/>
+              <a:cs typeface="Arial"/>
               <a:sym typeface="Arial"/>
             </a:endParaRPr>
           </a:p>
@@ -3082,7 +2875,7 @@
       </p:sp>
       <p:sp>
         <p:nvSpPr>
-          <p:cNvPr id="28" name="Google Shape;28;p4"/>
+          <p:cNvPr id="24" name="Google Shape;24;p4"/>
           <p:cNvSpPr txBox="1"/>
           <p:nvPr/>
         </p:nvSpPr>
@@ -3127,9 +2920,9 @@
                 <a:solidFill>
                   <a:schemeClr val="dk1"/>
                 </a:solidFill>
-                <a:latin typeface="Averta Light"/>
-                <a:ea typeface="Averta Light"/>
-                <a:cs typeface="Averta Light"/>
+                <a:latin typeface="Arial"/>
+                <a:ea typeface="Arial"/>
+                <a:cs typeface="Arial"/>
                 <a:sym typeface="Arial"/>
               </a:rPr>
               <a:t>Colorway </a:t>
@@ -3138,9 +2931,9 @@
               <a:solidFill>
                 <a:schemeClr val="dk1"/>
               </a:solidFill>
-              <a:latin typeface="Averta Light"/>
-              <a:ea typeface="Averta Light"/>
-              <a:cs typeface="Averta Light"/>
+              <a:latin typeface="Arial"/>
+              <a:ea typeface="Arial"/>
+              <a:cs typeface="Arial"/>
               <a:sym typeface="Arial"/>
             </a:endParaRPr>
           </a:p>
@@ -3148,7 +2941,7 @@
       </p:sp>
       <p:sp>
         <p:nvSpPr>
-          <p:cNvPr id="29" name="Google Shape;29;p4"/>
+          <p:cNvPr id="25" name="Google Shape;25;p4"/>
           <p:cNvSpPr txBox="1"/>
           <p:nvPr/>
         </p:nvSpPr>
@@ -3214,12 +3007,12 @@
       </p:sp>
       <p:pic>
         <p:nvPicPr>
-          <p:cNvPr id="30" name="Google Shape;30;p4"/>
+          <p:cNvPr id="26" name="Google Shape;26;p4"/>
           <p:cNvPicPr preferRelativeResize="0"/>
           <p:nvPr/>
         </p:nvPicPr>
         <p:blipFill rotWithShape="1">
-          <a:blip ns2:embed="rId2">
+          <a:blip r:embed="rId2">
             <a:alphaModFix/>
           </a:blip>
           <a:srcRect b="0" l="0" r="0" t="0"/>
@@ -3239,94 +3032,6 @@
           </a:ln>
         </p:spPr>
       </p:pic>
-      <p:sp>
-        <p:nvSpPr>
-          <p:cNvPr id="31" name="Google Shape;31;p4"/>
-          <p:cNvSpPr/>
-          <p:nvPr>
-            <p:ph idx="2" type="pic"/>
-          </p:nvPr>
-        </p:nvSpPr>
-        <p:spPr>
-          <a:xfrm>
-            <a:off x="4827475" y="1515850"/>
-            <a:ext cx="1029600" cy="846300"/>
-          </a:xfrm>
-          <a:prstGeom prst="rect">
-            <a:avLst/>
-          </a:prstGeom>
-          <a:noFill/>
-          <a:ln>
-            <a:noFill/>
-          </a:ln>
-        </p:spPr>
-      </p:sp>
-      <p:sp>
-        <p:nvSpPr>
-          <p:cNvPr id="32" name="Google Shape;32;p4"/>
-          <p:cNvSpPr/>
-          <p:nvPr>
-            <p:ph idx="3" type="pic"/>
-          </p:nvPr>
-        </p:nvSpPr>
-        <p:spPr>
-          <a:xfrm>
-            <a:off x="4827475" y="2778300"/>
-            <a:ext cx="1029600" cy="668700"/>
-          </a:xfrm>
-          <a:prstGeom prst="rect">
-            <a:avLst/>
-          </a:prstGeom>
-          <a:noFill/>
-          <a:ln>
-            <a:noFill/>
-          </a:ln>
-        </p:spPr>
-      </p:sp>
-      <p:sp>
-        <p:nvSpPr>
-          <p:cNvPr id="33" name="Google Shape;33;p4"/>
-          <p:cNvSpPr/>
-          <p:nvPr>
-            <p:ph idx="4" type="pic"/>
-          </p:nvPr>
-        </p:nvSpPr>
-        <p:spPr>
-          <a:xfrm>
-            <a:off x="4827475" y="3590050"/>
-            <a:ext cx="1029600" cy="668700"/>
-          </a:xfrm>
-          <a:prstGeom prst="rect">
-            <a:avLst/>
-          </a:prstGeom>
-          <a:noFill/>
-          <a:ln>
-            <a:noFill/>
-          </a:ln>
-        </p:spPr>
-      </p:sp>
-      <p:sp>
-        <p:nvSpPr>
-          <p:cNvPr id="34" name="Google Shape;34;p4"/>
-          <p:cNvSpPr/>
-          <p:nvPr>
-            <p:ph idx="5" type="pic"/>
-          </p:nvPr>
-        </p:nvSpPr>
-        <p:spPr>
-          <a:xfrm>
-            <a:off x="4827475" y="4401800"/>
-            <a:ext cx="1029600" cy="668700"/>
-          </a:xfrm>
-          <a:prstGeom prst="rect">
-            <a:avLst/>
-          </a:prstGeom>
-          <a:noFill/>
-          <a:ln>
-            <a:noFill/>
-          </a:ln>
-        </p:spPr>
-      </p:sp>
     </p:spTree>
   </p:cSld>
   <p:clrMapOvr>
@@ -4496,7 +4201,7 @@
   <p:cSld>
     <p:spTree>
       <p:nvGrpSpPr>
-        <p:cNvPr id="38" name="Shape 38"/>
+        <p:cNvPr id="30" name="Shape 30"/>
         <p:cNvGrpSpPr/>
         <p:nvPr/>
       </p:nvGrpSpPr>
@@ -4510,7 +4215,7 @@
       </p:grpSpPr>
       <p:sp>
         <p:nvSpPr>
-          <p:cNvPr id="39" name="Google Shape;39;p1"/>
+          <p:cNvPr id="31" name="Google Shape;31;p1"/>
           <p:cNvSpPr txBox="1"/>
           <p:nvPr>
             <p:ph idx="12" type="sldNum"/>
@@ -4536,6 +4241,9 @@
           <a:lstStyle/>
           <a:p>
             <a:pPr indent="0" lvl="0" marL="0" rtl="0" algn="l">
+              <a:lnSpc>
+                <a:spcPct val="100000"/>
+              </a:lnSpc>
               <a:spcBef>
                 <a:spcPts val="0"/>
               </a:spcBef>
@@ -4570,6 +4278,285 @@
 </file>
 
 <file path=ppt/theme/theme1.xml><?xml version="1.0" encoding="utf-8"?>
+<a:theme xmlns:a="http://schemas.openxmlformats.org/drawingml/2006/main" xmlns:r="http://schemas.openxmlformats.org/officeDocument/2006/relationships" name="Office Theme">
+  <a:themeElements>
+    <a:clrScheme name="Hugo Boss">
+      <a:dk1>
+        <a:srgbClr val="000000"/>
+      </a:dk1>
+      <a:lt1>
+        <a:srgbClr val="FFFFFF"/>
+      </a:lt1>
+      <a:dk2>
+        <a:srgbClr val="4B4B4B"/>
+      </a:dk2>
+      <a:lt2>
+        <a:srgbClr val="B9B9B9"/>
+      </a:lt2>
+      <a:accent1>
+        <a:srgbClr val="B61F29"/>
+      </a:accent1>
+      <a:accent2>
+        <a:srgbClr val="987107"/>
+      </a:accent2>
+      <a:accent3>
+        <a:srgbClr val="EDEDED"/>
+      </a:accent3>
+      <a:accent4>
+        <a:srgbClr val="D0D0D0"/>
+      </a:accent4>
+      <a:accent5>
+        <a:srgbClr val="929292"/>
+      </a:accent5>
+      <a:accent6>
+        <a:srgbClr val="4A4A4A"/>
+      </a:accent6>
+      <a:hlink>
+        <a:srgbClr val="000000"/>
+      </a:hlink>
+      <a:folHlink>
+        <a:srgbClr val="000000"/>
+      </a:folHlink>
+    </a:clrScheme>
+    <a:fontScheme name="Office">
+      <a:majorFont>
+        <a:latin typeface="Arial"/>
+        <a:ea typeface=""/>
+        <a:cs typeface=""/>
+        <a:font script="Jpan" typeface="ＭＳ Ｐゴシック"/>
+        <a:font script="Hang" typeface="맑은 고딕"/>
+        <a:font script="Hans" typeface="宋体"/>
+        <a:font script="Hant" typeface="新細明體"/>
+        <a:font script="Arab" typeface="Times New Roman"/>
+        <a:font script="Hebr" typeface="Times New Roman"/>
+        <a:font script="Thai" typeface="Angsana New"/>
+        <a:font script="Ethi" typeface="Nyala"/>
+        <a:font script="Beng" typeface="Vrinda"/>
+        <a:font script="Gujr" typeface="Shruti"/>
+        <a:font script="Khmr" typeface="MoolBoran"/>
+        <a:font script="Knda" typeface="Tunga"/>
+        <a:font script="Guru" typeface="Raavi"/>
+        <a:font script="Cans" typeface="Euphemia"/>
+        <a:font script="Cher" typeface="Plantagenet Cherokee"/>
+        <a:font script="Yiii" typeface="Microsoft Yi Baiti"/>
+        <a:font script="Tibt" typeface="Microsoft Himalaya"/>
+        <a:font script="Thaa" typeface="MV Boli"/>
+        <a:font script="Deva" typeface="Mangal"/>
+        <a:font script="Telu" typeface="Gautami"/>
+        <a:font script="Taml" typeface="Latha"/>
+        <a:font script="Syrc" typeface="Estrangelo Edessa"/>
+        <a:font script="Orya" typeface="Kalinga"/>
+        <a:font script="Mlym" typeface="Kartika"/>
+        <a:font script="Laoo" typeface="DokChampa"/>
+        <a:font script="Sinh" typeface="Iskoola Pota"/>
+        <a:font script="Mong" typeface="Mongolian Baiti"/>
+        <a:font script="Viet" typeface="Times New Roman"/>
+        <a:font script="Uigh" typeface="Microsoft Uighur"/>
+        <a:font script="Geor" typeface="Sylfaen"/>
+      </a:majorFont>
+      <a:minorFont>
+        <a:latin typeface="Arial"/>
+        <a:ea typeface=""/>
+        <a:cs typeface=""/>
+        <a:font script="Jpan" typeface="ＭＳ Ｐゴシック"/>
+        <a:font script="Hang" typeface="맑은 고딕"/>
+        <a:font script="Hans" typeface="宋体"/>
+        <a:font script="Hant" typeface="新細明體"/>
+        <a:font script="Arab" typeface="Arial"/>
+        <a:font script="Hebr" typeface="Arial"/>
+        <a:font script="Thai" typeface="Cordia New"/>
+        <a:font script="Ethi" typeface="Nyala"/>
+        <a:font script="Beng" typeface="Vrinda"/>
+        <a:font script="Gujr" typeface="Shruti"/>
+        <a:font script="Khmr" typeface="DaunPenh"/>
+        <a:font script="Knda" typeface="Tunga"/>
+        <a:font script="Guru" typeface="Raavi"/>
+        <a:font script="Cans" typeface="Euphemia"/>
+        <a:font script="Cher" typeface="Plantagenet Cherokee"/>
+        <a:font script="Yiii" typeface="Microsoft Yi Baiti"/>
+        <a:font script="Tibt" typeface="Microsoft Himalaya"/>
+        <a:font script="Thaa" typeface="MV Boli"/>
+        <a:font script="Deva" typeface="Mangal"/>
+        <a:font script="Telu" typeface="Gautami"/>
+        <a:font script="Taml" typeface="Latha"/>
+        <a:font script="Syrc" typeface="Estrangelo Edessa"/>
+        <a:font script="Orya" typeface="Kalinga"/>
+        <a:font script="Mlym" typeface="Kartika"/>
+        <a:font script="Laoo" typeface="DokChampa"/>
+        <a:font script="Sinh" typeface="Iskoola Pota"/>
+        <a:font script="Mong" typeface="Mongolian Baiti"/>
+        <a:font script="Viet" typeface="Arial"/>
+        <a:font script="Uigh" typeface="Microsoft Uighur"/>
+        <a:font script="Geor" typeface="Sylfaen"/>
+      </a:minorFont>
+    </a:fontScheme>
+    <a:fmtScheme name="Office">
+      <a:fillStyleLst>
+        <a:solidFill>
+          <a:schemeClr val="phClr"/>
+        </a:solidFill>
+        <a:gradFill rotWithShape="1">
+          <a:gsLst>
+            <a:gs pos="0">
+              <a:schemeClr val="phClr">
+                <a:tint val="50000"/>
+                <a:satMod val="300000"/>
+              </a:schemeClr>
+            </a:gs>
+            <a:gs pos="35000">
+              <a:schemeClr val="phClr">
+                <a:tint val="37000"/>
+                <a:satMod val="300000"/>
+              </a:schemeClr>
+            </a:gs>
+            <a:gs pos="100000">
+              <a:schemeClr val="phClr">
+                <a:tint val="15000"/>
+                <a:satMod val="350000"/>
+              </a:schemeClr>
+            </a:gs>
+          </a:gsLst>
+          <a:lin ang="16200000" scaled="1"/>
+        </a:gradFill>
+        <a:gradFill rotWithShape="1">
+          <a:gsLst>
+            <a:gs pos="0">
+              <a:schemeClr val="phClr">
+                <a:tint val="100000"/>
+                <a:shade val="100000"/>
+                <a:satMod val="130000"/>
+              </a:schemeClr>
+            </a:gs>
+            <a:gs pos="100000">
+              <a:schemeClr val="phClr">
+                <a:tint val="50000"/>
+                <a:shade val="100000"/>
+                <a:satMod val="350000"/>
+              </a:schemeClr>
+            </a:gs>
+          </a:gsLst>
+          <a:lin ang="16200000" scaled="0"/>
+        </a:gradFill>
+      </a:fillStyleLst>
+      <a:lnStyleLst>
+        <a:ln w="9525" cap="flat" cmpd="sng" algn="ctr">
+          <a:solidFill>
+            <a:schemeClr val="phClr">
+              <a:shade val="95000"/>
+              <a:satMod val="105000"/>
+            </a:schemeClr>
+          </a:solidFill>
+          <a:prstDash val="solid"/>
+        </a:ln>
+        <a:ln w="25400" cap="flat" cmpd="sng" algn="ctr">
+          <a:solidFill>
+            <a:schemeClr val="phClr"/>
+          </a:solidFill>
+          <a:prstDash val="solid"/>
+        </a:ln>
+        <a:ln w="38100" cap="flat" cmpd="sng" algn="ctr">
+          <a:solidFill>
+            <a:schemeClr val="phClr"/>
+          </a:solidFill>
+          <a:prstDash val="solid"/>
+        </a:ln>
+      </a:lnStyleLst>
+      <a:effectStyleLst>
+        <a:effectStyle>
+          <a:effectLst>
+            <a:outerShdw blurRad="40000" dist="20000" dir="5400000" rotWithShape="0">
+              <a:srgbClr val="000000">
+                <a:alpha val="38000"/>
+              </a:srgbClr>
+            </a:outerShdw>
+          </a:effectLst>
+        </a:effectStyle>
+        <a:effectStyle>
+          <a:effectLst>
+            <a:outerShdw blurRad="40000" dist="23000" dir="5400000" rotWithShape="0">
+              <a:srgbClr val="000000">
+                <a:alpha val="35000"/>
+              </a:srgbClr>
+            </a:outerShdw>
+          </a:effectLst>
+        </a:effectStyle>
+        <a:effectStyle>
+          <a:effectLst>
+            <a:outerShdw blurRad="40000" dist="23000" dir="5400000" rotWithShape="0">
+              <a:srgbClr val="000000">
+                <a:alpha val="35000"/>
+              </a:srgbClr>
+            </a:outerShdw>
+          </a:effectLst>
+          <a:scene3d>
+            <a:camera prst="orthographicFront">
+              <a:rot lat="0" lon="0" rev="0"/>
+            </a:camera>
+            <a:lightRig rig="threePt" dir="t">
+              <a:rot lat="0" lon="0" rev="1200000"/>
+            </a:lightRig>
+          </a:scene3d>
+          <a:sp3d>
+            <a:bevelT w="63500" h="25400"/>
+          </a:sp3d>
+        </a:effectStyle>
+      </a:effectStyleLst>
+      <a:bgFillStyleLst>
+        <a:solidFill>
+          <a:schemeClr val="phClr"/>
+        </a:solidFill>
+        <a:gradFill rotWithShape="1">
+          <a:gsLst>
+            <a:gs pos="0">
+              <a:schemeClr val="phClr">
+                <a:tint val="40000"/>
+                <a:satMod val="350000"/>
+              </a:schemeClr>
+            </a:gs>
+            <a:gs pos="40000">
+              <a:schemeClr val="phClr">
+                <a:tint val="45000"/>
+                <a:shade val="99000"/>
+                <a:satMod val="350000"/>
+              </a:schemeClr>
+            </a:gs>
+            <a:gs pos="100000">
+              <a:schemeClr val="phClr">
+                <a:shade val="20000"/>
+                <a:satMod val="255000"/>
+              </a:schemeClr>
+            </a:gs>
+          </a:gsLst>
+          <a:path path="circle">
+            <a:fillToRect l="50000" t="-80000" r="50000" b="180000"/>
+          </a:path>
+        </a:gradFill>
+        <a:gradFill rotWithShape="1">
+          <a:gsLst>
+            <a:gs pos="0">
+              <a:schemeClr val="phClr">
+                <a:tint val="80000"/>
+                <a:satMod val="300000"/>
+              </a:schemeClr>
+            </a:gs>
+            <a:gs pos="100000">
+              <a:schemeClr val="phClr">
+                <a:shade val="30000"/>
+                <a:satMod val="200000"/>
+              </a:schemeClr>
+            </a:gs>
+          </a:gsLst>
+          <a:path path="circle">
+            <a:fillToRect l="50000" t="50000" r="50000" b="50000"/>
+          </a:path>
+        </a:gradFill>
+      </a:bgFillStyleLst>
+    </a:fmtScheme>
+  </a:themeElements>
+</a:theme>
+</file>
+
+<file path=ppt/theme/theme2.xml><?xml version="1.0" encoding="utf-8"?>
 <a:theme xmlns:a="http://schemas.openxmlformats.org/drawingml/2006/main" xmlns:r="http://schemas.openxmlformats.org/officeDocument/2006/relationships" name="Template">
   <a:themeElements>
     <a:clrScheme name="Hugo Boss">
@@ -4846,283 +4833,4 @@
     </a:fmtScheme>
   </a:themeElements>
 </a:theme>
-</file>
-
-<file path=ppt/theme/theme2.xml><?xml version="1.0" encoding="utf-8"?>
-<a:theme xmlns:a="http://schemas.openxmlformats.org/drawingml/2006/main" xmlns:r="http://schemas.openxmlformats.org/officeDocument/2006/relationships" name="Office Theme">
-  <a:themeElements>
-    <a:clrScheme name="Hugo Boss">
-      <a:dk1>
-        <a:srgbClr val="000000"/>
-      </a:dk1>
-      <a:lt1>
-        <a:srgbClr val="FFFFFF"/>
-      </a:lt1>
-      <a:dk2>
-        <a:srgbClr val="4B4B4B"/>
-      </a:dk2>
-      <a:lt2>
-        <a:srgbClr val="B9B9B9"/>
-      </a:lt2>
-      <a:accent1>
-        <a:srgbClr val="B61F29"/>
-      </a:accent1>
-      <a:accent2>
-        <a:srgbClr val="987107"/>
-      </a:accent2>
-      <a:accent3>
-        <a:srgbClr val="EDEDED"/>
-      </a:accent3>
-      <a:accent4>
-        <a:srgbClr val="D0D0D0"/>
-      </a:accent4>
-      <a:accent5>
-        <a:srgbClr val="929292"/>
-      </a:accent5>
-      <a:accent6>
-        <a:srgbClr val="4A4A4A"/>
-      </a:accent6>
-      <a:hlink>
-        <a:srgbClr val="000000"/>
-      </a:hlink>
-      <a:folHlink>
-        <a:srgbClr val="000000"/>
-      </a:folHlink>
-    </a:clrScheme>
-    <a:fontScheme name="Office">
-      <a:majorFont>
-        <a:latin typeface="Arial"/>
-        <a:ea typeface=""/>
-        <a:cs typeface=""/>
-        <a:font script="Jpan" typeface="ＭＳ Ｐゴシック"/>
-        <a:font script="Hang" typeface="맑은 고딕"/>
-        <a:font script="Hans" typeface="宋体"/>
-        <a:font script="Hant" typeface="新細明體"/>
-        <a:font script="Arab" typeface="Times New Roman"/>
-        <a:font script="Hebr" typeface="Times New Roman"/>
-        <a:font script="Thai" typeface="Angsana New"/>
-        <a:font script="Ethi" typeface="Nyala"/>
-        <a:font script="Beng" typeface="Vrinda"/>
-        <a:font script="Gujr" typeface="Shruti"/>
-        <a:font script="Khmr" typeface="MoolBoran"/>
-        <a:font script="Knda" typeface="Tunga"/>
-        <a:font script="Guru" typeface="Raavi"/>
-        <a:font script="Cans" typeface="Euphemia"/>
-        <a:font script="Cher" typeface="Plantagenet Cherokee"/>
-        <a:font script="Yiii" typeface="Microsoft Yi Baiti"/>
-        <a:font script="Tibt" typeface="Microsoft Himalaya"/>
-        <a:font script="Thaa" typeface="MV Boli"/>
-        <a:font script="Deva" typeface="Mangal"/>
-        <a:font script="Telu" typeface="Gautami"/>
-        <a:font script="Taml" typeface="Latha"/>
-        <a:font script="Syrc" typeface="Estrangelo Edessa"/>
-        <a:font script="Orya" typeface="Kalinga"/>
-        <a:font script="Mlym" typeface="Kartika"/>
-        <a:font script="Laoo" typeface="DokChampa"/>
-        <a:font script="Sinh" typeface="Iskoola Pota"/>
-        <a:font script="Mong" typeface="Mongolian Baiti"/>
-        <a:font script="Viet" typeface="Times New Roman"/>
-        <a:font script="Uigh" typeface="Microsoft Uighur"/>
-        <a:font script="Geor" typeface="Sylfaen"/>
-      </a:majorFont>
-      <a:minorFont>
-        <a:latin typeface="Arial"/>
-        <a:ea typeface=""/>
-        <a:cs typeface=""/>
-        <a:font script="Jpan" typeface="ＭＳ Ｐゴシック"/>
-        <a:font script="Hang" typeface="맑은 고딕"/>
-        <a:font script="Hans" typeface="宋体"/>
-        <a:font script="Hant" typeface="新細明體"/>
-        <a:font script="Arab" typeface="Arial"/>
-        <a:font script="Hebr" typeface="Arial"/>
-        <a:font script="Thai" typeface="Cordia New"/>
-        <a:font script="Ethi" typeface="Nyala"/>
-        <a:font script="Beng" typeface="Vrinda"/>
-        <a:font script="Gujr" typeface="Shruti"/>
-        <a:font script="Khmr" typeface="DaunPenh"/>
-        <a:font script="Knda" typeface="Tunga"/>
-        <a:font script="Guru" typeface="Raavi"/>
-        <a:font script="Cans" typeface="Euphemia"/>
-        <a:font script="Cher" typeface="Plantagenet Cherokee"/>
-        <a:font script="Yiii" typeface="Microsoft Yi Baiti"/>
-        <a:font script="Tibt" typeface="Microsoft Himalaya"/>
-        <a:font script="Thaa" typeface="MV Boli"/>
-        <a:font script="Deva" typeface="Mangal"/>
-        <a:font script="Telu" typeface="Gautami"/>
-        <a:font script="Taml" typeface="Latha"/>
-        <a:font script="Syrc" typeface="Estrangelo Edessa"/>
-        <a:font script="Orya" typeface="Kalinga"/>
-        <a:font script="Mlym" typeface="Kartika"/>
-        <a:font script="Laoo" typeface="DokChampa"/>
-        <a:font script="Sinh" typeface="Iskoola Pota"/>
-        <a:font script="Mong" typeface="Mongolian Baiti"/>
-        <a:font script="Viet" typeface="Arial"/>
-        <a:font script="Uigh" typeface="Microsoft Uighur"/>
-        <a:font script="Geor" typeface="Sylfaen"/>
-      </a:minorFont>
-    </a:fontScheme>
-    <a:fmtScheme name="Office">
-      <a:fillStyleLst>
-        <a:solidFill>
-          <a:schemeClr val="phClr"/>
-        </a:solidFill>
-        <a:gradFill rotWithShape="1">
-          <a:gsLst>
-            <a:gs pos="0">
-              <a:schemeClr val="phClr">
-                <a:tint val="50000"/>
-                <a:satMod val="300000"/>
-              </a:schemeClr>
-            </a:gs>
-            <a:gs pos="35000">
-              <a:schemeClr val="phClr">
-                <a:tint val="37000"/>
-                <a:satMod val="300000"/>
-              </a:schemeClr>
-            </a:gs>
-            <a:gs pos="100000">
-              <a:schemeClr val="phClr">
-                <a:tint val="15000"/>
-                <a:satMod val="350000"/>
-              </a:schemeClr>
-            </a:gs>
-          </a:gsLst>
-          <a:lin ang="16200000" scaled="1"/>
-        </a:gradFill>
-        <a:gradFill rotWithShape="1">
-          <a:gsLst>
-            <a:gs pos="0">
-              <a:schemeClr val="phClr">
-                <a:tint val="100000"/>
-                <a:shade val="100000"/>
-                <a:satMod val="130000"/>
-              </a:schemeClr>
-            </a:gs>
-            <a:gs pos="100000">
-              <a:schemeClr val="phClr">
-                <a:tint val="50000"/>
-                <a:shade val="100000"/>
-                <a:satMod val="350000"/>
-              </a:schemeClr>
-            </a:gs>
-          </a:gsLst>
-          <a:lin ang="16200000" scaled="0"/>
-        </a:gradFill>
-      </a:fillStyleLst>
-      <a:lnStyleLst>
-        <a:ln w="9525" cap="flat" cmpd="sng" algn="ctr">
-          <a:solidFill>
-            <a:schemeClr val="phClr">
-              <a:shade val="95000"/>
-              <a:satMod val="105000"/>
-            </a:schemeClr>
-          </a:solidFill>
-          <a:prstDash val="solid"/>
-        </a:ln>
-        <a:ln w="25400" cap="flat" cmpd="sng" algn="ctr">
-          <a:solidFill>
-            <a:schemeClr val="phClr"/>
-          </a:solidFill>
-          <a:prstDash val="solid"/>
-        </a:ln>
-        <a:ln w="38100" cap="flat" cmpd="sng" algn="ctr">
-          <a:solidFill>
-            <a:schemeClr val="phClr"/>
-          </a:solidFill>
-          <a:prstDash val="solid"/>
-        </a:ln>
-      </a:lnStyleLst>
-      <a:effectStyleLst>
-        <a:effectStyle>
-          <a:effectLst>
-            <a:outerShdw blurRad="40000" dist="20000" dir="5400000" rotWithShape="0">
-              <a:srgbClr val="000000">
-                <a:alpha val="38000"/>
-              </a:srgbClr>
-            </a:outerShdw>
-          </a:effectLst>
-        </a:effectStyle>
-        <a:effectStyle>
-          <a:effectLst>
-            <a:outerShdw blurRad="40000" dist="23000" dir="5400000" rotWithShape="0">
-              <a:srgbClr val="000000">
-                <a:alpha val="35000"/>
-              </a:srgbClr>
-            </a:outerShdw>
-          </a:effectLst>
-        </a:effectStyle>
-        <a:effectStyle>
-          <a:effectLst>
-            <a:outerShdw blurRad="40000" dist="23000" dir="5400000" rotWithShape="0">
-              <a:srgbClr val="000000">
-                <a:alpha val="35000"/>
-              </a:srgbClr>
-            </a:outerShdw>
-          </a:effectLst>
-          <a:scene3d>
-            <a:camera prst="orthographicFront">
-              <a:rot lat="0" lon="0" rev="0"/>
-            </a:camera>
-            <a:lightRig rig="threePt" dir="t">
-              <a:rot lat="0" lon="0" rev="1200000"/>
-            </a:lightRig>
-          </a:scene3d>
-          <a:sp3d>
-            <a:bevelT w="63500" h="25400"/>
-          </a:sp3d>
-        </a:effectStyle>
-      </a:effectStyleLst>
-      <a:bgFillStyleLst>
-        <a:solidFill>
-          <a:schemeClr val="phClr"/>
-        </a:solidFill>
-        <a:gradFill rotWithShape="1">
-          <a:gsLst>
-            <a:gs pos="0">
-              <a:schemeClr val="phClr">
-                <a:tint val="40000"/>
-                <a:satMod val="350000"/>
-              </a:schemeClr>
-            </a:gs>
-            <a:gs pos="40000">
-              <a:schemeClr val="phClr">
-                <a:tint val="45000"/>
-                <a:shade val="99000"/>
-                <a:satMod val="350000"/>
-              </a:schemeClr>
-            </a:gs>
-            <a:gs pos="100000">
-              <a:schemeClr val="phClr">
-                <a:shade val="20000"/>
-                <a:satMod val="255000"/>
-              </a:schemeClr>
-            </a:gs>
-          </a:gsLst>
-          <a:path path="circle">
-            <a:fillToRect l="50000" t="-80000" r="50000" b="180000"/>
-          </a:path>
-        </a:gradFill>
-        <a:gradFill rotWithShape="1">
-          <a:gsLst>
-            <a:gs pos="0">
-              <a:schemeClr val="phClr">
-                <a:tint val="80000"/>
-                <a:satMod val="300000"/>
-              </a:schemeClr>
-            </a:gs>
-            <a:gs pos="100000">
-              <a:schemeClr val="phClr">
-                <a:shade val="30000"/>
-                <a:satMod val="200000"/>
-              </a:schemeClr>
-            </a:gs>
-          </a:gsLst>
-          <a:path path="circle">
-            <a:fillToRect l="50000" t="50000" r="50000" b="50000"/>
-          </a:path>
-        </a:gradFill>
-      </a:bgFillStyleLst>
-    </a:fmtScheme>
-  </a:themeElements>
-</a:theme>
 </file>